--- a/other/Medaka_stage_prediction_Doc.pptx
+++ b/other/Medaka_stage_prediction_Doc.pptx
@@ -5,11 +5,12 @@
     <p:sldMasterId id="2147483720" r:id="rId1"/>
   </p:sldMasterIdLst>
   <p:notesMasterIdLst>
-    <p:notesMasterId r:id="rId4"/>
+    <p:notesMasterId r:id="rId5"/>
   </p:notesMasterIdLst>
   <p:sldIdLst>
     <p:sldId id="256" r:id="rId2"/>
-    <p:sldId id="257" r:id="rId3"/>
+    <p:sldId id="258" r:id="rId3"/>
+    <p:sldId id="257" r:id="rId4"/>
   </p:sldIdLst>
   <p:sldSz cx="26015950" cy="17802225"/>
   <p:notesSz cx="6858000" cy="9144000"/>
@@ -108,6 +109,11 @@
       </a:defRPr>
     </a:lvl9pPr>
   </p:defaultTextStyle>
+  <p:extLst>
+    <p:ext uri="{EFAFB233-063F-42B5-8137-9DF3F51BA10A}">
+      <p15:sldGuideLst xmlns:p15="http://schemas.microsoft.com/office/powerpoint/2012/main"/>
+    </p:ext>
+  </p:extLst>
 </p:presentation>
 </file>
 
@@ -193,7 +199,7 @@
           <a:p>
             <a:fld id="{2570CBF8-95A8-3840-B010-B51E04988E5B}" type="datetimeFigureOut">
               <a:rPr lang="de-DE" smtClean="0"/>
-              <a:t>01.05.24</a:t>
+              <a:t>03.07.24</a:t>
             </a:fld>
             <a:endParaRPr lang="de-DE"/>
           </a:p>
@@ -619,7 +625,7 @@
           <a:p>
             <a:fld id="{6409710D-3B37-5343-ABA0-1754D7988CBE}" type="slidenum">
               <a:rPr lang="de-DE" smtClean="0"/>
-              <a:t>2</a:t>
+              <a:t>3</a:t>
             </a:fld>
             <a:endParaRPr lang="de-DE"/>
           </a:p>
@@ -769,7 +775,7 @@
           <a:p>
             <a:fld id="{E5D13562-383D-154F-A3F5-502566132482}" type="datetimeFigureOut">
               <a:rPr lang="de-DE" smtClean="0"/>
-              <a:t>01.05.24</a:t>
+              <a:t>03.07.24</a:t>
             </a:fld>
             <a:endParaRPr lang="de-DE"/>
           </a:p>
@@ -939,7 +945,7 @@
           <a:p>
             <a:fld id="{E5D13562-383D-154F-A3F5-502566132482}" type="datetimeFigureOut">
               <a:rPr lang="de-DE" smtClean="0"/>
-              <a:t>01.05.24</a:t>
+              <a:t>03.07.24</a:t>
             </a:fld>
             <a:endParaRPr lang="de-DE"/>
           </a:p>
@@ -1119,7 +1125,7 @@
           <a:p>
             <a:fld id="{E5D13562-383D-154F-A3F5-502566132482}" type="datetimeFigureOut">
               <a:rPr lang="de-DE" smtClean="0"/>
-              <a:t>01.05.24</a:t>
+              <a:t>03.07.24</a:t>
             </a:fld>
             <a:endParaRPr lang="de-DE"/>
           </a:p>
@@ -1289,7 +1295,7 @@
           <a:p>
             <a:fld id="{E5D13562-383D-154F-A3F5-502566132482}" type="datetimeFigureOut">
               <a:rPr lang="de-DE" smtClean="0"/>
-              <a:t>01.05.24</a:t>
+              <a:t>03.07.24</a:t>
             </a:fld>
             <a:endParaRPr lang="de-DE"/>
           </a:p>
@@ -1535,7 +1541,7 @@
           <a:p>
             <a:fld id="{E5D13562-383D-154F-A3F5-502566132482}" type="datetimeFigureOut">
               <a:rPr lang="de-DE" smtClean="0"/>
-              <a:t>01.05.24</a:t>
+              <a:t>03.07.24</a:t>
             </a:fld>
             <a:endParaRPr lang="de-DE"/>
           </a:p>
@@ -1767,7 +1773,7 @@
           <a:p>
             <a:fld id="{E5D13562-383D-154F-A3F5-502566132482}" type="datetimeFigureOut">
               <a:rPr lang="de-DE" smtClean="0"/>
-              <a:t>01.05.24</a:t>
+              <a:t>03.07.24</a:t>
             </a:fld>
             <a:endParaRPr lang="de-DE"/>
           </a:p>
@@ -2134,7 +2140,7 @@
           <a:p>
             <a:fld id="{E5D13562-383D-154F-A3F5-502566132482}" type="datetimeFigureOut">
               <a:rPr lang="de-DE" smtClean="0"/>
-              <a:t>01.05.24</a:t>
+              <a:t>03.07.24</a:t>
             </a:fld>
             <a:endParaRPr lang="de-DE"/>
           </a:p>
@@ -2252,7 +2258,7 @@
           <a:p>
             <a:fld id="{E5D13562-383D-154F-A3F5-502566132482}" type="datetimeFigureOut">
               <a:rPr lang="de-DE" smtClean="0"/>
-              <a:t>01.05.24</a:t>
+              <a:t>03.07.24</a:t>
             </a:fld>
             <a:endParaRPr lang="de-DE"/>
           </a:p>
@@ -2347,7 +2353,7 @@
           <a:p>
             <a:fld id="{E5D13562-383D-154F-A3F5-502566132482}" type="datetimeFigureOut">
               <a:rPr lang="de-DE" smtClean="0"/>
-              <a:t>01.05.24</a:t>
+              <a:t>03.07.24</a:t>
             </a:fld>
             <a:endParaRPr lang="de-DE"/>
           </a:p>
@@ -2624,7 +2630,7 @@
           <a:p>
             <a:fld id="{E5D13562-383D-154F-A3F5-502566132482}" type="datetimeFigureOut">
               <a:rPr lang="de-DE" smtClean="0"/>
-              <a:t>01.05.24</a:t>
+              <a:t>03.07.24</a:t>
             </a:fld>
             <a:endParaRPr lang="de-DE"/>
           </a:p>
@@ -2881,7 +2887,7 @@
           <a:p>
             <a:fld id="{E5D13562-383D-154F-A3F5-502566132482}" type="datetimeFigureOut">
               <a:rPr lang="de-DE" smtClean="0"/>
-              <a:t>01.05.24</a:t>
+              <a:t>03.07.24</a:t>
             </a:fld>
             <a:endParaRPr lang="de-DE"/>
           </a:p>
@@ -3094,7 +3100,7 @@
           <a:p>
             <a:fld id="{E5D13562-383D-154F-A3F5-502566132482}" type="datetimeFigureOut">
               <a:rPr lang="de-DE" smtClean="0"/>
-              <a:t>01.05.24</a:t>
+              <a:t>03.07.24</a:t>
             </a:fld>
             <a:endParaRPr lang="de-DE"/>
           </a:p>
@@ -8201,373 +8207,6 @@
           </a:fontRef>
         </p:style>
       </p:cxnSp>
-      <p:sp>
-        <p:nvSpPr>
-          <p:cNvPr id="407" name="Textfeld 406">
-            <a:extLst>
-              <a:ext uri="{FF2B5EF4-FFF2-40B4-BE49-F238E27FC236}">
-                <a16:creationId xmlns:a16="http://schemas.microsoft.com/office/drawing/2014/main" id="{FB93B5E3-2916-0AFA-48D7-D574E2BF7CD5}"/>
-              </a:ext>
-            </a:extLst>
-          </p:cNvPr>
-          <p:cNvSpPr txBox="1"/>
-          <p:nvPr/>
-        </p:nvSpPr>
-        <p:spPr>
-          <a:xfrm>
-            <a:off x="-63995" y="-43083"/>
-            <a:ext cx="6236812" cy="2031325"/>
-          </a:xfrm>
-          <a:prstGeom prst="rect">
-            <a:avLst/>
-          </a:prstGeom>
-          <a:noFill/>
-        </p:spPr>
-        <p:txBody>
-          <a:bodyPr wrap="square" rtlCol="0">
-            <a:spAutoFit/>
-          </a:bodyPr>
-          <a:lstStyle/>
-          <a:p>
-            <a:r>
-              <a:rPr lang="de-DE" dirty="0" err="1"/>
-              <a:t>What</a:t>
-            </a:r>
-            <a:r>
-              <a:rPr lang="de-DE" dirty="0"/>
-              <a:t> </a:t>
-            </a:r>
-            <a:r>
-              <a:rPr lang="de-DE" dirty="0" err="1"/>
-              <a:t>happens</a:t>
-            </a:r>
-            <a:r>
-              <a:rPr lang="de-DE" dirty="0"/>
-              <a:t> </a:t>
-            </a:r>
-            <a:r>
-              <a:rPr lang="de-DE" dirty="0" err="1"/>
-              <a:t>if</a:t>
-            </a:r>
-            <a:r>
-              <a:rPr lang="de-DE" dirty="0"/>
-              <a:t> </a:t>
-            </a:r>
-            <a:r>
-              <a:rPr lang="de-DE" dirty="0" err="1"/>
-              <a:t>start</a:t>
-            </a:r>
-            <a:r>
-              <a:rPr lang="de-DE" dirty="0"/>
-              <a:t> date </a:t>
-            </a:r>
-            <a:r>
-              <a:rPr lang="de-DE" dirty="0" err="1"/>
-              <a:t>is</a:t>
-            </a:r>
-            <a:r>
-              <a:rPr lang="de-DE" dirty="0"/>
-              <a:t> not in </a:t>
-            </a:r>
-            <a:r>
-              <a:rPr lang="de-DE" dirty="0" err="1"/>
-              <a:t>specific</a:t>
-            </a:r>
-            <a:r>
-              <a:rPr lang="de-DE" dirty="0"/>
-              <a:t> egg </a:t>
-            </a:r>
-            <a:r>
-              <a:rPr lang="de-DE" dirty="0" err="1"/>
-              <a:t>laying</a:t>
-            </a:r>
-            <a:r>
-              <a:rPr lang="de-DE" dirty="0"/>
-              <a:t> time frame?</a:t>
-            </a:r>
-          </a:p>
-          <a:p>
-            <a:r>
-              <a:rPr lang="de-DE" dirty="0" err="1"/>
-              <a:t>Should</a:t>
-            </a:r>
-            <a:r>
-              <a:rPr lang="de-DE" dirty="0"/>
-              <a:t> </a:t>
-            </a:r>
-            <a:r>
-              <a:rPr lang="de-DE" dirty="0" err="1"/>
-              <a:t>we</a:t>
-            </a:r>
-            <a:r>
-              <a:rPr lang="de-DE" dirty="0"/>
-              <a:t> </a:t>
-            </a:r>
-            <a:r>
-              <a:rPr lang="de-DE" dirty="0" err="1"/>
-              <a:t>adjust</a:t>
-            </a:r>
-            <a:r>
-              <a:rPr lang="de-DE" dirty="0"/>
-              <a:t> </a:t>
-            </a:r>
-            <a:r>
-              <a:rPr lang="de-DE" dirty="0" err="1"/>
-              <a:t>the</a:t>
-            </a:r>
-            <a:r>
-              <a:rPr lang="de-DE" dirty="0"/>
-              <a:t> code </a:t>
-            </a:r>
-            <a:r>
-              <a:rPr lang="de-DE" dirty="0" err="1"/>
-              <a:t>that</a:t>
-            </a:r>
-            <a:r>
-              <a:rPr lang="de-DE" dirty="0"/>
-              <a:t> </a:t>
-            </a:r>
-            <a:r>
-              <a:rPr lang="de-DE" dirty="0" err="1"/>
-              <a:t>it</a:t>
-            </a:r>
-            <a:r>
-              <a:rPr lang="de-DE" dirty="0"/>
-              <a:t> also </a:t>
-            </a:r>
-            <a:r>
-              <a:rPr lang="de-DE" dirty="0" err="1"/>
-              <a:t>makes</a:t>
-            </a:r>
-            <a:r>
-              <a:rPr lang="de-DE" dirty="0"/>
-              <a:t> </a:t>
-            </a:r>
-            <a:r>
-              <a:rPr lang="de-DE" dirty="0" err="1"/>
-              <a:t>it</a:t>
-            </a:r>
-            <a:r>
-              <a:rPr lang="de-DE" dirty="0"/>
-              <a:t> possible </a:t>
-            </a:r>
-            <a:r>
-              <a:rPr lang="de-DE" dirty="0" err="1"/>
-              <a:t>to</a:t>
-            </a:r>
-            <a:r>
-              <a:rPr lang="de-DE" dirty="0"/>
-              <a:t> </a:t>
-            </a:r>
-            <a:r>
-              <a:rPr lang="de-DE" dirty="0" err="1"/>
-              <a:t>select</a:t>
-            </a:r>
-            <a:r>
-              <a:rPr lang="de-DE" dirty="0"/>
-              <a:t> </a:t>
-            </a:r>
-            <a:r>
-              <a:rPr lang="de-DE" dirty="0" err="1"/>
-              <a:t>the</a:t>
-            </a:r>
-            <a:r>
-              <a:rPr lang="de-DE" dirty="0"/>
-              <a:t> </a:t>
-            </a:r>
-            <a:r>
-              <a:rPr lang="de-DE" dirty="0" err="1"/>
-              <a:t>latest</a:t>
-            </a:r>
-            <a:r>
-              <a:rPr lang="de-DE" dirty="0"/>
-              <a:t> </a:t>
-            </a:r>
-            <a:r>
-              <a:rPr lang="de-DE" dirty="0" err="1"/>
-              <a:t>stage</a:t>
-            </a:r>
-            <a:r>
-              <a:rPr lang="de-DE" dirty="0"/>
-              <a:t> </a:t>
-            </a:r>
-            <a:r>
-              <a:rPr lang="de-DE" dirty="0" err="1"/>
-              <a:t>as</a:t>
-            </a:r>
-            <a:r>
-              <a:rPr lang="de-DE" dirty="0"/>
-              <a:t> </a:t>
-            </a:r>
-            <a:r>
-              <a:rPr lang="de-DE" dirty="0" err="1"/>
-              <a:t>the</a:t>
-            </a:r>
-            <a:r>
-              <a:rPr lang="de-DE" dirty="0"/>
-              <a:t> </a:t>
-            </a:r>
-            <a:r>
-              <a:rPr lang="de-DE" dirty="0" err="1"/>
-              <a:t>one</a:t>
-            </a:r>
-            <a:r>
-              <a:rPr lang="de-DE" dirty="0"/>
-              <a:t> </a:t>
-            </a:r>
-            <a:r>
-              <a:rPr lang="de-DE" dirty="0" err="1"/>
-              <a:t>were</a:t>
-            </a:r>
-            <a:r>
-              <a:rPr lang="de-DE" dirty="0"/>
-              <a:t> all </a:t>
-            </a:r>
-            <a:r>
-              <a:rPr lang="de-DE" dirty="0" err="1"/>
-              <a:t>other</a:t>
-            </a:r>
-            <a:r>
-              <a:rPr lang="de-DE" dirty="0"/>
-              <a:t> </a:t>
-            </a:r>
-            <a:r>
-              <a:rPr lang="de-DE" dirty="0" err="1"/>
-              <a:t>stages</a:t>
-            </a:r>
-            <a:r>
-              <a:rPr lang="de-DE" dirty="0"/>
-              <a:t> finish?</a:t>
-            </a:r>
-          </a:p>
-          <a:p>
-            <a:r>
-              <a:rPr lang="de-DE" dirty="0"/>
-              <a:t>Integration </a:t>
-            </a:r>
-            <a:r>
-              <a:rPr lang="de-DE" dirty="0" err="1"/>
-              <a:t>of</a:t>
-            </a:r>
-            <a:r>
-              <a:rPr lang="de-DE" dirty="0"/>
-              <a:t> an </a:t>
-            </a:r>
-            <a:r>
-              <a:rPr lang="de-DE" dirty="0" err="1"/>
-              <a:t>algorythm</a:t>
-            </a:r>
-            <a:r>
-              <a:rPr lang="de-DE" dirty="0"/>
-              <a:t> also </a:t>
-            </a:r>
-            <a:r>
-              <a:rPr lang="de-DE" dirty="0" err="1"/>
-              <a:t>trying</a:t>
-            </a:r>
-            <a:r>
-              <a:rPr lang="de-DE" dirty="0"/>
-              <a:t> </a:t>
-            </a:r>
-            <a:r>
-              <a:rPr lang="de-DE" dirty="0" err="1"/>
-              <a:t>to</a:t>
-            </a:r>
-            <a:r>
-              <a:rPr lang="de-DE" dirty="0"/>
-              <a:t> </a:t>
-            </a:r>
-            <a:r>
-              <a:rPr lang="de-DE" dirty="0" err="1"/>
-              <a:t>reduce</a:t>
-            </a:r>
-            <a:r>
-              <a:rPr lang="de-DE" dirty="0"/>
-              <a:t> </a:t>
-            </a:r>
-            <a:r>
-              <a:rPr lang="de-DE" dirty="0" err="1"/>
-              <a:t>effort</a:t>
-            </a:r>
-            <a:r>
-              <a:rPr lang="de-DE" dirty="0"/>
-              <a:t> </a:t>
-            </a:r>
-            <a:r>
-              <a:rPr lang="de-DE" dirty="0" err="1"/>
-              <a:t>by</a:t>
-            </a:r>
-            <a:r>
-              <a:rPr lang="de-DE" dirty="0"/>
-              <a:t> </a:t>
-            </a:r>
-            <a:r>
-              <a:rPr lang="de-DE" dirty="0" err="1"/>
-              <a:t>selecting</a:t>
-            </a:r>
-            <a:r>
-              <a:rPr lang="de-DE" dirty="0"/>
-              <a:t> </a:t>
-            </a:r>
-            <a:r>
-              <a:rPr lang="de-DE" dirty="0" err="1"/>
-              <a:t>similar</a:t>
-            </a:r>
-            <a:r>
-              <a:rPr lang="de-DE" dirty="0"/>
-              <a:t> </a:t>
-            </a:r>
-            <a:r>
-              <a:rPr lang="de-DE" dirty="0" err="1"/>
-              <a:t>finishing</a:t>
-            </a:r>
-            <a:r>
-              <a:rPr lang="de-DE" dirty="0"/>
-              <a:t> </a:t>
-            </a:r>
-            <a:r>
-              <a:rPr lang="de-DE" dirty="0" err="1"/>
-              <a:t>times</a:t>
-            </a:r>
-            <a:r>
-              <a:rPr lang="de-DE" dirty="0"/>
-              <a:t> o different </a:t>
-            </a:r>
-            <a:r>
-              <a:rPr lang="de-DE" dirty="0" err="1"/>
-              <a:t>stages</a:t>
-            </a:r>
-            <a:r>
-              <a:rPr lang="de-DE" dirty="0"/>
-              <a:t> </a:t>
-            </a:r>
-            <a:r>
-              <a:rPr lang="de-DE" dirty="0" err="1"/>
-              <a:t>by</a:t>
-            </a:r>
-            <a:r>
-              <a:rPr lang="de-DE" dirty="0"/>
-              <a:t> </a:t>
-            </a:r>
-            <a:r>
-              <a:rPr lang="de-DE" dirty="0" err="1"/>
-              <a:t>placing</a:t>
-            </a:r>
-            <a:r>
-              <a:rPr lang="de-DE" dirty="0"/>
-              <a:t> in different </a:t>
-            </a:r>
-            <a:r>
-              <a:rPr lang="de-DE" dirty="0" err="1"/>
-              <a:t>temperatures</a:t>
-            </a:r>
-            <a:r>
-              <a:rPr lang="de-DE" dirty="0"/>
-              <a:t>?</a:t>
-            </a:r>
-          </a:p>
-        </p:txBody>
-      </p:sp>
       <p:cxnSp>
         <p:nvCxnSpPr>
           <p:cNvPr id="409" name="Gerade Verbindung mit Pfeil 408">
@@ -11331,2007 +10970,6 @@
               <a:rPr lang="de-DE" sz="1100" dirty="0"/>
               <a:t>Mo-Fr 9:00-17:00</a:t>
             </a:r>
-          </a:p>
-        </p:txBody>
-      </p:sp>
-      <p:sp>
-        <p:nvSpPr>
-          <p:cNvPr id="578" name="Textfeld 577">
-            <a:extLst>
-              <a:ext uri="{FF2B5EF4-FFF2-40B4-BE49-F238E27FC236}">
-                <a16:creationId xmlns:a16="http://schemas.microsoft.com/office/drawing/2014/main" id="{80ABF2F6-941B-A85A-F64E-49A8200010DE}"/>
-              </a:ext>
-            </a:extLst>
-          </p:cNvPr>
-          <p:cNvSpPr txBox="1"/>
-          <p:nvPr/>
-        </p:nvSpPr>
-        <p:spPr>
-          <a:xfrm>
-            <a:off x="535461" y="18502489"/>
-            <a:ext cx="23303239" cy="6463308"/>
-          </a:xfrm>
-          <a:prstGeom prst="rect">
-            <a:avLst/>
-          </a:prstGeom>
-          <a:noFill/>
-        </p:spPr>
-        <p:txBody>
-          <a:bodyPr wrap="none" rtlCol="0">
-            <a:spAutoFit/>
-          </a:bodyPr>
-          <a:lstStyle/>
-          <a:p>
-            <a:r>
-              <a:rPr lang="de-DE" dirty="0"/>
-              <a:t>1yes2no3no4no = Duration </a:t>
-            </a:r>
-            <a:r>
-              <a:rPr lang="de-DE" dirty="0" err="1"/>
-              <a:t>of</a:t>
-            </a:r>
-            <a:r>
-              <a:rPr lang="de-DE" dirty="0"/>
-              <a:t> </a:t>
-            </a:r>
-            <a:r>
-              <a:rPr lang="de-DE" dirty="0" err="1"/>
-              <a:t>each</a:t>
-            </a:r>
-            <a:r>
-              <a:rPr lang="de-DE" dirty="0"/>
-              <a:t> </a:t>
-            </a:r>
-            <a:r>
-              <a:rPr lang="de-DE" dirty="0" err="1"/>
-              <a:t>stage</a:t>
-            </a:r>
-            <a:r>
-              <a:rPr lang="de-DE" dirty="0"/>
-              <a:t> at 26°C</a:t>
-            </a:r>
-          </a:p>
-          <a:p>
-            <a:r>
-              <a:rPr lang="de-DE" dirty="0"/>
-              <a:t>1yes2no3no4yes5no6no = Collection </a:t>
-            </a:r>
-            <a:r>
-              <a:rPr lang="de-DE" dirty="0" err="1"/>
-              <a:t>times</a:t>
-            </a:r>
-            <a:r>
-              <a:rPr lang="de-DE" dirty="0"/>
-              <a:t> </a:t>
-            </a:r>
-            <a:r>
-              <a:rPr lang="de-DE" dirty="0" err="1"/>
-              <a:t>for</a:t>
-            </a:r>
-            <a:r>
-              <a:rPr lang="de-DE" dirty="0"/>
-              <a:t> </a:t>
-            </a:r>
-            <a:r>
-              <a:rPr lang="de-DE" dirty="0" err="1"/>
-              <a:t>each</a:t>
-            </a:r>
-            <a:r>
-              <a:rPr lang="de-DE" dirty="0"/>
-              <a:t> </a:t>
-            </a:r>
-            <a:r>
-              <a:rPr lang="de-DE" dirty="0" err="1"/>
-              <a:t>stage</a:t>
-            </a:r>
-            <a:r>
-              <a:rPr lang="de-DE" dirty="0"/>
-              <a:t> at 26° C  </a:t>
-            </a:r>
-          </a:p>
-          <a:p>
-            <a:r>
-              <a:rPr lang="de-DE" dirty="0"/>
-              <a:t>1yes2no3no4yes5no6yes = Collection </a:t>
-            </a:r>
-            <a:r>
-              <a:rPr lang="de-DE" dirty="0" err="1"/>
-              <a:t>times</a:t>
-            </a:r>
-            <a:r>
-              <a:rPr lang="de-DE" dirty="0"/>
-              <a:t> </a:t>
-            </a:r>
-            <a:r>
-              <a:rPr lang="de-DE" dirty="0" err="1"/>
-              <a:t>for</a:t>
-            </a:r>
-            <a:r>
-              <a:rPr lang="de-DE" dirty="0"/>
-              <a:t> </a:t>
-            </a:r>
-            <a:r>
-              <a:rPr lang="de-DE" dirty="0" err="1"/>
-              <a:t>each</a:t>
-            </a:r>
-            <a:r>
-              <a:rPr lang="de-DE" dirty="0"/>
-              <a:t> </a:t>
-            </a:r>
-            <a:r>
-              <a:rPr lang="de-DE" dirty="0" err="1"/>
-              <a:t>stage</a:t>
-            </a:r>
-            <a:r>
-              <a:rPr lang="de-DE" dirty="0"/>
-              <a:t> at 26° C  and </a:t>
-            </a:r>
-            <a:r>
-              <a:rPr lang="de-DE" dirty="0" err="1"/>
-              <a:t>feasibility</a:t>
-            </a:r>
-            <a:r>
-              <a:rPr lang="de-DE" dirty="0"/>
-              <a:t> </a:t>
-            </a:r>
-            <a:r>
-              <a:rPr lang="de-DE" dirty="0" err="1"/>
-              <a:t>with</a:t>
-            </a:r>
-            <a:r>
-              <a:rPr lang="de-DE" dirty="0"/>
-              <a:t> </a:t>
-            </a:r>
-            <a:r>
-              <a:rPr lang="de-DE" dirty="0" err="1"/>
-              <a:t>user</a:t>
-            </a:r>
-            <a:r>
-              <a:rPr lang="de-DE" dirty="0"/>
-              <a:t> </a:t>
-            </a:r>
-            <a:r>
-              <a:rPr lang="de-DE" dirty="0" err="1"/>
-              <a:t>availibility</a:t>
-            </a:r>
-            <a:endParaRPr lang="de-DE" dirty="0"/>
-          </a:p>
-          <a:p>
-            <a:r>
-              <a:rPr lang="de-DE" dirty="0"/>
-              <a:t>1yes2no3no4yes5yes6no = Collection </a:t>
-            </a:r>
-            <a:r>
-              <a:rPr lang="de-DE" dirty="0" err="1"/>
-              <a:t>times</a:t>
-            </a:r>
-            <a:r>
-              <a:rPr lang="de-DE" dirty="0"/>
-              <a:t> </a:t>
-            </a:r>
-            <a:r>
-              <a:rPr lang="de-DE" dirty="0" err="1"/>
-              <a:t>for</a:t>
-            </a:r>
-            <a:r>
-              <a:rPr lang="de-DE" dirty="0"/>
-              <a:t> </a:t>
-            </a:r>
-            <a:r>
-              <a:rPr lang="de-DE" dirty="0" err="1"/>
-              <a:t>each</a:t>
-            </a:r>
-            <a:r>
-              <a:rPr lang="de-DE" dirty="0"/>
-              <a:t> </a:t>
-            </a:r>
-            <a:r>
-              <a:rPr lang="de-DE" dirty="0" err="1"/>
-              <a:t>stage</a:t>
-            </a:r>
-            <a:r>
-              <a:rPr lang="de-DE" dirty="0"/>
-              <a:t> at 26° C and </a:t>
-            </a:r>
-            <a:r>
-              <a:rPr lang="de-DE" dirty="0" err="1"/>
-              <a:t>feasibility</a:t>
-            </a:r>
-            <a:r>
-              <a:rPr lang="de-DE" dirty="0"/>
-              <a:t> </a:t>
-            </a:r>
-            <a:r>
-              <a:rPr lang="de-DE" dirty="0" err="1"/>
-              <a:t>with</a:t>
-            </a:r>
-            <a:r>
-              <a:rPr lang="de-DE" dirty="0"/>
-              <a:t> </a:t>
-            </a:r>
-            <a:r>
-              <a:rPr lang="de-DE" dirty="0" err="1"/>
-              <a:t>specific</a:t>
-            </a:r>
-            <a:r>
-              <a:rPr lang="de-DE" dirty="0"/>
-              <a:t> egg </a:t>
-            </a:r>
-            <a:r>
-              <a:rPr lang="de-DE" dirty="0" err="1"/>
-              <a:t>laying</a:t>
-            </a:r>
-            <a:r>
-              <a:rPr lang="de-DE" dirty="0"/>
-              <a:t> time frame </a:t>
-            </a:r>
-          </a:p>
-          <a:p>
-            <a:r>
-              <a:rPr lang="de-DE" dirty="0"/>
-              <a:t>1yes2no3no4yes5yes6yes = Collection </a:t>
-            </a:r>
-            <a:r>
-              <a:rPr lang="de-DE" dirty="0" err="1"/>
-              <a:t>times</a:t>
-            </a:r>
-            <a:r>
-              <a:rPr lang="de-DE" dirty="0"/>
-              <a:t> </a:t>
-            </a:r>
-            <a:r>
-              <a:rPr lang="de-DE" dirty="0" err="1"/>
-              <a:t>for</a:t>
-            </a:r>
-            <a:r>
-              <a:rPr lang="de-DE" dirty="0"/>
-              <a:t> </a:t>
-            </a:r>
-            <a:r>
-              <a:rPr lang="de-DE" dirty="0" err="1"/>
-              <a:t>each</a:t>
-            </a:r>
-            <a:r>
-              <a:rPr lang="de-DE" dirty="0"/>
-              <a:t> </a:t>
-            </a:r>
-            <a:r>
-              <a:rPr lang="de-DE" dirty="0" err="1"/>
-              <a:t>stage</a:t>
-            </a:r>
-            <a:r>
-              <a:rPr lang="de-DE" dirty="0"/>
-              <a:t> at 26° C  </a:t>
-            </a:r>
-            <a:r>
-              <a:rPr lang="de-DE" dirty="0" err="1"/>
-              <a:t>feasibility</a:t>
-            </a:r>
-            <a:r>
-              <a:rPr lang="de-DE" dirty="0"/>
-              <a:t> </a:t>
-            </a:r>
-            <a:r>
-              <a:rPr lang="de-DE" dirty="0" err="1"/>
-              <a:t>with</a:t>
-            </a:r>
-            <a:r>
-              <a:rPr lang="de-DE" dirty="0"/>
-              <a:t> </a:t>
-            </a:r>
-            <a:r>
-              <a:rPr lang="de-DE" dirty="0" err="1"/>
-              <a:t>user</a:t>
-            </a:r>
-            <a:r>
-              <a:rPr lang="de-DE" dirty="0"/>
-              <a:t> </a:t>
-            </a:r>
-            <a:r>
-              <a:rPr lang="de-DE" dirty="0" err="1"/>
-              <a:t>availibility</a:t>
-            </a:r>
-            <a:r>
-              <a:rPr lang="de-DE" dirty="0"/>
-              <a:t> and egg </a:t>
-            </a:r>
-            <a:r>
-              <a:rPr lang="de-DE" dirty="0" err="1"/>
-              <a:t>laying</a:t>
-            </a:r>
-            <a:r>
-              <a:rPr lang="de-DE" dirty="0"/>
-              <a:t> time frame </a:t>
-            </a:r>
-          </a:p>
-          <a:p>
-            <a:r>
-              <a:rPr lang="de-DE" dirty="0"/>
-              <a:t>1yes2no3yes4no6no = </a:t>
-            </a:r>
-            <a:r>
-              <a:rPr lang="de-DE" dirty="0" err="1"/>
-              <a:t>Exact</a:t>
-            </a:r>
-            <a:r>
-              <a:rPr lang="de-DE" dirty="0"/>
-              <a:t> Date </a:t>
-            </a:r>
-            <a:r>
-              <a:rPr lang="de-DE" dirty="0" err="1"/>
-              <a:t>of</a:t>
-            </a:r>
-            <a:r>
-              <a:rPr lang="de-DE" dirty="0"/>
-              <a:t> </a:t>
-            </a:r>
-            <a:r>
-              <a:rPr lang="de-DE" dirty="0" err="1"/>
-              <a:t>reaching</a:t>
-            </a:r>
-            <a:r>
-              <a:rPr lang="de-DE" dirty="0"/>
-              <a:t> </a:t>
-            </a:r>
-            <a:r>
-              <a:rPr lang="de-DE" dirty="0" err="1"/>
-              <a:t>stages</a:t>
-            </a:r>
-            <a:r>
-              <a:rPr lang="de-DE" dirty="0"/>
-              <a:t> at 26°</a:t>
-            </a:r>
-          </a:p>
-          <a:p>
-            <a:r>
-              <a:rPr lang="de-DE" dirty="0"/>
-              <a:t>1yes2no3yes4no6yes = </a:t>
-            </a:r>
-            <a:r>
-              <a:rPr lang="de-DE" dirty="0" err="1"/>
-              <a:t>Exact</a:t>
-            </a:r>
-            <a:r>
-              <a:rPr lang="de-DE" dirty="0"/>
-              <a:t> Date </a:t>
-            </a:r>
-            <a:r>
-              <a:rPr lang="de-DE" dirty="0" err="1"/>
-              <a:t>of</a:t>
-            </a:r>
-            <a:r>
-              <a:rPr lang="de-DE" dirty="0"/>
-              <a:t> </a:t>
-            </a:r>
-            <a:r>
-              <a:rPr lang="de-DE" dirty="0" err="1"/>
-              <a:t>reaching</a:t>
-            </a:r>
-            <a:r>
-              <a:rPr lang="de-DE" dirty="0"/>
-              <a:t> </a:t>
-            </a:r>
-            <a:r>
-              <a:rPr lang="de-DE" dirty="0" err="1"/>
-              <a:t>stages</a:t>
-            </a:r>
-            <a:r>
-              <a:rPr lang="de-DE" dirty="0"/>
-              <a:t> at 26° and </a:t>
-            </a:r>
-            <a:r>
-              <a:rPr lang="de-DE" dirty="0" err="1"/>
-              <a:t>feasibility</a:t>
-            </a:r>
-            <a:r>
-              <a:rPr lang="de-DE" dirty="0"/>
-              <a:t> </a:t>
-            </a:r>
-            <a:r>
-              <a:rPr lang="de-DE" dirty="0" err="1"/>
-              <a:t>with</a:t>
-            </a:r>
-            <a:r>
-              <a:rPr lang="de-DE" dirty="0"/>
-              <a:t> </a:t>
-            </a:r>
-            <a:r>
-              <a:rPr lang="de-DE" dirty="0" err="1"/>
-              <a:t>user</a:t>
-            </a:r>
-            <a:r>
-              <a:rPr lang="de-DE" dirty="0"/>
-              <a:t> </a:t>
-            </a:r>
-            <a:r>
-              <a:rPr lang="de-DE" dirty="0" err="1"/>
-              <a:t>availability</a:t>
-            </a:r>
-            <a:endParaRPr lang="de-DE" dirty="0"/>
-          </a:p>
-          <a:p>
-            <a:r>
-              <a:rPr lang="de-DE" dirty="0"/>
-              <a:t>1yes2no3yes4yes5no6no = Collection </a:t>
-            </a:r>
-            <a:r>
-              <a:rPr lang="de-DE" dirty="0" err="1"/>
-              <a:t>times</a:t>
-            </a:r>
-            <a:r>
-              <a:rPr lang="de-DE" dirty="0"/>
-              <a:t> </a:t>
-            </a:r>
-            <a:r>
-              <a:rPr lang="de-DE" dirty="0" err="1"/>
-              <a:t>for</a:t>
-            </a:r>
-            <a:r>
-              <a:rPr lang="de-DE" dirty="0"/>
-              <a:t> </a:t>
-            </a:r>
-            <a:r>
-              <a:rPr lang="de-DE" dirty="0" err="1"/>
-              <a:t>each</a:t>
-            </a:r>
-            <a:r>
-              <a:rPr lang="de-DE" dirty="0"/>
-              <a:t> </a:t>
-            </a:r>
-            <a:r>
-              <a:rPr lang="de-DE" dirty="0" err="1"/>
-              <a:t>stage</a:t>
-            </a:r>
-            <a:r>
-              <a:rPr lang="de-DE" dirty="0"/>
-              <a:t> at 26° C and </a:t>
-            </a:r>
-            <a:r>
-              <a:rPr lang="de-DE" dirty="0" err="1"/>
-              <a:t>information</a:t>
-            </a:r>
-            <a:r>
-              <a:rPr lang="de-DE" dirty="0"/>
-              <a:t> </a:t>
-            </a:r>
-            <a:r>
-              <a:rPr lang="de-DE" dirty="0" err="1"/>
-              <a:t>about</a:t>
-            </a:r>
-            <a:r>
-              <a:rPr lang="de-DE" dirty="0"/>
-              <a:t> </a:t>
-            </a:r>
-            <a:r>
-              <a:rPr lang="de-DE" dirty="0" err="1"/>
-              <a:t>feasibility</a:t>
-            </a:r>
-            <a:r>
-              <a:rPr lang="de-DE" dirty="0"/>
-              <a:t> in time </a:t>
-            </a:r>
-            <a:r>
-              <a:rPr lang="de-DE" dirty="0" err="1"/>
-              <a:t>between</a:t>
-            </a:r>
-            <a:r>
-              <a:rPr lang="de-DE" dirty="0"/>
-              <a:t> </a:t>
-            </a:r>
-            <a:r>
-              <a:rPr lang="de-DE" dirty="0" err="1"/>
-              <a:t>collection</a:t>
-            </a:r>
-            <a:r>
-              <a:rPr lang="de-DE" dirty="0"/>
-              <a:t> </a:t>
-            </a:r>
-            <a:r>
-              <a:rPr lang="de-DE" dirty="0" err="1"/>
-              <a:t>start</a:t>
-            </a:r>
-            <a:r>
-              <a:rPr lang="de-DE" dirty="0"/>
-              <a:t> and end</a:t>
-            </a:r>
-          </a:p>
-          <a:p>
-            <a:r>
-              <a:rPr lang="de-DE" dirty="0"/>
-              <a:t>1yes2no3yes4yes5no6yes = Collection </a:t>
-            </a:r>
-            <a:r>
-              <a:rPr lang="de-DE" dirty="0" err="1"/>
-              <a:t>times</a:t>
-            </a:r>
-            <a:r>
-              <a:rPr lang="de-DE" dirty="0"/>
-              <a:t> </a:t>
-            </a:r>
-            <a:r>
-              <a:rPr lang="de-DE" dirty="0" err="1"/>
-              <a:t>for</a:t>
-            </a:r>
-            <a:r>
-              <a:rPr lang="de-DE" dirty="0"/>
-              <a:t> </a:t>
-            </a:r>
-            <a:r>
-              <a:rPr lang="de-DE" dirty="0" err="1"/>
-              <a:t>each</a:t>
-            </a:r>
-            <a:r>
-              <a:rPr lang="de-DE" dirty="0"/>
-              <a:t> </a:t>
-            </a:r>
-            <a:r>
-              <a:rPr lang="de-DE" dirty="0" err="1"/>
-              <a:t>stage</a:t>
-            </a:r>
-            <a:r>
-              <a:rPr lang="de-DE" dirty="0"/>
-              <a:t> at 26° C and </a:t>
-            </a:r>
-            <a:r>
-              <a:rPr lang="de-DE" dirty="0" err="1"/>
-              <a:t>information</a:t>
-            </a:r>
-            <a:r>
-              <a:rPr lang="de-DE" dirty="0"/>
-              <a:t> </a:t>
-            </a:r>
-            <a:r>
-              <a:rPr lang="de-DE" dirty="0" err="1"/>
-              <a:t>about</a:t>
-            </a:r>
-            <a:r>
-              <a:rPr lang="de-DE" dirty="0"/>
-              <a:t> </a:t>
-            </a:r>
-            <a:r>
-              <a:rPr lang="de-DE" dirty="0" err="1"/>
-              <a:t>feasibility</a:t>
-            </a:r>
-            <a:r>
-              <a:rPr lang="de-DE" dirty="0"/>
-              <a:t> in time </a:t>
-            </a:r>
-            <a:r>
-              <a:rPr lang="de-DE" dirty="0" err="1"/>
-              <a:t>between</a:t>
-            </a:r>
-            <a:r>
-              <a:rPr lang="de-DE" dirty="0"/>
-              <a:t> </a:t>
-            </a:r>
-            <a:r>
-              <a:rPr lang="de-DE" dirty="0" err="1"/>
-              <a:t>collection</a:t>
-            </a:r>
-            <a:r>
-              <a:rPr lang="de-DE" dirty="0"/>
-              <a:t> </a:t>
-            </a:r>
-            <a:r>
-              <a:rPr lang="de-DE" dirty="0" err="1"/>
-              <a:t>start</a:t>
-            </a:r>
-            <a:r>
-              <a:rPr lang="de-DE" dirty="0"/>
-              <a:t> and end and </a:t>
-            </a:r>
-            <a:r>
-              <a:rPr lang="de-DE" dirty="0" err="1"/>
-              <a:t>feasibility</a:t>
-            </a:r>
-            <a:r>
-              <a:rPr lang="de-DE" dirty="0"/>
-              <a:t> in time frame  </a:t>
-            </a:r>
-            <a:r>
-              <a:rPr lang="de-DE" dirty="0" err="1"/>
-              <a:t>of</a:t>
-            </a:r>
-            <a:r>
-              <a:rPr lang="de-DE" dirty="0"/>
-              <a:t> </a:t>
-            </a:r>
-            <a:r>
-              <a:rPr lang="de-DE" dirty="0" err="1"/>
-              <a:t>user</a:t>
-            </a:r>
-            <a:r>
-              <a:rPr lang="de-DE" dirty="0"/>
-              <a:t> </a:t>
-            </a:r>
-          </a:p>
-          <a:p>
-            <a:r>
-              <a:rPr lang="de-DE" dirty="0"/>
-              <a:t>1yes2no3yes4yes5yes6no = Collection </a:t>
-            </a:r>
-            <a:r>
-              <a:rPr lang="de-DE" dirty="0" err="1"/>
-              <a:t>times</a:t>
-            </a:r>
-            <a:r>
-              <a:rPr lang="de-DE" dirty="0"/>
-              <a:t> </a:t>
-            </a:r>
-            <a:r>
-              <a:rPr lang="de-DE" dirty="0" err="1"/>
-              <a:t>for</a:t>
-            </a:r>
-            <a:r>
-              <a:rPr lang="de-DE" dirty="0"/>
-              <a:t> </a:t>
-            </a:r>
-            <a:r>
-              <a:rPr lang="de-DE" dirty="0" err="1"/>
-              <a:t>each</a:t>
-            </a:r>
-            <a:r>
-              <a:rPr lang="de-DE" dirty="0"/>
-              <a:t> </a:t>
-            </a:r>
-            <a:r>
-              <a:rPr lang="de-DE" dirty="0" err="1"/>
-              <a:t>stage</a:t>
-            </a:r>
-            <a:r>
-              <a:rPr lang="de-DE" dirty="0"/>
-              <a:t> at 26° C and </a:t>
-            </a:r>
-            <a:r>
-              <a:rPr lang="de-DE" dirty="0" err="1"/>
-              <a:t>information</a:t>
-            </a:r>
-            <a:r>
-              <a:rPr lang="de-DE" dirty="0"/>
-              <a:t> </a:t>
-            </a:r>
-            <a:r>
-              <a:rPr lang="de-DE" dirty="0" err="1"/>
-              <a:t>about</a:t>
-            </a:r>
-            <a:r>
-              <a:rPr lang="de-DE" dirty="0"/>
-              <a:t> </a:t>
-            </a:r>
-            <a:r>
-              <a:rPr lang="de-DE" dirty="0" err="1"/>
-              <a:t>feasibility</a:t>
-            </a:r>
-            <a:r>
-              <a:rPr lang="de-DE" dirty="0"/>
-              <a:t> in time </a:t>
-            </a:r>
-            <a:r>
-              <a:rPr lang="de-DE" dirty="0" err="1"/>
-              <a:t>between</a:t>
-            </a:r>
-            <a:r>
-              <a:rPr lang="de-DE" dirty="0"/>
-              <a:t> </a:t>
-            </a:r>
-            <a:r>
-              <a:rPr lang="de-DE" dirty="0" err="1"/>
-              <a:t>collection</a:t>
-            </a:r>
-            <a:r>
-              <a:rPr lang="de-DE" dirty="0"/>
-              <a:t> </a:t>
-            </a:r>
-            <a:r>
-              <a:rPr lang="de-DE" dirty="0" err="1"/>
-              <a:t>start</a:t>
-            </a:r>
-            <a:r>
-              <a:rPr lang="de-DE" dirty="0"/>
-              <a:t> and end and </a:t>
-            </a:r>
-            <a:r>
-              <a:rPr lang="de-DE" dirty="0" err="1"/>
-              <a:t>feasibility</a:t>
-            </a:r>
-            <a:r>
-              <a:rPr lang="de-DE" dirty="0"/>
-              <a:t> </a:t>
-            </a:r>
-            <a:r>
-              <a:rPr lang="de-DE" dirty="0" err="1"/>
-              <a:t>with</a:t>
-            </a:r>
-            <a:r>
-              <a:rPr lang="de-DE" dirty="0"/>
-              <a:t> egg </a:t>
-            </a:r>
-            <a:r>
-              <a:rPr lang="de-DE" dirty="0" err="1"/>
-              <a:t>laying</a:t>
-            </a:r>
-            <a:r>
-              <a:rPr lang="de-DE" dirty="0"/>
-              <a:t> time frame</a:t>
-            </a:r>
-          </a:p>
-          <a:p>
-            <a:r>
-              <a:rPr lang="de-DE" dirty="0"/>
-              <a:t>1yes2no3yes4yes5yes6yes = Collection </a:t>
-            </a:r>
-            <a:r>
-              <a:rPr lang="de-DE" dirty="0" err="1"/>
-              <a:t>times</a:t>
-            </a:r>
-            <a:r>
-              <a:rPr lang="de-DE" dirty="0"/>
-              <a:t> </a:t>
-            </a:r>
-            <a:r>
-              <a:rPr lang="de-DE" dirty="0" err="1"/>
-              <a:t>for</a:t>
-            </a:r>
-            <a:r>
-              <a:rPr lang="de-DE" dirty="0"/>
-              <a:t> </a:t>
-            </a:r>
-            <a:r>
-              <a:rPr lang="de-DE" dirty="0" err="1"/>
-              <a:t>each</a:t>
-            </a:r>
-            <a:r>
-              <a:rPr lang="de-DE" dirty="0"/>
-              <a:t> </a:t>
-            </a:r>
-            <a:r>
-              <a:rPr lang="de-DE" dirty="0" err="1"/>
-              <a:t>stage</a:t>
-            </a:r>
-            <a:r>
-              <a:rPr lang="de-DE" dirty="0"/>
-              <a:t> at 26° C and </a:t>
-            </a:r>
-            <a:r>
-              <a:rPr lang="de-DE" dirty="0" err="1"/>
-              <a:t>information</a:t>
-            </a:r>
-            <a:r>
-              <a:rPr lang="de-DE" dirty="0"/>
-              <a:t> </a:t>
-            </a:r>
-            <a:r>
-              <a:rPr lang="de-DE" dirty="0" err="1"/>
-              <a:t>about</a:t>
-            </a:r>
-            <a:r>
-              <a:rPr lang="de-DE" dirty="0"/>
-              <a:t> </a:t>
-            </a:r>
-            <a:r>
-              <a:rPr lang="de-DE" dirty="0" err="1"/>
-              <a:t>feasibility</a:t>
-            </a:r>
-            <a:r>
-              <a:rPr lang="de-DE" dirty="0"/>
-              <a:t> in time </a:t>
-            </a:r>
-            <a:r>
-              <a:rPr lang="de-DE" dirty="0" err="1"/>
-              <a:t>between</a:t>
-            </a:r>
-            <a:r>
-              <a:rPr lang="de-DE" dirty="0"/>
-              <a:t> </a:t>
-            </a:r>
-            <a:r>
-              <a:rPr lang="de-DE" dirty="0" err="1"/>
-              <a:t>collection</a:t>
-            </a:r>
-            <a:r>
-              <a:rPr lang="de-DE" dirty="0"/>
-              <a:t> </a:t>
-            </a:r>
-            <a:r>
-              <a:rPr lang="de-DE" dirty="0" err="1"/>
-              <a:t>start</a:t>
-            </a:r>
-            <a:r>
-              <a:rPr lang="de-DE" dirty="0"/>
-              <a:t> and end and </a:t>
-            </a:r>
-            <a:r>
-              <a:rPr lang="de-DE" dirty="0" err="1"/>
-              <a:t>feasibility</a:t>
-            </a:r>
-            <a:r>
-              <a:rPr lang="de-DE" dirty="0"/>
-              <a:t> </a:t>
-            </a:r>
-            <a:r>
-              <a:rPr lang="de-DE" dirty="0" err="1"/>
-              <a:t>with</a:t>
-            </a:r>
-            <a:r>
-              <a:rPr lang="de-DE" dirty="0"/>
-              <a:t> egg </a:t>
-            </a:r>
-            <a:r>
-              <a:rPr lang="de-DE" dirty="0" err="1"/>
-              <a:t>laying</a:t>
-            </a:r>
-            <a:r>
-              <a:rPr lang="de-DE" dirty="0"/>
-              <a:t> time frame</a:t>
-            </a:r>
-          </a:p>
-          <a:p>
-            <a:r>
-              <a:rPr lang="de-DE" dirty="0"/>
-              <a:t>And </a:t>
-            </a:r>
-            <a:r>
-              <a:rPr lang="de-DE" dirty="0" err="1"/>
-              <a:t>with</a:t>
-            </a:r>
-            <a:r>
-              <a:rPr lang="de-DE" dirty="0"/>
-              <a:t> </a:t>
-            </a:r>
-            <a:r>
-              <a:rPr lang="de-DE" dirty="0" err="1"/>
-              <a:t>user</a:t>
-            </a:r>
-            <a:r>
-              <a:rPr lang="de-DE" dirty="0"/>
-              <a:t> </a:t>
-            </a:r>
-            <a:r>
-              <a:rPr lang="de-DE" dirty="0" err="1"/>
-              <a:t>availibility</a:t>
-            </a:r>
-            <a:r>
-              <a:rPr lang="de-DE" dirty="0"/>
-              <a:t> </a:t>
-            </a:r>
-          </a:p>
-          <a:p>
-            <a:r>
-              <a:rPr lang="de-DE" dirty="0"/>
-              <a:t>1yes2yes3no4no = Duration </a:t>
-            </a:r>
-            <a:r>
-              <a:rPr lang="de-DE" dirty="0" err="1"/>
-              <a:t>of</a:t>
-            </a:r>
-            <a:r>
-              <a:rPr lang="de-DE" dirty="0"/>
-              <a:t> </a:t>
-            </a:r>
-            <a:r>
-              <a:rPr lang="de-DE" dirty="0" err="1"/>
-              <a:t>each</a:t>
-            </a:r>
-            <a:r>
-              <a:rPr lang="de-DE" dirty="0"/>
-              <a:t> </a:t>
-            </a:r>
-            <a:r>
-              <a:rPr lang="de-DE" dirty="0" err="1"/>
-              <a:t>stage</a:t>
-            </a:r>
-            <a:r>
-              <a:rPr lang="de-DE" dirty="0"/>
-              <a:t> at </a:t>
-            </a:r>
-            <a:r>
-              <a:rPr lang="de-DE" dirty="0" err="1"/>
-              <a:t>each</a:t>
-            </a:r>
-            <a:r>
-              <a:rPr lang="de-DE" dirty="0"/>
-              <a:t> </a:t>
-            </a:r>
-            <a:r>
-              <a:rPr lang="de-DE" dirty="0" err="1"/>
-              <a:t>available</a:t>
-            </a:r>
-            <a:r>
-              <a:rPr lang="de-DE" dirty="0"/>
-              <a:t> </a:t>
-            </a:r>
-            <a:r>
-              <a:rPr lang="de-DE" dirty="0" err="1"/>
-              <a:t>temperature</a:t>
-            </a:r>
-            <a:endParaRPr lang="de-DE" dirty="0"/>
-          </a:p>
-          <a:p>
-            <a:r>
-              <a:rPr lang="de-DE" dirty="0"/>
-              <a:t>1yes2yes3no4yes5no6no = </a:t>
-            </a:r>
-            <a:r>
-              <a:rPr lang="de-DE" dirty="0" err="1"/>
-              <a:t>Latest</a:t>
-            </a:r>
-            <a:r>
-              <a:rPr lang="de-DE" dirty="0"/>
-              <a:t> </a:t>
-            </a:r>
-            <a:r>
-              <a:rPr lang="de-DE" dirty="0" err="1"/>
-              <a:t>collection</a:t>
-            </a:r>
-            <a:r>
-              <a:rPr lang="de-DE" dirty="0"/>
-              <a:t> </a:t>
-            </a:r>
-            <a:r>
-              <a:rPr lang="de-DE" dirty="0" err="1"/>
-              <a:t>times</a:t>
-            </a:r>
-            <a:r>
-              <a:rPr lang="de-DE" dirty="0"/>
-              <a:t> </a:t>
-            </a:r>
-            <a:r>
-              <a:rPr lang="de-DE" dirty="0" err="1"/>
-              <a:t>for</a:t>
-            </a:r>
-            <a:r>
-              <a:rPr lang="de-DE" dirty="0"/>
-              <a:t> </a:t>
-            </a:r>
-            <a:r>
-              <a:rPr lang="de-DE" dirty="0" err="1"/>
-              <a:t>each</a:t>
-            </a:r>
-            <a:r>
-              <a:rPr lang="de-DE" dirty="0"/>
-              <a:t> </a:t>
-            </a:r>
-            <a:r>
-              <a:rPr lang="de-DE" dirty="0" err="1"/>
-              <a:t>stage</a:t>
-            </a:r>
-            <a:r>
-              <a:rPr lang="de-DE" dirty="0"/>
-              <a:t> at fastest </a:t>
-            </a:r>
-            <a:r>
-              <a:rPr lang="de-DE" dirty="0" err="1"/>
-              <a:t>available</a:t>
-            </a:r>
-            <a:r>
-              <a:rPr lang="de-DE" dirty="0"/>
-              <a:t> </a:t>
-            </a:r>
-            <a:r>
-              <a:rPr lang="de-DE" dirty="0" err="1"/>
-              <a:t>temperature</a:t>
-            </a:r>
-            <a:endParaRPr lang="de-DE" dirty="0"/>
-          </a:p>
-          <a:p>
-            <a:r>
-              <a:rPr lang="de-DE" dirty="0"/>
-              <a:t>1yes2yes3no4yes5no6yes = </a:t>
-            </a:r>
-            <a:r>
-              <a:rPr lang="de-DE" dirty="0" err="1"/>
-              <a:t>Latest</a:t>
-            </a:r>
-            <a:r>
-              <a:rPr lang="de-DE" dirty="0"/>
-              <a:t> </a:t>
-            </a:r>
-            <a:r>
-              <a:rPr lang="de-DE" dirty="0" err="1"/>
-              <a:t>collection</a:t>
-            </a:r>
-            <a:r>
-              <a:rPr lang="de-DE" dirty="0"/>
-              <a:t> </a:t>
-            </a:r>
-            <a:r>
-              <a:rPr lang="de-DE" dirty="0" err="1"/>
-              <a:t>times</a:t>
-            </a:r>
-            <a:r>
-              <a:rPr lang="de-DE" dirty="0"/>
-              <a:t> </a:t>
-            </a:r>
-            <a:r>
-              <a:rPr lang="de-DE" dirty="0" err="1"/>
-              <a:t>for</a:t>
-            </a:r>
-            <a:r>
-              <a:rPr lang="de-DE" dirty="0"/>
-              <a:t> </a:t>
-            </a:r>
-            <a:r>
-              <a:rPr lang="de-DE" dirty="0" err="1"/>
-              <a:t>each</a:t>
-            </a:r>
-            <a:r>
-              <a:rPr lang="de-DE" dirty="0"/>
-              <a:t> </a:t>
-            </a:r>
-            <a:r>
-              <a:rPr lang="de-DE" dirty="0" err="1"/>
-              <a:t>stage</a:t>
-            </a:r>
-            <a:r>
-              <a:rPr lang="de-DE" dirty="0"/>
-              <a:t> at fastest </a:t>
-            </a:r>
-            <a:r>
-              <a:rPr lang="de-DE" dirty="0" err="1"/>
-              <a:t>available</a:t>
-            </a:r>
-            <a:r>
-              <a:rPr lang="de-DE" dirty="0"/>
-              <a:t> </a:t>
-            </a:r>
-            <a:r>
-              <a:rPr lang="de-DE" dirty="0" err="1"/>
-              <a:t>temperatures</a:t>
-            </a:r>
-            <a:r>
-              <a:rPr lang="de-DE" dirty="0"/>
-              <a:t> </a:t>
-            </a:r>
-            <a:r>
-              <a:rPr lang="de-DE" dirty="0" err="1"/>
-              <a:t>that</a:t>
-            </a:r>
-            <a:r>
-              <a:rPr lang="de-DE" dirty="0"/>
-              <a:t> fit </a:t>
-            </a:r>
-            <a:r>
-              <a:rPr lang="de-DE" dirty="0" err="1"/>
-              <a:t>with</a:t>
-            </a:r>
-            <a:r>
-              <a:rPr lang="de-DE" dirty="0"/>
-              <a:t> </a:t>
-            </a:r>
-            <a:r>
-              <a:rPr lang="de-DE" dirty="0" err="1"/>
-              <a:t>user</a:t>
-            </a:r>
-            <a:r>
-              <a:rPr lang="de-DE" dirty="0"/>
-              <a:t> </a:t>
-            </a:r>
-            <a:r>
-              <a:rPr lang="de-DE" dirty="0" err="1"/>
-              <a:t>availability</a:t>
-            </a:r>
-            <a:r>
-              <a:rPr lang="de-DE" dirty="0"/>
-              <a:t> </a:t>
-            </a:r>
-            <a:r>
-              <a:rPr lang="de-DE" dirty="0" err="1"/>
-              <a:t>if</a:t>
-            </a:r>
-            <a:r>
-              <a:rPr lang="de-DE" dirty="0"/>
-              <a:t> </a:t>
-            </a:r>
-            <a:r>
-              <a:rPr lang="de-DE" dirty="0" err="1"/>
-              <a:t>aplicable</a:t>
-            </a:r>
-            <a:endParaRPr lang="de-DE" dirty="0"/>
-          </a:p>
-          <a:p>
-            <a:r>
-              <a:rPr lang="de-DE" dirty="0"/>
-              <a:t>1yes2yes3no4yes5yes6no = </a:t>
-            </a:r>
-            <a:r>
-              <a:rPr lang="de-DE" dirty="0" err="1"/>
-              <a:t>Latest</a:t>
-            </a:r>
-            <a:r>
-              <a:rPr lang="de-DE" dirty="0"/>
-              <a:t> </a:t>
-            </a:r>
-            <a:r>
-              <a:rPr lang="de-DE" dirty="0" err="1"/>
-              <a:t>collection</a:t>
-            </a:r>
-            <a:r>
-              <a:rPr lang="de-DE" dirty="0"/>
-              <a:t> </a:t>
-            </a:r>
-            <a:r>
-              <a:rPr lang="de-DE" dirty="0" err="1"/>
-              <a:t>times</a:t>
-            </a:r>
-            <a:r>
-              <a:rPr lang="de-DE" dirty="0"/>
-              <a:t> </a:t>
-            </a:r>
-            <a:r>
-              <a:rPr lang="de-DE" dirty="0" err="1"/>
-              <a:t>for</a:t>
-            </a:r>
-            <a:r>
-              <a:rPr lang="de-DE" dirty="0"/>
-              <a:t> </a:t>
-            </a:r>
-            <a:r>
-              <a:rPr lang="de-DE" dirty="0" err="1"/>
-              <a:t>each</a:t>
-            </a:r>
-            <a:r>
-              <a:rPr lang="de-DE" dirty="0"/>
-              <a:t> </a:t>
-            </a:r>
-            <a:r>
-              <a:rPr lang="de-DE" dirty="0" err="1"/>
-              <a:t>stage</a:t>
-            </a:r>
-            <a:r>
-              <a:rPr lang="de-DE" dirty="0"/>
-              <a:t> at fastest </a:t>
-            </a:r>
-            <a:r>
-              <a:rPr lang="de-DE" dirty="0" err="1"/>
-              <a:t>available</a:t>
-            </a:r>
-            <a:r>
-              <a:rPr lang="de-DE" dirty="0"/>
-              <a:t> </a:t>
-            </a:r>
-            <a:r>
-              <a:rPr lang="de-DE" dirty="0" err="1"/>
-              <a:t>temperature</a:t>
-            </a:r>
-            <a:r>
-              <a:rPr lang="de-DE" dirty="0"/>
-              <a:t> also </a:t>
-            </a:r>
-            <a:r>
-              <a:rPr lang="de-DE" dirty="0" err="1"/>
-              <a:t>including</a:t>
-            </a:r>
-            <a:r>
-              <a:rPr lang="de-DE" dirty="0"/>
-              <a:t> </a:t>
-            </a:r>
-            <a:r>
-              <a:rPr lang="de-DE" dirty="0" err="1"/>
-              <a:t>specific</a:t>
-            </a:r>
-            <a:r>
-              <a:rPr lang="de-DE" dirty="0"/>
-              <a:t> time frame </a:t>
-            </a:r>
-            <a:r>
-              <a:rPr lang="de-DE" dirty="0" err="1"/>
-              <a:t>of</a:t>
-            </a:r>
-            <a:r>
-              <a:rPr lang="de-DE" dirty="0"/>
-              <a:t> egg </a:t>
-            </a:r>
-            <a:r>
-              <a:rPr lang="de-DE" dirty="0" err="1"/>
-              <a:t>laying</a:t>
-            </a:r>
-            <a:r>
-              <a:rPr lang="de-DE" dirty="0"/>
-              <a:t> </a:t>
-            </a:r>
-          </a:p>
-          <a:p>
-            <a:r>
-              <a:rPr lang="de-DE" dirty="0"/>
-              <a:t>1yes2yes3no4yes5yes6yes = </a:t>
-            </a:r>
-            <a:r>
-              <a:rPr lang="de-DE" dirty="0" err="1"/>
-              <a:t>Latest</a:t>
-            </a:r>
-            <a:r>
-              <a:rPr lang="de-DE" dirty="0"/>
-              <a:t> </a:t>
-            </a:r>
-            <a:r>
-              <a:rPr lang="de-DE" dirty="0" err="1"/>
-              <a:t>collection</a:t>
-            </a:r>
-            <a:r>
-              <a:rPr lang="de-DE" dirty="0"/>
-              <a:t> </a:t>
-            </a:r>
-            <a:r>
-              <a:rPr lang="de-DE" dirty="0" err="1"/>
-              <a:t>times</a:t>
-            </a:r>
-            <a:r>
-              <a:rPr lang="de-DE" dirty="0"/>
-              <a:t> </a:t>
-            </a:r>
-            <a:r>
-              <a:rPr lang="de-DE" dirty="0" err="1"/>
-              <a:t>for</a:t>
-            </a:r>
-            <a:r>
-              <a:rPr lang="de-DE" dirty="0"/>
-              <a:t> </a:t>
-            </a:r>
-            <a:r>
-              <a:rPr lang="de-DE" dirty="0" err="1"/>
-              <a:t>each</a:t>
-            </a:r>
-            <a:r>
-              <a:rPr lang="de-DE" dirty="0"/>
-              <a:t> </a:t>
-            </a:r>
-            <a:r>
-              <a:rPr lang="de-DE" dirty="0" err="1"/>
-              <a:t>stage</a:t>
-            </a:r>
-            <a:r>
-              <a:rPr lang="de-DE" dirty="0"/>
-              <a:t> at fastest </a:t>
-            </a:r>
-            <a:r>
-              <a:rPr lang="de-DE" dirty="0" err="1"/>
-              <a:t>available</a:t>
-            </a:r>
-            <a:r>
-              <a:rPr lang="de-DE" dirty="0"/>
-              <a:t> </a:t>
-            </a:r>
-            <a:r>
-              <a:rPr lang="de-DE" dirty="0" err="1"/>
-              <a:t>temperatures</a:t>
-            </a:r>
-            <a:r>
-              <a:rPr lang="de-DE" dirty="0"/>
-              <a:t> </a:t>
-            </a:r>
-            <a:r>
-              <a:rPr lang="de-DE" dirty="0" err="1"/>
-              <a:t>that</a:t>
-            </a:r>
-            <a:r>
-              <a:rPr lang="de-DE" dirty="0"/>
-              <a:t> fit </a:t>
-            </a:r>
-            <a:r>
-              <a:rPr lang="de-DE" dirty="0" err="1"/>
-              <a:t>with</a:t>
-            </a:r>
-            <a:r>
-              <a:rPr lang="de-DE" dirty="0"/>
-              <a:t> egg </a:t>
-            </a:r>
-            <a:r>
-              <a:rPr lang="de-DE" dirty="0" err="1"/>
-              <a:t>laying</a:t>
-            </a:r>
-            <a:r>
-              <a:rPr lang="de-DE" dirty="0"/>
-              <a:t> time frame and </a:t>
-            </a:r>
-            <a:r>
-              <a:rPr lang="de-DE" dirty="0" err="1"/>
-              <a:t>user</a:t>
-            </a:r>
-            <a:r>
-              <a:rPr lang="de-DE" dirty="0"/>
-              <a:t> </a:t>
-            </a:r>
-            <a:r>
-              <a:rPr lang="de-DE" dirty="0" err="1"/>
-              <a:t>availability</a:t>
-            </a:r>
-            <a:r>
-              <a:rPr lang="de-DE" dirty="0"/>
-              <a:t> </a:t>
-            </a:r>
-            <a:r>
-              <a:rPr lang="de-DE" dirty="0" err="1"/>
-              <a:t>if</a:t>
-            </a:r>
-            <a:r>
-              <a:rPr lang="de-DE" dirty="0"/>
-              <a:t> </a:t>
-            </a:r>
-            <a:r>
-              <a:rPr lang="de-DE" dirty="0" err="1"/>
-              <a:t>aplicable</a:t>
-            </a:r>
-            <a:endParaRPr lang="de-DE" dirty="0"/>
-          </a:p>
-          <a:p>
-            <a:r>
-              <a:rPr lang="de-DE" dirty="0"/>
-              <a:t>1yes2yes3yes4no6no = </a:t>
-            </a:r>
-            <a:r>
-              <a:rPr lang="de-DE" dirty="0" err="1"/>
-              <a:t>Exact</a:t>
-            </a:r>
-            <a:r>
-              <a:rPr lang="de-DE" dirty="0"/>
-              <a:t> Date </a:t>
-            </a:r>
-            <a:r>
-              <a:rPr lang="de-DE" dirty="0" err="1"/>
-              <a:t>of</a:t>
-            </a:r>
-            <a:r>
-              <a:rPr lang="de-DE" dirty="0"/>
-              <a:t> </a:t>
-            </a:r>
-            <a:r>
-              <a:rPr lang="de-DE" dirty="0" err="1"/>
-              <a:t>reaching</a:t>
-            </a:r>
-            <a:r>
-              <a:rPr lang="de-DE" dirty="0"/>
-              <a:t> </a:t>
-            </a:r>
-            <a:r>
-              <a:rPr lang="de-DE" dirty="0" err="1"/>
-              <a:t>stages</a:t>
-            </a:r>
-            <a:r>
-              <a:rPr lang="de-DE" dirty="0"/>
-              <a:t> at </a:t>
-            </a:r>
-            <a:r>
-              <a:rPr lang="de-DE" dirty="0" err="1"/>
-              <a:t>the</a:t>
-            </a:r>
-            <a:r>
-              <a:rPr lang="de-DE" dirty="0"/>
-              <a:t> fastest </a:t>
-            </a:r>
-            <a:r>
-              <a:rPr lang="de-DE" dirty="0" err="1"/>
-              <a:t>available</a:t>
-            </a:r>
-            <a:r>
-              <a:rPr lang="de-DE" dirty="0"/>
-              <a:t> </a:t>
-            </a:r>
-            <a:r>
-              <a:rPr lang="de-DE" dirty="0" err="1"/>
-              <a:t>temperatures</a:t>
-            </a:r>
-            <a:endParaRPr lang="de-DE" dirty="0"/>
-          </a:p>
-          <a:p>
-            <a:r>
-              <a:rPr lang="de-DE" dirty="0"/>
-              <a:t>1yes2yes3yes4no6yes = </a:t>
-            </a:r>
-            <a:r>
-              <a:rPr lang="de-DE" dirty="0" err="1"/>
-              <a:t>Exact</a:t>
-            </a:r>
-            <a:r>
-              <a:rPr lang="de-DE" dirty="0"/>
-              <a:t> Date </a:t>
-            </a:r>
-            <a:r>
-              <a:rPr lang="de-DE" dirty="0" err="1"/>
-              <a:t>of</a:t>
-            </a:r>
-            <a:r>
-              <a:rPr lang="de-DE" dirty="0"/>
-              <a:t> </a:t>
-            </a:r>
-            <a:r>
-              <a:rPr lang="de-DE" dirty="0" err="1"/>
-              <a:t>reaching</a:t>
-            </a:r>
-            <a:r>
-              <a:rPr lang="de-DE" dirty="0"/>
-              <a:t> </a:t>
-            </a:r>
-            <a:r>
-              <a:rPr lang="de-DE" dirty="0" err="1"/>
-              <a:t>stages</a:t>
-            </a:r>
-            <a:r>
-              <a:rPr lang="de-DE" dirty="0"/>
-              <a:t> at </a:t>
-            </a:r>
-            <a:r>
-              <a:rPr lang="de-DE" dirty="0" err="1"/>
-              <a:t>the</a:t>
-            </a:r>
-            <a:r>
-              <a:rPr lang="de-DE" dirty="0"/>
-              <a:t> fastest </a:t>
-            </a:r>
-            <a:r>
-              <a:rPr lang="de-DE" dirty="0" err="1"/>
-              <a:t>available</a:t>
-            </a:r>
-            <a:r>
-              <a:rPr lang="de-DE" dirty="0"/>
-              <a:t> </a:t>
-            </a:r>
-            <a:r>
-              <a:rPr lang="de-DE" dirty="0" err="1"/>
-              <a:t>temperatures</a:t>
-            </a:r>
-            <a:r>
-              <a:rPr lang="de-DE" dirty="0"/>
-              <a:t> </a:t>
-            </a:r>
-            <a:r>
-              <a:rPr lang="de-DE" dirty="0" err="1"/>
-              <a:t>which</a:t>
-            </a:r>
-            <a:r>
-              <a:rPr lang="de-DE" dirty="0"/>
-              <a:t> fit </a:t>
-            </a:r>
-            <a:r>
-              <a:rPr lang="de-DE" dirty="0" err="1"/>
-              <a:t>with</a:t>
-            </a:r>
-            <a:r>
-              <a:rPr lang="de-DE" dirty="0"/>
-              <a:t> </a:t>
-            </a:r>
-            <a:r>
-              <a:rPr lang="de-DE" dirty="0" err="1"/>
-              <a:t>user</a:t>
-            </a:r>
-            <a:r>
-              <a:rPr lang="de-DE" dirty="0"/>
-              <a:t> </a:t>
-            </a:r>
-            <a:r>
-              <a:rPr lang="de-DE" dirty="0" err="1"/>
-              <a:t>availability</a:t>
-            </a:r>
-            <a:endParaRPr lang="de-DE" dirty="0"/>
-          </a:p>
-          <a:p>
-            <a:r>
-              <a:rPr lang="de-DE" dirty="0"/>
-              <a:t>1yes2yes3yes4yes5no6no = Collection </a:t>
-            </a:r>
-            <a:r>
-              <a:rPr lang="de-DE" dirty="0" err="1"/>
-              <a:t>times</a:t>
-            </a:r>
-            <a:r>
-              <a:rPr lang="de-DE" dirty="0"/>
-              <a:t> </a:t>
-            </a:r>
-            <a:r>
-              <a:rPr lang="de-DE" dirty="0" err="1"/>
-              <a:t>for</a:t>
-            </a:r>
-            <a:r>
-              <a:rPr lang="de-DE" dirty="0"/>
-              <a:t> </a:t>
-            </a:r>
-            <a:r>
-              <a:rPr lang="de-DE" dirty="0" err="1"/>
-              <a:t>each</a:t>
-            </a:r>
-            <a:r>
-              <a:rPr lang="de-DE" dirty="0"/>
-              <a:t> </a:t>
-            </a:r>
-            <a:r>
-              <a:rPr lang="de-DE" dirty="0" err="1"/>
-              <a:t>stage</a:t>
-            </a:r>
-            <a:r>
-              <a:rPr lang="de-DE" dirty="0"/>
-              <a:t> at fastest </a:t>
-            </a:r>
-            <a:r>
-              <a:rPr lang="de-DE" dirty="0" err="1"/>
-              <a:t>available</a:t>
-            </a:r>
-            <a:r>
-              <a:rPr lang="de-DE" dirty="0"/>
-              <a:t> </a:t>
-            </a:r>
-            <a:r>
-              <a:rPr lang="de-DE" dirty="0" err="1"/>
-              <a:t>temperatures</a:t>
-            </a:r>
-            <a:r>
-              <a:rPr lang="de-DE" dirty="0"/>
-              <a:t> and </a:t>
-            </a:r>
-            <a:r>
-              <a:rPr lang="de-DE" dirty="0" err="1"/>
-              <a:t>information</a:t>
-            </a:r>
-            <a:r>
-              <a:rPr lang="de-DE" dirty="0"/>
-              <a:t> </a:t>
-            </a:r>
-            <a:r>
-              <a:rPr lang="de-DE" dirty="0" err="1"/>
-              <a:t>about</a:t>
-            </a:r>
-            <a:r>
-              <a:rPr lang="de-DE" dirty="0"/>
-              <a:t> </a:t>
-            </a:r>
-            <a:r>
-              <a:rPr lang="de-DE" dirty="0" err="1"/>
-              <a:t>feasibility</a:t>
-            </a:r>
-            <a:r>
-              <a:rPr lang="de-DE" dirty="0"/>
-              <a:t> in time </a:t>
-            </a:r>
-            <a:r>
-              <a:rPr lang="de-DE" dirty="0" err="1"/>
-              <a:t>between</a:t>
-            </a:r>
-            <a:r>
-              <a:rPr lang="de-DE" dirty="0"/>
-              <a:t> </a:t>
-            </a:r>
-            <a:r>
-              <a:rPr lang="de-DE" dirty="0" err="1"/>
-              <a:t>collection</a:t>
-            </a:r>
-            <a:r>
-              <a:rPr lang="de-DE" dirty="0"/>
-              <a:t> </a:t>
-            </a:r>
-            <a:r>
-              <a:rPr lang="de-DE" dirty="0" err="1"/>
-              <a:t>start</a:t>
-            </a:r>
-            <a:r>
-              <a:rPr lang="de-DE" dirty="0"/>
-              <a:t> and end</a:t>
-            </a:r>
-          </a:p>
-          <a:p>
-            <a:r>
-              <a:rPr lang="de-DE" dirty="0"/>
-              <a:t>1yes2yes3yes4yes5no6yes = Collection </a:t>
-            </a:r>
-            <a:r>
-              <a:rPr lang="de-DE" dirty="0" err="1"/>
-              <a:t>times</a:t>
-            </a:r>
-            <a:r>
-              <a:rPr lang="de-DE" dirty="0"/>
-              <a:t> </a:t>
-            </a:r>
-            <a:r>
-              <a:rPr lang="de-DE" dirty="0" err="1"/>
-              <a:t>for</a:t>
-            </a:r>
-            <a:r>
-              <a:rPr lang="de-DE" dirty="0"/>
-              <a:t> </a:t>
-            </a:r>
-            <a:r>
-              <a:rPr lang="de-DE" dirty="0" err="1"/>
-              <a:t>each</a:t>
-            </a:r>
-            <a:r>
-              <a:rPr lang="de-DE" dirty="0"/>
-              <a:t> </a:t>
-            </a:r>
-            <a:r>
-              <a:rPr lang="de-DE" dirty="0" err="1"/>
-              <a:t>stage</a:t>
-            </a:r>
-            <a:r>
-              <a:rPr lang="de-DE" dirty="0"/>
-              <a:t> at fastest </a:t>
-            </a:r>
-            <a:r>
-              <a:rPr lang="de-DE" dirty="0" err="1"/>
-              <a:t>available</a:t>
-            </a:r>
-            <a:r>
-              <a:rPr lang="de-DE" dirty="0"/>
-              <a:t> </a:t>
-            </a:r>
-            <a:r>
-              <a:rPr lang="de-DE" dirty="0" err="1"/>
-              <a:t>temperatures</a:t>
-            </a:r>
-            <a:r>
-              <a:rPr lang="de-DE" dirty="0"/>
-              <a:t> and </a:t>
-            </a:r>
-            <a:r>
-              <a:rPr lang="de-DE" dirty="0" err="1"/>
-              <a:t>information</a:t>
-            </a:r>
-            <a:r>
-              <a:rPr lang="de-DE" dirty="0"/>
-              <a:t> </a:t>
-            </a:r>
-            <a:r>
-              <a:rPr lang="de-DE" dirty="0" err="1"/>
-              <a:t>about</a:t>
-            </a:r>
-            <a:r>
-              <a:rPr lang="de-DE" dirty="0"/>
-              <a:t> </a:t>
-            </a:r>
-            <a:r>
-              <a:rPr lang="de-DE" dirty="0" err="1"/>
-              <a:t>feasibility</a:t>
-            </a:r>
-            <a:r>
-              <a:rPr lang="de-DE" dirty="0"/>
-              <a:t> in time </a:t>
-            </a:r>
-            <a:r>
-              <a:rPr lang="de-DE" dirty="0" err="1"/>
-              <a:t>between</a:t>
-            </a:r>
-            <a:r>
-              <a:rPr lang="de-DE" dirty="0"/>
-              <a:t> </a:t>
-            </a:r>
-            <a:r>
-              <a:rPr lang="de-DE" dirty="0" err="1"/>
-              <a:t>collection</a:t>
-            </a:r>
-            <a:r>
-              <a:rPr lang="de-DE" dirty="0"/>
-              <a:t> </a:t>
-            </a:r>
-            <a:r>
-              <a:rPr lang="de-DE" dirty="0" err="1"/>
-              <a:t>start</a:t>
-            </a:r>
-            <a:r>
-              <a:rPr lang="de-DE" dirty="0"/>
-              <a:t> and end </a:t>
-            </a:r>
-            <a:r>
-              <a:rPr lang="de-DE" dirty="0" err="1"/>
-              <a:t>that</a:t>
-            </a:r>
-            <a:r>
-              <a:rPr lang="de-DE" dirty="0"/>
-              <a:t> fit </a:t>
-            </a:r>
-            <a:r>
-              <a:rPr lang="de-DE" dirty="0" err="1"/>
-              <a:t>with</a:t>
-            </a:r>
-            <a:r>
-              <a:rPr lang="de-DE" dirty="0"/>
-              <a:t> </a:t>
-            </a:r>
-            <a:r>
-              <a:rPr lang="de-DE" dirty="0" err="1"/>
-              <a:t>user</a:t>
-            </a:r>
-            <a:r>
-              <a:rPr lang="de-DE" dirty="0"/>
-              <a:t> </a:t>
-            </a:r>
-            <a:r>
-              <a:rPr lang="de-DE" dirty="0" err="1"/>
-              <a:t>availability</a:t>
-            </a:r>
-            <a:r>
-              <a:rPr lang="de-DE" dirty="0"/>
-              <a:t> </a:t>
-            </a:r>
-            <a:r>
-              <a:rPr lang="de-DE" dirty="0" err="1"/>
-              <a:t>if</a:t>
-            </a:r>
-            <a:r>
-              <a:rPr lang="de-DE" dirty="0"/>
-              <a:t> </a:t>
-            </a:r>
-            <a:r>
-              <a:rPr lang="de-DE" dirty="0" err="1"/>
-              <a:t>aplicable</a:t>
-            </a:r>
-            <a:endParaRPr lang="de-DE" dirty="0"/>
-          </a:p>
-          <a:p>
-            <a:r>
-              <a:rPr lang="de-DE" dirty="0"/>
-              <a:t>1yes2yes3yes4yes5yes6no = Collection </a:t>
-            </a:r>
-            <a:r>
-              <a:rPr lang="de-DE" dirty="0" err="1"/>
-              <a:t>times</a:t>
-            </a:r>
-            <a:r>
-              <a:rPr lang="de-DE" dirty="0"/>
-              <a:t> </a:t>
-            </a:r>
-            <a:r>
-              <a:rPr lang="de-DE" dirty="0" err="1"/>
-              <a:t>for</a:t>
-            </a:r>
-            <a:r>
-              <a:rPr lang="de-DE" dirty="0"/>
-              <a:t> </a:t>
-            </a:r>
-            <a:r>
-              <a:rPr lang="de-DE" dirty="0" err="1"/>
-              <a:t>each</a:t>
-            </a:r>
-            <a:r>
-              <a:rPr lang="de-DE" dirty="0"/>
-              <a:t> </a:t>
-            </a:r>
-            <a:r>
-              <a:rPr lang="de-DE" dirty="0" err="1"/>
-              <a:t>stage</a:t>
-            </a:r>
-            <a:r>
-              <a:rPr lang="de-DE" dirty="0"/>
-              <a:t> at fastest </a:t>
-            </a:r>
-            <a:r>
-              <a:rPr lang="de-DE" dirty="0" err="1"/>
-              <a:t>available</a:t>
-            </a:r>
-            <a:r>
-              <a:rPr lang="de-DE" dirty="0"/>
-              <a:t> </a:t>
-            </a:r>
-            <a:r>
-              <a:rPr lang="de-DE" dirty="0" err="1"/>
-              <a:t>temperatures</a:t>
-            </a:r>
-            <a:r>
-              <a:rPr lang="de-DE" dirty="0"/>
-              <a:t> and </a:t>
-            </a:r>
-            <a:r>
-              <a:rPr lang="de-DE" dirty="0" err="1"/>
-              <a:t>information</a:t>
-            </a:r>
-            <a:r>
-              <a:rPr lang="de-DE" dirty="0"/>
-              <a:t> </a:t>
-            </a:r>
-            <a:r>
-              <a:rPr lang="de-DE" dirty="0" err="1"/>
-              <a:t>about</a:t>
-            </a:r>
-            <a:r>
-              <a:rPr lang="de-DE" dirty="0"/>
-              <a:t> </a:t>
-            </a:r>
-            <a:r>
-              <a:rPr lang="de-DE" dirty="0" err="1"/>
-              <a:t>feasibility</a:t>
-            </a:r>
-            <a:r>
-              <a:rPr lang="de-DE" dirty="0"/>
-              <a:t> in time </a:t>
-            </a:r>
-            <a:r>
-              <a:rPr lang="de-DE" dirty="0" err="1"/>
-              <a:t>between</a:t>
-            </a:r>
-            <a:r>
-              <a:rPr lang="de-DE" dirty="0"/>
-              <a:t> </a:t>
-            </a:r>
-            <a:r>
-              <a:rPr lang="de-DE" dirty="0" err="1"/>
-              <a:t>collection</a:t>
-            </a:r>
-            <a:r>
-              <a:rPr lang="de-DE" dirty="0"/>
-              <a:t> </a:t>
-            </a:r>
-            <a:r>
-              <a:rPr lang="de-DE" dirty="0" err="1"/>
-              <a:t>start</a:t>
-            </a:r>
-            <a:r>
-              <a:rPr lang="de-DE" dirty="0"/>
-              <a:t> and end and </a:t>
-            </a:r>
-            <a:r>
-              <a:rPr lang="de-DE" dirty="0" err="1"/>
-              <a:t>including</a:t>
-            </a:r>
-            <a:r>
-              <a:rPr lang="de-DE" dirty="0"/>
-              <a:t> also time frame </a:t>
-            </a:r>
-            <a:r>
-              <a:rPr lang="de-DE" dirty="0" err="1"/>
-              <a:t>of</a:t>
-            </a:r>
-            <a:r>
-              <a:rPr lang="de-DE" dirty="0"/>
-              <a:t> egg </a:t>
-            </a:r>
-            <a:r>
-              <a:rPr lang="de-DE" dirty="0" err="1"/>
-              <a:t>laying</a:t>
-            </a:r>
-            <a:r>
-              <a:rPr lang="de-DE" dirty="0"/>
-              <a:t> time</a:t>
-            </a:r>
-          </a:p>
-          <a:p>
-            <a:r>
-              <a:rPr lang="de-DE" dirty="0"/>
-              <a:t>1yes2yes3yes4yes5yes6yes = Collection </a:t>
-            </a:r>
-            <a:r>
-              <a:rPr lang="de-DE" dirty="0" err="1"/>
-              <a:t>times</a:t>
-            </a:r>
-            <a:r>
-              <a:rPr lang="de-DE" dirty="0"/>
-              <a:t> </a:t>
-            </a:r>
-            <a:r>
-              <a:rPr lang="de-DE" dirty="0" err="1"/>
-              <a:t>for</a:t>
-            </a:r>
-            <a:r>
-              <a:rPr lang="de-DE" dirty="0"/>
-              <a:t> </a:t>
-            </a:r>
-            <a:r>
-              <a:rPr lang="de-DE" dirty="0" err="1"/>
-              <a:t>each</a:t>
-            </a:r>
-            <a:r>
-              <a:rPr lang="de-DE" dirty="0"/>
-              <a:t> </a:t>
-            </a:r>
-            <a:r>
-              <a:rPr lang="de-DE" dirty="0" err="1"/>
-              <a:t>stage</a:t>
-            </a:r>
-            <a:r>
-              <a:rPr lang="de-DE" dirty="0"/>
-              <a:t> at fastest </a:t>
-            </a:r>
-            <a:r>
-              <a:rPr lang="de-DE" dirty="0" err="1"/>
-              <a:t>available</a:t>
-            </a:r>
-            <a:r>
-              <a:rPr lang="de-DE" dirty="0"/>
-              <a:t> </a:t>
-            </a:r>
-            <a:r>
-              <a:rPr lang="de-DE" dirty="0" err="1"/>
-              <a:t>temperatures</a:t>
-            </a:r>
-            <a:r>
-              <a:rPr lang="de-DE" dirty="0"/>
-              <a:t> and </a:t>
-            </a:r>
-            <a:r>
-              <a:rPr lang="de-DE" dirty="0" err="1"/>
-              <a:t>information</a:t>
-            </a:r>
-            <a:r>
-              <a:rPr lang="de-DE" dirty="0"/>
-              <a:t> </a:t>
-            </a:r>
-            <a:r>
-              <a:rPr lang="de-DE" dirty="0" err="1"/>
-              <a:t>about</a:t>
-            </a:r>
-            <a:r>
-              <a:rPr lang="de-DE" dirty="0"/>
-              <a:t> </a:t>
-            </a:r>
-            <a:r>
-              <a:rPr lang="de-DE" dirty="0" err="1"/>
-              <a:t>feasibility</a:t>
-            </a:r>
-            <a:r>
-              <a:rPr lang="de-DE" dirty="0"/>
-              <a:t> in time </a:t>
-            </a:r>
-            <a:r>
-              <a:rPr lang="de-DE" dirty="0" err="1"/>
-              <a:t>between</a:t>
-            </a:r>
-            <a:r>
-              <a:rPr lang="de-DE" dirty="0"/>
-              <a:t> </a:t>
-            </a:r>
-            <a:r>
-              <a:rPr lang="de-DE" dirty="0" err="1"/>
-              <a:t>collection</a:t>
-            </a:r>
-            <a:r>
-              <a:rPr lang="de-DE" dirty="0"/>
-              <a:t> </a:t>
-            </a:r>
-            <a:r>
-              <a:rPr lang="de-DE" dirty="0" err="1"/>
-              <a:t>start</a:t>
-            </a:r>
-            <a:r>
-              <a:rPr lang="de-DE" dirty="0"/>
-              <a:t> and end </a:t>
-            </a:r>
-            <a:r>
-              <a:rPr lang="de-DE" dirty="0" err="1"/>
-              <a:t>that</a:t>
-            </a:r>
-            <a:r>
-              <a:rPr lang="de-DE" dirty="0"/>
-              <a:t> fit </a:t>
-            </a:r>
-            <a:r>
-              <a:rPr lang="de-DE" dirty="0" err="1"/>
-              <a:t>with</a:t>
-            </a:r>
-            <a:r>
-              <a:rPr lang="de-DE" dirty="0"/>
-              <a:t> </a:t>
-            </a:r>
-            <a:r>
-              <a:rPr lang="de-DE" dirty="0" err="1"/>
-              <a:t>user</a:t>
-            </a:r>
-            <a:r>
-              <a:rPr lang="de-DE" dirty="0"/>
-              <a:t> </a:t>
-            </a:r>
-            <a:r>
-              <a:rPr lang="de-DE" dirty="0" err="1"/>
-              <a:t>availability</a:t>
-            </a:r>
-            <a:r>
-              <a:rPr lang="de-DE" dirty="0"/>
-              <a:t> and egg </a:t>
-            </a:r>
-            <a:r>
-              <a:rPr lang="de-DE" dirty="0" err="1"/>
-              <a:t>laying</a:t>
-            </a:r>
-            <a:r>
-              <a:rPr lang="de-DE" dirty="0"/>
-              <a:t> time frame </a:t>
-            </a:r>
-            <a:r>
-              <a:rPr lang="de-DE" dirty="0" err="1"/>
-              <a:t>if</a:t>
-            </a:r>
-            <a:r>
-              <a:rPr lang="de-DE" dirty="0"/>
-              <a:t> </a:t>
-            </a:r>
-            <a:r>
-              <a:rPr lang="de-DE" dirty="0" err="1"/>
-              <a:t>aplicable</a:t>
-            </a:r>
-            <a:endParaRPr lang="de-DE" dirty="0"/>
           </a:p>
         </p:txBody>
       </p:sp>
@@ -13367,6 +11005,2129 @@
       </p:grpSpPr>
       <p:sp>
         <p:nvSpPr>
+          <p:cNvPr id="4" name="Textfeld 3">
+            <a:extLst>
+              <a:ext uri="{FF2B5EF4-FFF2-40B4-BE49-F238E27FC236}">
+                <a16:creationId xmlns:a16="http://schemas.microsoft.com/office/drawing/2014/main" id="{197B3AD1-87AA-DD62-51DF-254B01FC91D1}"/>
+              </a:ext>
+            </a:extLst>
+          </p:cNvPr>
+          <p:cNvSpPr txBox="1"/>
+          <p:nvPr/>
+        </p:nvSpPr>
+        <p:spPr>
+          <a:xfrm>
+            <a:off x="1106961" y="483423"/>
+            <a:ext cx="22896039" cy="16835378"/>
+          </a:xfrm>
+          <a:prstGeom prst="rect">
+            <a:avLst/>
+          </a:prstGeom>
+          <a:noFill/>
+        </p:spPr>
+        <p:txBody>
+          <a:bodyPr wrap="square" rtlCol="0">
+            <a:spAutoFit/>
+          </a:bodyPr>
+          <a:lstStyle/>
+          <a:p>
+            <a:pPr marL="457200" indent="-457200">
+              <a:buFont typeface="Arial" panose="020B0604020202020204" pitchFamily="34" charset="0"/>
+              <a:buChar char="•"/>
+            </a:pPr>
+            <a:r>
+              <a:rPr lang="de-DE" sz="3200" dirty="0"/>
+              <a:t>1yes2no3no4no = Duration </a:t>
+            </a:r>
+            <a:r>
+              <a:rPr lang="de-DE" sz="3200" dirty="0" err="1"/>
+              <a:t>of</a:t>
+            </a:r>
+            <a:r>
+              <a:rPr lang="de-DE" sz="3200" dirty="0"/>
+              <a:t> </a:t>
+            </a:r>
+            <a:r>
+              <a:rPr lang="de-DE" sz="3200" dirty="0" err="1"/>
+              <a:t>each</a:t>
+            </a:r>
+            <a:r>
+              <a:rPr lang="de-DE" sz="3200" dirty="0"/>
+              <a:t> </a:t>
+            </a:r>
+            <a:r>
+              <a:rPr lang="de-DE" sz="3200" dirty="0" err="1"/>
+              <a:t>stage</a:t>
+            </a:r>
+            <a:r>
+              <a:rPr lang="de-DE" sz="3200" dirty="0"/>
+              <a:t> at 26°C</a:t>
+            </a:r>
+          </a:p>
+          <a:p>
+            <a:pPr marL="457200" indent="-457200">
+              <a:buFont typeface="Arial" panose="020B0604020202020204" pitchFamily="34" charset="0"/>
+              <a:buChar char="•"/>
+            </a:pPr>
+            <a:r>
+              <a:rPr lang="de-DE" sz="3200" dirty="0"/>
+              <a:t>1yes2no3no4yes5no6no = Collection </a:t>
+            </a:r>
+            <a:r>
+              <a:rPr lang="de-DE" sz="3200" dirty="0" err="1"/>
+              <a:t>times</a:t>
+            </a:r>
+            <a:r>
+              <a:rPr lang="de-DE" sz="3200" dirty="0"/>
+              <a:t> </a:t>
+            </a:r>
+            <a:r>
+              <a:rPr lang="de-DE" sz="3200" dirty="0" err="1"/>
+              <a:t>for</a:t>
+            </a:r>
+            <a:r>
+              <a:rPr lang="de-DE" sz="3200" dirty="0"/>
+              <a:t> </a:t>
+            </a:r>
+            <a:r>
+              <a:rPr lang="de-DE" sz="3200" dirty="0" err="1"/>
+              <a:t>each</a:t>
+            </a:r>
+            <a:r>
+              <a:rPr lang="de-DE" sz="3200" dirty="0"/>
+              <a:t> </a:t>
+            </a:r>
+            <a:r>
+              <a:rPr lang="de-DE" sz="3200" dirty="0" err="1"/>
+              <a:t>stage</a:t>
+            </a:r>
+            <a:r>
+              <a:rPr lang="de-DE" sz="3200" dirty="0"/>
+              <a:t> at 26° C  </a:t>
+            </a:r>
+          </a:p>
+          <a:p>
+            <a:pPr marL="457200" indent="-457200">
+              <a:buFont typeface="Arial" panose="020B0604020202020204" pitchFamily="34" charset="0"/>
+              <a:buChar char="•"/>
+            </a:pPr>
+            <a:r>
+              <a:rPr lang="de-DE" sz="3200" dirty="0"/>
+              <a:t>1yes2no3no4yes5no6yes = Collection </a:t>
+            </a:r>
+            <a:r>
+              <a:rPr lang="de-DE" sz="3200" dirty="0" err="1"/>
+              <a:t>times</a:t>
+            </a:r>
+            <a:r>
+              <a:rPr lang="de-DE" sz="3200" dirty="0"/>
+              <a:t> </a:t>
+            </a:r>
+            <a:r>
+              <a:rPr lang="de-DE" sz="3200" dirty="0" err="1"/>
+              <a:t>for</a:t>
+            </a:r>
+            <a:r>
+              <a:rPr lang="de-DE" sz="3200" dirty="0"/>
+              <a:t> </a:t>
+            </a:r>
+            <a:r>
+              <a:rPr lang="de-DE" sz="3200" dirty="0" err="1"/>
+              <a:t>each</a:t>
+            </a:r>
+            <a:r>
+              <a:rPr lang="de-DE" sz="3200" dirty="0"/>
+              <a:t> </a:t>
+            </a:r>
+            <a:r>
+              <a:rPr lang="de-DE" sz="3200" dirty="0" err="1"/>
+              <a:t>stage</a:t>
+            </a:r>
+            <a:r>
+              <a:rPr lang="de-DE" sz="3200" dirty="0"/>
+              <a:t> at 26° C  and </a:t>
+            </a:r>
+            <a:r>
+              <a:rPr lang="de-DE" sz="3200" dirty="0" err="1"/>
+              <a:t>feasibility</a:t>
+            </a:r>
+            <a:r>
+              <a:rPr lang="de-DE" sz="3200" dirty="0"/>
+              <a:t> </a:t>
+            </a:r>
+            <a:r>
+              <a:rPr lang="de-DE" sz="3200" dirty="0" err="1"/>
+              <a:t>with</a:t>
+            </a:r>
+            <a:r>
+              <a:rPr lang="de-DE" sz="3200" dirty="0"/>
+              <a:t> </a:t>
+            </a:r>
+            <a:r>
+              <a:rPr lang="de-DE" sz="3200" dirty="0" err="1"/>
+              <a:t>user</a:t>
+            </a:r>
+            <a:r>
+              <a:rPr lang="de-DE" sz="3200" dirty="0"/>
+              <a:t> </a:t>
+            </a:r>
+            <a:r>
+              <a:rPr lang="de-DE" sz="3200" dirty="0" err="1"/>
+              <a:t>availibility</a:t>
+            </a:r>
+            <a:endParaRPr lang="de-DE" sz="3200" dirty="0"/>
+          </a:p>
+          <a:p>
+            <a:pPr marL="457200" indent="-457200">
+              <a:buFont typeface="Arial" panose="020B0604020202020204" pitchFamily="34" charset="0"/>
+              <a:buChar char="•"/>
+            </a:pPr>
+            <a:r>
+              <a:rPr lang="de-DE" sz="3200" dirty="0"/>
+              <a:t>1yes2no3no4yes5yes6no = Collection </a:t>
+            </a:r>
+            <a:r>
+              <a:rPr lang="de-DE" sz="3200" dirty="0" err="1"/>
+              <a:t>times</a:t>
+            </a:r>
+            <a:r>
+              <a:rPr lang="de-DE" sz="3200" dirty="0"/>
+              <a:t> </a:t>
+            </a:r>
+            <a:r>
+              <a:rPr lang="de-DE" sz="3200" dirty="0" err="1"/>
+              <a:t>for</a:t>
+            </a:r>
+            <a:r>
+              <a:rPr lang="de-DE" sz="3200" dirty="0"/>
+              <a:t> </a:t>
+            </a:r>
+            <a:r>
+              <a:rPr lang="de-DE" sz="3200" dirty="0" err="1"/>
+              <a:t>each</a:t>
+            </a:r>
+            <a:r>
+              <a:rPr lang="de-DE" sz="3200" dirty="0"/>
+              <a:t> </a:t>
+            </a:r>
+            <a:r>
+              <a:rPr lang="de-DE" sz="3200" dirty="0" err="1"/>
+              <a:t>stage</a:t>
+            </a:r>
+            <a:r>
+              <a:rPr lang="de-DE" sz="3200" dirty="0"/>
+              <a:t> at 26° C and </a:t>
+            </a:r>
+            <a:r>
+              <a:rPr lang="de-DE" sz="3200" dirty="0" err="1"/>
+              <a:t>feasibility</a:t>
+            </a:r>
+            <a:r>
+              <a:rPr lang="de-DE" sz="3200" dirty="0"/>
+              <a:t> </a:t>
+            </a:r>
+            <a:r>
+              <a:rPr lang="de-DE" sz="3200" dirty="0" err="1"/>
+              <a:t>with</a:t>
+            </a:r>
+            <a:r>
+              <a:rPr lang="de-DE" sz="3200" dirty="0"/>
+              <a:t> </a:t>
+            </a:r>
+            <a:r>
+              <a:rPr lang="de-DE" sz="3200" dirty="0" err="1"/>
+              <a:t>specific</a:t>
+            </a:r>
+            <a:r>
+              <a:rPr lang="de-DE" sz="3200" dirty="0"/>
+              <a:t> egg </a:t>
+            </a:r>
+            <a:r>
+              <a:rPr lang="de-DE" sz="3200" dirty="0" err="1"/>
+              <a:t>laying</a:t>
+            </a:r>
+            <a:r>
+              <a:rPr lang="de-DE" sz="3200" dirty="0"/>
+              <a:t> time frame </a:t>
+            </a:r>
+          </a:p>
+          <a:p>
+            <a:pPr marL="457200" indent="-457200">
+              <a:buFont typeface="Arial" panose="020B0604020202020204" pitchFamily="34" charset="0"/>
+              <a:buChar char="•"/>
+            </a:pPr>
+            <a:r>
+              <a:rPr lang="de-DE" sz="3200" dirty="0"/>
+              <a:t>1yes2no3no4yes5yes6yes = Collection </a:t>
+            </a:r>
+            <a:r>
+              <a:rPr lang="de-DE" sz="3200" dirty="0" err="1"/>
+              <a:t>times</a:t>
+            </a:r>
+            <a:r>
+              <a:rPr lang="de-DE" sz="3200" dirty="0"/>
+              <a:t> </a:t>
+            </a:r>
+            <a:r>
+              <a:rPr lang="de-DE" sz="3200" dirty="0" err="1"/>
+              <a:t>for</a:t>
+            </a:r>
+            <a:r>
+              <a:rPr lang="de-DE" sz="3200" dirty="0"/>
+              <a:t> </a:t>
+            </a:r>
+            <a:r>
+              <a:rPr lang="de-DE" sz="3200" dirty="0" err="1"/>
+              <a:t>each</a:t>
+            </a:r>
+            <a:r>
+              <a:rPr lang="de-DE" sz="3200" dirty="0"/>
+              <a:t> </a:t>
+            </a:r>
+            <a:r>
+              <a:rPr lang="de-DE" sz="3200" dirty="0" err="1"/>
+              <a:t>stage</a:t>
+            </a:r>
+            <a:r>
+              <a:rPr lang="de-DE" sz="3200" dirty="0"/>
+              <a:t> at 26° C  </a:t>
+            </a:r>
+            <a:r>
+              <a:rPr lang="de-DE" sz="3200" dirty="0" err="1"/>
+              <a:t>feasibility</a:t>
+            </a:r>
+            <a:r>
+              <a:rPr lang="de-DE" sz="3200" dirty="0"/>
+              <a:t> </a:t>
+            </a:r>
+            <a:r>
+              <a:rPr lang="de-DE" sz="3200" dirty="0" err="1"/>
+              <a:t>with</a:t>
+            </a:r>
+            <a:r>
+              <a:rPr lang="de-DE" sz="3200" dirty="0"/>
+              <a:t> </a:t>
+            </a:r>
+            <a:r>
+              <a:rPr lang="de-DE" sz="3200" dirty="0" err="1"/>
+              <a:t>user</a:t>
+            </a:r>
+            <a:r>
+              <a:rPr lang="de-DE" sz="3200" dirty="0"/>
+              <a:t> </a:t>
+            </a:r>
+            <a:r>
+              <a:rPr lang="de-DE" sz="3200" dirty="0" err="1"/>
+              <a:t>availibility</a:t>
+            </a:r>
+            <a:r>
+              <a:rPr lang="de-DE" sz="3200" dirty="0"/>
+              <a:t> and egg </a:t>
+            </a:r>
+            <a:r>
+              <a:rPr lang="de-DE" sz="3200" dirty="0" err="1"/>
+              <a:t>laying</a:t>
+            </a:r>
+            <a:r>
+              <a:rPr lang="de-DE" sz="3200" dirty="0"/>
+              <a:t> time frame </a:t>
+            </a:r>
+          </a:p>
+          <a:p>
+            <a:pPr marL="457200" indent="-457200">
+              <a:buFont typeface="Arial" panose="020B0604020202020204" pitchFamily="34" charset="0"/>
+              <a:buChar char="•"/>
+            </a:pPr>
+            <a:r>
+              <a:rPr lang="de-DE" sz="3200" dirty="0"/>
+              <a:t>1yes2no3yes4no6no = </a:t>
+            </a:r>
+            <a:r>
+              <a:rPr lang="de-DE" sz="3200" dirty="0" err="1"/>
+              <a:t>Exact</a:t>
+            </a:r>
+            <a:r>
+              <a:rPr lang="de-DE" sz="3200" dirty="0"/>
+              <a:t> Date </a:t>
+            </a:r>
+            <a:r>
+              <a:rPr lang="de-DE" sz="3200" dirty="0" err="1"/>
+              <a:t>of</a:t>
+            </a:r>
+            <a:r>
+              <a:rPr lang="de-DE" sz="3200" dirty="0"/>
+              <a:t> </a:t>
+            </a:r>
+            <a:r>
+              <a:rPr lang="de-DE" sz="3200" dirty="0" err="1"/>
+              <a:t>reaching</a:t>
+            </a:r>
+            <a:r>
+              <a:rPr lang="de-DE" sz="3200" dirty="0"/>
+              <a:t> </a:t>
+            </a:r>
+            <a:r>
+              <a:rPr lang="de-DE" sz="3200" dirty="0" err="1"/>
+              <a:t>stages</a:t>
+            </a:r>
+            <a:r>
+              <a:rPr lang="de-DE" sz="3200" dirty="0"/>
+              <a:t> at 26°</a:t>
+            </a:r>
+          </a:p>
+          <a:p>
+            <a:pPr marL="457200" indent="-457200">
+              <a:buFont typeface="Arial" panose="020B0604020202020204" pitchFamily="34" charset="0"/>
+              <a:buChar char="•"/>
+            </a:pPr>
+            <a:r>
+              <a:rPr lang="de-DE" sz="3200" dirty="0"/>
+              <a:t>1yes2no3yes4no6yes = </a:t>
+            </a:r>
+            <a:r>
+              <a:rPr lang="de-DE" sz="3200" dirty="0" err="1"/>
+              <a:t>Exact</a:t>
+            </a:r>
+            <a:r>
+              <a:rPr lang="de-DE" sz="3200" dirty="0"/>
+              <a:t> Date </a:t>
+            </a:r>
+            <a:r>
+              <a:rPr lang="de-DE" sz="3200" dirty="0" err="1"/>
+              <a:t>of</a:t>
+            </a:r>
+            <a:r>
+              <a:rPr lang="de-DE" sz="3200" dirty="0"/>
+              <a:t> </a:t>
+            </a:r>
+            <a:r>
+              <a:rPr lang="de-DE" sz="3200" dirty="0" err="1"/>
+              <a:t>reaching</a:t>
+            </a:r>
+            <a:r>
+              <a:rPr lang="de-DE" sz="3200" dirty="0"/>
+              <a:t> </a:t>
+            </a:r>
+            <a:r>
+              <a:rPr lang="de-DE" sz="3200" dirty="0" err="1"/>
+              <a:t>stages</a:t>
+            </a:r>
+            <a:r>
+              <a:rPr lang="de-DE" sz="3200" dirty="0"/>
+              <a:t> at 26° and </a:t>
+            </a:r>
+            <a:r>
+              <a:rPr lang="de-DE" sz="3200" dirty="0" err="1"/>
+              <a:t>feasibility</a:t>
+            </a:r>
+            <a:r>
+              <a:rPr lang="de-DE" sz="3200" dirty="0"/>
+              <a:t> </a:t>
+            </a:r>
+            <a:r>
+              <a:rPr lang="de-DE" sz="3200" dirty="0" err="1"/>
+              <a:t>with</a:t>
+            </a:r>
+            <a:r>
+              <a:rPr lang="de-DE" sz="3200" dirty="0"/>
+              <a:t> </a:t>
+            </a:r>
+            <a:r>
+              <a:rPr lang="de-DE" sz="3200" dirty="0" err="1"/>
+              <a:t>user</a:t>
+            </a:r>
+            <a:r>
+              <a:rPr lang="de-DE" sz="3200" dirty="0"/>
+              <a:t> </a:t>
+            </a:r>
+            <a:r>
+              <a:rPr lang="de-DE" sz="3200" dirty="0" err="1"/>
+              <a:t>availability</a:t>
+            </a:r>
+            <a:endParaRPr lang="de-DE" sz="3200" dirty="0"/>
+          </a:p>
+          <a:p>
+            <a:pPr marL="457200" indent="-457200">
+              <a:buFont typeface="Arial" panose="020B0604020202020204" pitchFamily="34" charset="0"/>
+              <a:buChar char="•"/>
+            </a:pPr>
+            <a:r>
+              <a:rPr lang="de-DE" sz="3200" dirty="0"/>
+              <a:t>1yes2no3yes4yes5no6no = Collection </a:t>
+            </a:r>
+            <a:r>
+              <a:rPr lang="de-DE" sz="3200" dirty="0" err="1"/>
+              <a:t>times</a:t>
+            </a:r>
+            <a:r>
+              <a:rPr lang="de-DE" sz="3200" dirty="0"/>
+              <a:t> </a:t>
+            </a:r>
+            <a:r>
+              <a:rPr lang="de-DE" sz="3200" dirty="0" err="1"/>
+              <a:t>for</a:t>
+            </a:r>
+            <a:r>
+              <a:rPr lang="de-DE" sz="3200" dirty="0"/>
+              <a:t> </a:t>
+            </a:r>
+            <a:r>
+              <a:rPr lang="de-DE" sz="3200" dirty="0" err="1"/>
+              <a:t>each</a:t>
+            </a:r>
+            <a:r>
+              <a:rPr lang="de-DE" sz="3200" dirty="0"/>
+              <a:t> </a:t>
+            </a:r>
+            <a:r>
+              <a:rPr lang="de-DE" sz="3200" dirty="0" err="1"/>
+              <a:t>stage</a:t>
+            </a:r>
+            <a:r>
+              <a:rPr lang="de-DE" sz="3200" dirty="0"/>
+              <a:t> at 26° C and </a:t>
+            </a:r>
+            <a:r>
+              <a:rPr lang="de-DE" sz="3200" dirty="0" err="1"/>
+              <a:t>information</a:t>
+            </a:r>
+            <a:r>
+              <a:rPr lang="de-DE" sz="3200" dirty="0"/>
+              <a:t> </a:t>
+            </a:r>
+            <a:r>
+              <a:rPr lang="de-DE" sz="3200" dirty="0" err="1"/>
+              <a:t>about</a:t>
+            </a:r>
+            <a:r>
+              <a:rPr lang="de-DE" sz="3200" dirty="0"/>
+              <a:t> </a:t>
+            </a:r>
+            <a:r>
+              <a:rPr lang="de-DE" sz="3200" dirty="0" err="1"/>
+              <a:t>feasibility</a:t>
+            </a:r>
+            <a:r>
+              <a:rPr lang="de-DE" sz="3200" dirty="0"/>
+              <a:t> in time </a:t>
+            </a:r>
+            <a:r>
+              <a:rPr lang="de-DE" sz="3200" dirty="0" err="1"/>
+              <a:t>between</a:t>
+            </a:r>
+            <a:r>
+              <a:rPr lang="de-DE" sz="3200" dirty="0"/>
+              <a:t> </a:t>
+            </a:r>
+            <a:r>
+              <a:rPr lang="de-DE" sz="3200" dirty="0" err="1"/>
+              <a:t>collection</a:t>
+            </a:r>
+            <a:r>
+              <a:rPr lang="de-DE" sz="3200" dirty="0"/>
+              <a:t> </a:t>
+            </a:r>
+            <a:r>
+              <a:rPr lang="de-DE" sz="3200" dirty="0" err="1"/>
+              <a:t>start</a:t>
+            </a:r>
+            <a:r>
+              <a:rPr lang="de-DE" sz="3200" dirty="0"/>
+              <a:t> and end</a:t>
+            </a:r>
+          </a:p>
+          <a:p>
+            <a:pPr marL="457200" indent="-457200">
+              <a:buFont typeface="Arial" panose="020B0604020202020204" pitchFamily="34" charset="0"/>
+              <a:buChar char="•"/>
+            </a:pPr>
+            <a:r>
+              <a:rPr lang="de-DE" sz="3200" dirty="0"/>
+              <a:t>1yes2no3yes4yes5no6yes = Collection </a:t>
+            </a:r>
+            <a:r>
+              <a:rPr lang="de-DE" sz="3200" dirty="0" err="1"/>
+              <a:t>times</a:t>
+            </a:r>
+            <a:r>
+              <a:rPr lang="de-DE" sz="3200" dirty="0"/>
+              <a:t> </a:t>
+            </a:r>
+            <a:r>
+              <a:rPr lang="de-DE" sz="3200" dirty="0" err="1"/>
+              <a:t>for</a:t>
+            </a:r>
+            <a:r>
+              <a:rPr lang="de-DE" sz="3200" dirty="0"/>
+              <a:t> </a:t>
+            </a:r>
+            <a:r>
+              <a:rPr lang="de-DE" sz="3200" dirty="0" err="1"/>
+              <a:t>each</a:t>
+            </a:r>
+            <a:r>
+              <a:rPr lang="de-DE" sz="3200" dirty="0"/>
+              <a:t> </a:t>
+            </a:r>
+            <a:r>
+              <a:rPr lang="de-DE" sz="3200" dirty="0" err="1"/>
+              <a:t>stage</a:t>
+            </a:r>
+            <a:r>
+              <a:rPr lang="de-DE" sz="3200" dirty="0"/>
+              <a:t> at 26° C and </a:t>
+            </a:r>
+            <a:r>
+              <a:rPr lang="de-DE" sz="3200" dirty="0" err="1"/>
+              <a:t>information</a:t>
+            </a:r>
+            <a:r>
+              <a:rPr lang="de-DE" sz="3200" dirty="0"/>
+              <a:t> </a:t>
+            </a:r>
+            <a:r>
+              <a:rPr lang="de-DE" sz="3200" dirty="0" err="1"/>
+              <a:t>about</a:t>
+            </a:r>
+            <a:r>
+              <a:rPr lang="de-DE" sz="3200" dirty="0"/>
+              <a:t> </a:t>
+            </a:r>
+            <a:r>
+              <a:rPr lang="de-DE" sz="3200" dirty="0" err="1"/>
+              <a:t>feasibility</a:t>
+            </a:r>
+            <a:r>
+              <a:rPr lang="de-DE" sz="3200" dirty="0"/>
+              <a:t> in time </a:t>
+            </a:r>
+            <a:r>
+              <a:rPr lang="de-DE" sz="3200" dirty="0" err="1"/>
+              <a:t>between</a:t>
+            </a:r>
+            <a:r>
+              <a:rPr lang="de-DE" sz="3200" dirty="0"/>
+              <a:t> </a:t>
+            </a:r>
+            <a:r>
+              <a:rPr lang="de-DE" sz="3200" dirty="0" err="1"/>
+              <a:t>collection</a:t>
+            </a:r>
+            <a:r>
+              <a:rPr lang="de-DE" sz="3200" dirty="0"/>
+              <a:t> </a:t>
+            </a:r>
+            <a:r>
+              <a:rPr lang="de-DE" sz="3200" dirty="0" err="1"/>
+              <a:t>start</a:t>
+            </a:r>
+            <a:r>
+              <a:rPr lang="de-DE" sz="3200" dirty="0"/>
+              <a:t> and end and </a:t>
+            </a:r>
+            <a:r>
+              <a:rPr lang="de-DE" sz="3200" dirty="0" err="1"/>
+              <a:t>feasibility</a:t>
+            </a:r>
+            <a:r>
+              <a:rPr lang="de-DE" sz="3200" dirty="0"/>
+              <a:t> in time frame  </a:t>
+            </a:r>
+            <a:r>
+              <a:rPr lang="de-DE" sz="3200" dirty="0" err="1"/>
+              <a:t>of</a:t>
+            </a:r>
+            <a:r>
+              <a:rPr lang="de-DE" sz="3200" dirty="0"/>
+              <a:t> </a:t>
+            </a:r>
+            <a:r>
+              <a:rPr lang="de-DE" sz="3200" dirty="0" err="1"/>
+              <a:t>user</a:t>
+            </a:r>
+            <a:r>
+              <a:rPr lang="de-DE" sz="3200" dirty="0"/>
+              <a:t> </a:t>
+            </a:r>
+          </a:p>
+          <a:p>
+            <a:pPr marL="457200" indent="-457200">
+              <a:buFont typeface="Arial" panose="020B0604020202020204" pitchFamily="34" charset="0"/>
+              <a:buChar char="•"/>
+            </a:pPr>
+            <a:r>
+              <a:rPr lang="de-DE" sz="3200" dirty="0"/>
+              <a:t>1yes2no3yes4yes5yes6no = Collection </a:t>
+            </a:r>
+            <a:r>
+              <a:rPr lang="de-DE" sz="3200" dirty="0" err="1"/>
+              <a:t>times</a:t>
+            </a:r>
+            <a:r>
+              <a:rPr lang="de-DE" sz="3200" dirty="0"/>
+              <a:t> </a:t>
+            </a:r>
+            <a:r>
+              <a:rPr lang="de-DE" sz="3200" dirty="0" err="1"/>
+              <a:t>for</a:t>
+            </a:r>
+            <a:r>
+              <a:rPr lang="de-DE" sz="3200" dirty="0"/>
+              <a:t> </a:t>
+            </a:r>
+            <a:r>
+              <a:rPr lang="de-DE" sz="3200" dirty="0" err="1"/>
+              <a:t>each</a:t>
+            </a:r>
+            <a:r>
+              <a:rPr lang="de-DE" sz="3200" dirty="0"/>
+              <a:t> </a:t>
+            </a:r>
+            <a:r>
+              <a:rPr lang="de-DE" sz="3200" dirty="0" err="1"/>
+              <a:t>stage</a:t>
+            </a:r>
+            <a:r>
+              <a:rPr lang="de-DE" sz="3200" dirty="0"/>
+              <a:t> at 26° C and </a:t>
+            </a:r>
+            <a:r>
+              <a:rPr lang="de-DE" sz="3200" dirty="0" err="1"/>
+              <a:t>information</a:t>
+            </a:r>
+            <a:r>
+              <a:rPr lang="de-DE" sz="3200" dirty="0"/>
+              <a:t> </a:t>
+            </a:r>
+            <a:r>
+              <a:rPr lang="de-DE" sz="3200" dirty="0" err="1"/>
+              <a:t>about</a:t>
+            </a:r>
+            <a:r>
+              <a:rPr lang="de-DE" sz="3200" dirty="0"/>
+              <a:t> </a:t>
+            </a:r>
+            <a:r>
+              <a:rPr lang="de-DE" sz="3200" dirty="0" err="1"/>
+              <a:t>feasibility</a:t>
+            </a:r>
+            <a:r>
+              <a:rPr lang="de-DE" sz="3200" dirty="0"/>
+              <a:t> in time </a:t>
+            </a:r>
+            <a:r>
+              <a:rPr lang="de-DE" sz="3200" dirty="0" err="1"/>
+              <a:t>between</a:t>
+            </a:r>
+            <a:r>
+              <a:rPr lang="de-DE" sz="3200" dirty="0"/>
+              <a:t> </a:t>
+            </a:r>
+            <a:r>
+              <a:rPr lang="de-DE" sz="3200" dirty="0" err="1"/>
+              <a:t>collection</a:t>
+            </a:r>
+            <a:r>
+              <a:rPr lang="de-DE" sz="3200" dirty="0"/>
+              <a:t> </a:t>
+            </a:r>
+            <a:r>
+              <a:rPr lang="de-DE" sz="3200" dirty="0" err="1"/>
+              <a:t>start</a:t>
+            </a:r>
+            <a:r>
+              <a:rPr lang="de-DE" sz="3200" dirty="0"/>
+              <a:t> and end and </a:t>
+            </a:r>
+            <a:r>
+              <a:rPr lang="de-DE" sz="3200" dirty="0" err="1"/>
+              <a:t>feasibility</a:t>
+            </a:r>
+            <a:r>
+              <a:rPr lang="de-DE" sz="3200" dirty="0"/>
+              <a:t> </a:t>
+            </a:r>
+            <a:r>
+              <a:rPr lang="de-DE" sz="3200" dirty="0" err="1"/>
+              <a:t>with</a:t>
+            </a:r>
+            <a:r>
+              <a:rPr lang="de-DE" sz="3200" dirty="0"/>
+              <a:t> egg </a:t>
+            </a:r>
+            <a:r>
+              <a:rPr lang="de-DE" sz="3200" dirty="0" err="1"/>
+              <a:t>laying</a:t>
+            </a:r>
+            <a:r>
+              <a:rPr lang="de-DE" sz="3200" dirty="0"/>
+              <a:t> time frame</a:t>
+            </a:r>
+          </a:p>
+          <a:p>
+            <a:pPr marL="457200" indent="-457200">
+              <a:buFont typeface="Arial" panose="020B0604020202020204" pitchFamily="34" charset="0"/>
+              <a:buChar char="•"/>
+            </a:pPr>
+            <a:r>
+              <a:rPr lang="de-DE" sz="3200" dirty="0"/>
+              <a:t>1yes2no3yes4yes5yes6yes = Collection </a:t>
+            </a:r>
+            <a:r>
+              <a:rPr lang="de-DE" sz="3200" dirty="0" err="1"/>
+              <a:t>times</a:t>
+            </a:r>
+            <a:r>
+              <a:rPr lang="de-DE" sz="3200" dirty="0"/>
+              <a:t> </a:t>
+            </a:r>
+            <a:r>
+              <a:rPr lang="de-DE" sz="3200" dirty="0" err="1"/>
+              <a:t>for</a:t>
+            </a:r>
+            <a:r>
+              <a:rPr lang="de-DE" sz="3200" dirty="0"/>
+              <a:t> </a:t>
+            </a:r>
+            <a:r>
+              <a:rPr lang="de-DE" sz="3200" dirty="0" err="1"/>
+              <a:t>each</a:t>
+            </a:r>
+            <a:r>
+              <a:rPr lang="de-DE" sz="3200" dirty="0"/>
+              <a:t> </a:t>
+            </a:r>
+            <a:r>
+              <a:rPr lang="de-DE" sz="3200" dirty="0" err="1"/>
+              <a:t>stage</a:t>
+            </a:r>
+            <a:r>
+              <a:rPr lang="de-DE" sz="3200" dirty="0"/>
+              <a:t> at 26° C and </a:t>
+            </a:r>
+            <a:r>
+              <a:rPr lang="de-DE" sz="3200" dirty="0" err="1"/>
+              <a:t>information</a:t>
+            </a:r>
+            <a:r>
+              <a:rPr lang="de-DE" sz="3200" dirty="0"/>
+              <a:t> </a:t>
+            </a:r>
+            <a:r>
+              <a:rPr lang="de-DE" sz="3200" dirty="0" err="1"/>
+              <a:t>about</a:t>
+            </a:r>
+            <a:r>
+              <a:rPr lang="de-DE" sz="3200" dirty="0"/>
+              <a:t> </a:t>
+            </a:r>
+            <a:r>
+              <a:rPr lang="de-DE" sz="3200" dirty="0" err="1"/>
+              <a:t>feasibility</a:t>
+            </a:r>
+            <a:r>
+              <a:rPr lang="de-DE" sz="3200" dirty="0"/>
+              <a:t> in time </a:t>
+            </a:r>
+            <a:r>
+              <a:rPr lang="de-DE" sz="3200" dirty="0" err="1"/>
+              <a:t>between</a:t>
+            </a:r>
+            <a:r>
+              <a:rPr lang="de-DE" sz="3200" dirty="0"/>
+              <a:t> </a:t>
+            </a:r>
+            <a:r>
+              <a:rPr lang="de-DE" sz="3200" dirty="0" err="1"/>
+              <a:t>collection</a:t>
+            </a:r>
+            <a:r>
+              <a:rPr lang="de-DE" sz="3200" dirty="0"/>
+              <a:t> </a:t>
+            </a:r>
+            <a:r>
+              <a:rPr lang="de-DE" sz="3200" dirty="0" err="1"/>
+              <a:t>start</a:t>
+            </a:r>
+            <a:r>
+              <a:rPr lang="de-DE" sz="3200" dirty="0"/>
+              <a:t> and end and </a:t>
+            </a:r>
+            <a:r>
+              <a:rPr lang="de-DE" sz="3200" dirty="0" err="1"/>
+              <a:t>feasibility</a:t>
+            </a:r>
+            <a:r>
+              <a:rPr lang="de-DE" sz="3200" dirty="0"/>
+              <a:t> </a:t>
+            </a:r>
+            <a:r>
+              <a:rPr lang="de-DE" sz="3200" dirty="0" err="1"/>
+              <a:t>with</a:t>
+            </a:r>
+            <a:r>
+              <a:rPr lang="de-DE" sz="3200" dirty="0"/>
+              <a:t> egg </a:t>
+            </a:r>
+            <a:r>
+              <a:rPr lang="de-DE" sz="3200" dirty="0" err="1"/>
+              <a:t>laying</a:t>
+            </a:r>
+            <a:r>
+              <a:rPr lang="de-DE" sz="3200" dirty="0"/>
+              <a:t> time frame</a:t>
+            </a:r>
+          </a:p>
+          <a:p>
+            <a:pPr marL="457200" indent="-457200">
+              <a:buFont typeface="Arial" panose="020B0604020202020204" pitchFamily="34" charset="0"/>
+              <a:buChar char="•"/>
+            </a:pPr>
+            <a:r>
+              <a:rPr lang="de-DE" sz="3200" dirty="0"/>
+              <a:t>And </a:t>
+            </a:r>
+            <a:r>
+              <a:rPr lang="de-DE" sz="3200" dirty="0" err="1"/>
+              <a:t>with</a:t>
+            </a:r>
+            <a:r>
+              <a:rPr lang="de-DE" sz="3200" dirty="0"/>
+              <a:t> </a:t>
+            </a:r>
+            <a:r>
+              <a:rPr lang="de-DE" sz="3200" dirty="0" err="1"/>
+              <a:t>user</a:t>
+            </a:r>
+            <a:r>
+              <a:rPr lang="de-DE" sz="3200" dirty="0"/>
+              <a:t> </a:t>
+            </a:r>
+            <a:r>
+              <a:rPr lang="de-DE" sz="3200" dirty="0" err="1"/>
+              <a:t>availibility</a:t>
+            </a:r>
+            <a:r>
+              <a:rPr lang="de-DE" sz="3200" dirty="0"/>
+              <a:t> </a:t>
+            </a:r>
+          </a:p>
+          <a:p>
+            <a:pPr marL="457200" indent="-457200">
+              <a:buFont typeface="Arial" panose="020B0604020202020204" pitchFamily="34" charset="0"/>
+              <a:buChar char="•"/>
+            </a:pPr>
+            <a:r>
+              <a:rPr lang="de-DE" sz="3200" dirty="0"/>
+              <a:t>1yes2yes3no4no = Duration </a:t>
+            </a:r>
+            <a:r>
+              <a:rPr lang="de-DE" sz="3200" dirty="0" err="1"/>
+              <a:t>of</a:t>
+            </a:r>
+            <a:r>
+              <a:rPr lang="de-DE" sz="3200" dirty="0"/>
+              <a:t> </a:t>
+            </a:r>
+            <a:r>
+              <a:rPr lang="de-DE" sz="3200" dirty="0" err="1"/>
+              <a:t>each</a:t>
+            </a:r>
+            <a:r>
+              <a:rPr lang="de-DE" sz="3200" dirty="0"/>
+              <a:t> </a:t>
+            </a:r>
+            <a:r>
+              <a:rPr lang="de-DE" sz="3200" dirty="0" err="1"/>
+              <a:t>stage</a:t>
+            </a:r>
+            <a:r>
+              <a:rPr lang="de-DE" sz="3200" dirty="0"/>
+              <a:t> at </a:t>
+            </a:r>
+            <a:r>
+              <a:rPr lang="de-DE" sz="3200" dirty="0" err="1"/>
+              <a:t>each</a:t>
+            </a:r>
+            <a:r>
+              <a:rPr lang="de-DE" sz="3200" dirty="0"/>
+              <a:t> </a:t>
+            </a:r>
+            <a:r>
+              <a:rPr lang="de-DE" sz="3200" dirty="0" err="1"/>
+              <a:t>available</a:t>
+            </a:r>
+            <a:r>
+              <a:rPr lang="de-DE" sz="3200" dirty="0"/>
+              <a:t> </a:t>
+            </a:r>
+            <a:r>
+              <a:rPr lang="de-DE" sz="3200" dirty="0" err="1"/>
+              <a:t>temperature</a:t>
+            </a:r>
+            <a:endParaRPr lang="de-DE" sz="3200" dirty="0"/>
+          </a:p>
+          <a:p>
+            <a:pPr marL="457200" indent="-457200">
+              <a:buFont typeface="Arial" panose="020B0604020202020204" pitchFamily="34" charset="0"/>
+              <a:buChar char="•"/>
+            </a:pPr>
+            <a:r>
+              <a:rPr lang="de-DE" sz="3200" dirty="0"/>
+              <a:t>1yes2yes3no4yes5no6no = </a:t>
+            </a:r>
+            <a:r>
+              <a:rPr lang="de-DE" sz="3200" dirty="0" err="1"/>
+              <a:t>Latest</a:t>
+            </a:r>
+            <a:r>
+              <a:rPr lang="de-DE" sz="3200" dirty="0"/>
+              <a:t> </a:t>
+            </a:r>
+            <a:r>
+              <a:rPr lang="de-DE" sz="3200" dirty="0" err="1"/>
+              <a:t>collection</a:t>
+            </a:r>
+            <a:r>
+              <a:rPr lang="de-DE" sz="3200" dirty="0"/>
+              <a:t> </a:t>
+            </a:r>
+            <a:r>
+              <a:rPr lang="de-DE" sz="3200" dirty="0" err="1"/>
+              <a:t>times</a:t>
+            </a:r>
+            <a:r>
+              <a:rPr lang="de-DE" sz="3200" dirty="0"/>
+              <a:t> </a:t>
+            </a:r>
+            <a:r>
+              <a:rPr lang="de-DE" sz="3200" dirty="0" err="1"/>
+              <a:t>for</a:t>
+            </a:r>
+            <a:r>
+              <a:rPr lang="de-DE" sz="3200" dirty="0"/>
+              <a:t> </a:t>
+            </a:r>
+            <a:r>
+              <a:rPr lang="de-DE" sz="3200" dirty="0" err="1"/>
+              <a:t>each</a:t>
+            </a:r>
+            <a:r>
+              <a:rPr lang="de-DE" sz="3200" dirty="0"/>
+              <a:t> </a:t>
+            </a:r>
+            <a:r>
+              <a:rPr lang="de-DE" sz="3200" dirty="0" err="1"/>
+              <a:t>stage</a:t>
+            </a:r>
+            <a:r>
+              <a:rPr lang="de-DE" sz="3200" dirty="0"/>
+              <a:t> at fastest </a:t>
+            </a:r>
+            <a:r>
+              <a:rPr lang="de-DE" sz="3200" dirty="0" err="1"/>
+              <a:t>available</a:t>
+            </a:r>
+            <a:r>
+              <a:rPr lang="de-DE" sz="3200" dirty="0"/>
+              <a:t> </a:t>
+            </a:r>
+            <a:r>
+              <a:rPr lang="de-DE" sz="3200" dirty="0" err="1"/>
+              <a:t>temperature</a:t>
+            </a:r>
+            <a:endParaRPr lang="de-DE" sz="3200" dirty="0"/>
+          </a:p>
+          <a:p>
+            <a:pPr marL="457200" indent="-457200">
+              <a:buFont typeface="Arial" panose="020B0604020202020204" pitchFamily="34" charset="0"/>
+              <a:buChar char="•"/>
+            </a:pPr>
+            <a:r>
+              <a:rPr lang="de-DE" sz="3200" dirty="0"/>
+              <a:t>1yes2yes3no4yes5no6yes = </a:t>
+            </a:r>
+            <a:r>
+              <a:rPr lang="de-DE" sz="3200" dirty="0" err="1"/>
+              <a:t>Latest</a:t>
+            </a:r>
+            <a:r>
+              <a:rPr lang="de-DE" sz="3200" dirty="0"/>
+              <a:t> </a:t>
+            </a:r>
+            <a:r>
+              <a:rPr lang="de-DE" sz="3200" dirty="0" err="1"/>
+              <a:t>collection</a:t>
+            </a:r>
+            <a:r>
+              <a:rPr lang="de-DE" sz="3200" dirty="0"/>
+              <a:t> </a:t>
+            </a:r>
+            <a:r>
+              <a:rPr lang="de-DE" sz="3200" dirty="0" err="1"/>
+              <a:t>times</a:t>
+            </a:r>
+            <a:r>
+              <a:rPr lang="de-DE" sz="3200" dirty="0"/>
+              <a:t> </a:t>
+            </a:r>
+            <a:r>
+              <a:rPr lang="de-DE" sz="3200" dirty="0" err="1"/>
+              <a:t>for</a:t>
+            </a:r>
+            <a:r>
+              <a:rPr lang="de-DE" sz="3200" dirty="0"/>
+              <a:t> </a:t>
+            </a:r>
+            <a:r>
+              <a:rPr lang="de-DE" sz="3200" dirty="0" err="1"/>
+              <a:t>each</a:t>
+            </a:r>
+            <a:r>
+              <a:rPr lang="de-DE" sz="3200" dirty="0"/>
+              <a:t> </a:t>
+            </a:r>
+            <a:r>
+              <a:rPr lang="de-DE" sz="3200" dirty="0" err="1"/>
+              <a:t>stage</a:t>
+            </a:r>
+            <a:r>
+              <a:rPr lang="de-DE" sz="3200" dirty="0"/>
+              <a:t> at fastest </a:t>
+            </a:r>
+            <a:r>
+              <a:rPr lang="de-DE" sz="3200" dirty="0" err="1"/>
+              <a:t>available</a:t>
+            </a:r>
+            <a:r>
+              <a:rPr lang="de-DE" sz="3200" dirty="0"/>
+              <a:t> </a:t>
+            </a:r>
+            <a:r>
+              <a:rPr lang="de-DE" sz="3200" dirty="0" err="1"/>
+              <a:t>temperatures</a:t>
+            </a:r>
+            <a:r>
+              <a:rPr lang="de-DE" sz="3200" dirty="0"/>
+              <a:t> </a:t>
+            </a:r>
+            <a:r>
+              <a:rPr lang="de-DE" sz="3200" dirty="0" err="1"/>
+              <a:t>that</a:t>
+            </a:r>
+            <a:r>
+              <a:rPr lang="de-DE" sz="3200" dirty="0"/>
+              <a:t> fit </a:t>
+            </a:r>
+            <a:r>
+              <a:rPr lang="de-DE" sz="3200" dirty="0" err="1"/>
+              <a:t>with</a:t>
+            </a:r>
+            <a:r>
+              <a:rPr lang="de-DE" sz="3200" dirty="0"/>
+              <a:t> </a:t>
+            </a:r>
+            <a:r>
+              <a:rPr lang="de-DE" sz="3200" dirty="0" err="1"/>
+              <a:t>user</a:t>
+            </a:r>
+            <a:r>
+              <a:rPr lang="de-DE" sz="3200" dirty="0"/>
+              <a:t> </a:t>
+            </a:r>
+            <a:r>
+              <a:rPr lang="de-DE" sz="3200" dirty="0" err="1"/>
+              <a:t>availability</a:t>
+            </a:r>
+            <a:r>
+              <a:rPr lang="de-DE" sz="3200" dirty="0"/>
+              <a:t> </a:t>
+            </a:r>
+            <a:r>
+              <a:rPr lang="de-DE" sz="3200" dirty="0" err="1"/>
+              <a:t>if</a:t>
+            </a:r>
+            <a:r>
+              <a:rPr lang="de-DE" sz="3200" dirty="0"/>
+              <a:t> </a:t>
+            </a:r>
+            <a:r>
+              <a:rPr lang="de-DE" sz="3200" dirty="0" err="1"/>
+              <a:t>aplicable</a:t>
+            </a:r>
+            <a:endParaRPr lang="de-DE" sz="3200" dirty="0"/>
+          </a:p>
+          <a:p>
+            <a:pPr marL="457200" indent="-457200">
+              <a:buFont typeface="Arial" panose="020B0604020202020204" pitchFamily="34" charset="0"/>
+              <a:buChar char="•"/>
+            </a:pPr>
+            <a:r>
+              <a:rPr lang="de-DE" sz="3200" dirty="0"/>
+              <a:t>1yes2yes3no4yes5yes6no = </a:t>
+            </a:r>
+            <a:r>
+              <a:rPr lang="de-DE" sz="3200" dirty="0" err="1"/>
+              <a:t>Latest</a:t>
+            </a:r>
+            <a:r>
+              <a:rPr lang="de-DE" sz="3200" dirty="0"/>
+              <a:t> </a:t>
+            </a:r>
+            <a:r>
+              <a:rPr lang="de-DE" sz="3200" dirty="0" err="1"/>
+              <a:t>collection</a:t>
+            </a:r>
+            <a:r>
+              <a:rPr lang="de-DE" sz="3200" dirty="0"/>
+              <a:t> </a:t>
+            </a:r>
+            <a:r>
+              <a:rPr lang="de-DE" sz="3200" dirty="0" err="1"/>
+              <a:t>times</a:t>
+            </a:r>
+            <a:r>
+              <a:rPr lang="de-DE" sz="3200" dirty="0"/>
+              <a:t> </a:t>
+            </a:r>
+            <a:r>
+              <a:rPr lang="de-DE" sz="3200" dirty="0" err="1"/>
+              <a:t>for</a:t>
+            </a:r>
+            <a:r>
+              <a:rPr lang="de-DE" sz="3200" dirty="0"/>
+              <a:t> </a:t>
+            </a:r>
+            <a:r>
+              <a:rPr lang="de-DE" sz="3200" dirty="0" err="1"/>
+              <a:t>each</a:t>
+            </a:r>
+            <a:r>
+              <a:rPr lang="de-DE" sz="3200" dirty="0"/>
+              <a:t> </a:t>
+            </a:r>
+            <a:r>
+              <a:rPr lang="de-DE" sz="3200" dirty="0" err="1"/>
+              <a:t>stage</a:t>
+            </a:r>
+            <a:r>
+              <a:rPr lang="de-DE" sz="3200" dirty="0"/>
+              <a:t> at fastest </a:t>
+            </a:r>
+            <a:r>
+              <a:rPr lang="de-DE" sz="3200" dirty="0" err="1"/>
+              <a:t>available</a:t>
+            </a:r>
+            <a:r>
+              <a:rPr lang="de-DE" sz="3200" dirty="0"/>
+              <a:t> </a:t>
+            </a:r>
+            <a:r>
+              <a:rPr lang="de-DE" sz="3200" dirty="0" err="1"/>
+              <a:t>temperature</a:t>
+            </a:r>
+            <a:r>
+              <a:rPr lang="de-DE" sz="3200" dirty="0"/>
+              <a:t> also </a:t>
+            </a:r>
+            <a:r>
+              <a:rPr lang="de-DE" sz="3200" dirty="0" err="1"/>
+              <a:t>including</a:t>
+            </a:r>
+            <a:r>
+              <a:rPr lang="de-DE" sz="3200" dirty="0"/>
+              <a:t> </a:t>
+            </a:r>
+            <a:r>
+              <a:rPr lang="de-DE" sz="3200" dirty="0" err="1"/>
+              <a:t>specific</a:t>
+            </a:r>
+            <a:r>
+              <a:rPr lang="de-DE" sz="3200" dirty="0"/>
+              <a:t> time frame </a:t>
+            </a:r>
+            <a:r>
+              <a:rPr lang="de-DE" sz="3200" dirty="0" err="1"/>
+              <a:t>of</a:t>
+            </a:r>
+            <a:r>
+              <a:rPr lang="de-DE" sz="3200" dirty="0"/>
+              <a:t> egg </a:t>
+            </a:r>
+            <a:r>
+              <a:rPr lang="de-DE" sz="3200" dirty="0" err="1"/>
+              <a:t>laying</a:t>
+            </a:r>
+            <a:r>
+              <a:rPr lang="de-DE" sz="3200" dirty="0"/>
+              <a:t> </a:t>
+            </a:r>
+          </a:p>
+          <a:p>
+            <a:pPr marL="457200" indent="-457200">
+              <a:buFont typeface="Arial" panose="020B0604020202020204" pitchFamily="34" charset="0"/>
+              <a:buChar char="•"/>
+            </a:pPr>
+            <a:r>
+              <a:rPr lang="de-DE" sz="3200" dirty="0"/>
+              <a:t>1yes2yes3no4yes5yes6yes = </a:t>
+            </a:r>
+            <a:r>
+              <a:rPr lang="de-DE" sz="3200" dirty="0" err="1"/>
+              <a:t>Latest</a:t>
+            </a:r>
+            <a:r>
+              <a:rPr lang="de-DE" sz="3200" dirty="0"/>
+              <a:t> </a:t>
+            </a:r>
+            <a:r>
+              <a:rPr lang="de-DE" sz="3200" dirty="0" err="1"/>
+              <a:t>collection</a:t>
+            </a:r>
+            <a:r>
+              <a:rPr lang="de-DE" sz="3200" dirty="0"/>
+              <a:t> </a:t>
+            </a:r>
+            <a:r>
+              <a:rPr lang="de-DE" sz="3200" dirty="0" err="1"/>
+              <a:t>times</a:t>
+            </a:r>
+            <a:r>
+              <a:rPr lang="de-DE" sz="3200" dirty="0"/>
+              <a:t> </a:t>
+            </a:r>
+            <a:r>
+              <a:rPr lang="de-DE" sz="3200" dirty="0" err="1"/>
+              <a:t>for</a:t>
+            </a:r>
+            <a:r>
+              <a:rPr lang="de-DE" sz="3200" dirty="0"/>
+              <a:t> </a:t>
+            </a:r>
+            <a:r>
+              <a:rPr lang="de-DE" sz="3200" dirty="0" err="1"/>
+              <a:t>each</a:t>
+            </a:r>
+            <a:r>
+              <a:rPr lang="de-DE" sz="3200" dirty="0"/>
+              <a:t> </a:t>
+            </a:r>
+            <a:r>
+              <a:rPr lang="de-DE" sz="3200" dirty="0" err="1"/>
+              <a:t>stage</a:t>
+            </a:r>
+            <a:r>
+              <a:rPr lang="de-DE" sz="3200" dirty="0"/>
+              <a:t> at fastest </a:t>
+            </a:r>
+            <a:r>
+              <a:rPr lang="de-DE" sz="3200" dirty="0" err="1"/>
+              <a:t>available</a:t>
+            </a:r>
+            <a:r>
+              <a:rPr lang="de-DE" sz="3200" dirty="0"/>
+              <a:t> </a:t>
+            </a:r>
+            <a:r>
+              <a:rPr lang="de-DE" sz="3200" dirty="0" err="1"/>
+              <a:t>temperatures</a:t>
+            </a:r>
+            <a:r>
+              <a:rPr lang="de-DE" sz="3200" dirty="0"/>
+              <a:t> </a:t>
+            </a:r>
+            <a:r>
+              <a:rPr lang="de-DE" sz="3200" dirty="0" err="1"/>
+              <a:t>that</a:t>
+            </a:r>
+            <a:r>
+              <a:rPr lang="de-DE" sz="3200" dirty="0"/>
+              <a:t> fit </a:t>
+            </a:r>
+            <a:r>
+              <a:rPr lang="de-DE" sz="3200" dirty="0" err="1"/>
+              <a:t>with</a:t>
+            </a:r>
+            <a:r>
+              <a:rPr lang="de-DE" sz="3200" dirty="0"/>
+              <a:t> egg </a:t>
+            </a:r>
+            <a:r>
+              <a:rPr lang="de-DE" sz="3200" dirty="0" err="1"/>
+              <a:t>laying</a:t>
+            </a:r>
+            <a:r>
+              <a:rPr lang="de-DE" sz="3200" dirty="0"/>
+              <a:t> time frame and </a:t>
+            </a:r>
+            <a:r>
+              <a:rPr lang="de-DE" sz="3200" dirty="0" err="1"/>
+              <a:t>user</a:t>
+            </a:r>
+            <a:r>
+              <a:rPr lang="de-DE" sz="3200" dirty="0"/>
+              <a:t> </a:t>
+            </a:r>
+            <a:r>
+              <a:rPr lang="de-DE" sz="3200" dirty="0" err="1"/>
+              <a:t>availability</a:t>
+            </a:r>
+            <a:r>
+              <a:rPr lang="de-DE" sz="3200" dirty="0"/>
+              <a:t> </a:t>
+            </a:r>
+            <a:r>
+              <a:rPr lang="de-DE" sz="3200" dirty="0" err="1"/>
+              <a:t>if</a:t>
+            </a:r>
+            <a:r>
+              <a:rPr lang="de-DE" sz="3200" dirty="0"/>
+              <a:t> </a:t>
+            </a:r>
+            <a:r>
+              <a:rPr lang="de-DE" sz="3200" dirty="0" err="1"/>
+              <a:t>aplicable</a:t>
+            </a:r>
+            <a:endParaRPr lang="de-DE" sz="3200" dirty="0"/>
+          </a:p>
+          <a:p>
+            <a:pPr marL="457200" indent="-457200">
+              <a:buFont typeface="Arial" panose="020B0604020202020204" pitchFamily="34" charset="0"/>
+              <a:buChar char="•"/>
+            </a:pPr>
+            <a:r>
+              <a:rPr lang="de-DE" sz="3200" dirty="0"/>
+              <a:t>1yes2yes3yes4no6no = </a:t>
+            </a:r>
+            <a:r>
+              <a:rPr lang="de-DE" sz="3200" dirty="0" err="1"/>
+              <a:t>Exact</a:t>
+            </a:r>
+            <a:r>
+              <a:rPr lang="de-DE" sz="3200" dirty="0"/>
+              <a:t> Date </a:t>
+            </a:r>
+            <a:r>
+              <a:rPr lang="de-DE" sz="3200" dirty="0" err="1"/>
+              <a:t>of</a:t>
+            </a:r>
+            <a:r>
+              <a:rPr lang="de-DE" sz="3200" dirty="0"/>
+              <a:t> </a:t>
+            </a:r>
+            <a:r>
+              <a:rPr lang="de-DE" sz="3200" dirty="0" err="1"/>
+              <a:t>reaching</a:t>
+            </a:r>
+            <a:r>
+              <a:rPr lang="de-DE" sz="3200" dirty="0"/>
+              <a:t> </a:t>
+            </a:r>
+            <a:r>
+              <a:rPr lang="de-DE" sz="3200" dirty="0" err="1"/>
+              <a:t>stages</a:t>
+            </a:r>
+            <a:r>
+              <a:rPr lang="de-DE" sz="3200" dirty="0"/>
+              <a:t> at </a:t>
+            </a:r>
+            <a:r>
+              <a:rPr lang="de-DE" sz="3200" dirty="0" err="1"/>
+              <a:t>the</a:t>
+            </a:r>
+            <a:r>
+              <a:rPr lang="de-DE" sz="3200" dirty="0"/>
+              <a:t> fastest </a:t>
+            </a:r>
+            <a:r>
+              <a:rPr lang="de-DE" sz="3200" dirty="0" err="1"/>
+              <a:t>available</a:t>
+            </a:r>
+            <a:r>
+              <a:rPr lang="de-DE" sz="3200" dirty="0"/>
+              <a:t> </a:t>
+            </a:r>
+            <a:r>
+              <a:rPr lang="de-DE" sz="3200" dirty="0" err="1"/>
+              <a:t>temperatures</a:t>
+            </a:r>
+            <a:endParaRPr lang="de-DE" sz="3200" dirty="0"/>
+          </a:p>
+          <a:p>
+            <a:pPr marL="457200" indent="-457200">
+              <a:buFont typeface="Arial" panose="020B0604020202020204" pitchFamily="34" charset="0"/>
+              <a:buChar char="•"/>
+            </a:pPr>
+            <a:r>
+              <a:rPr lang="de-DE" sz="3200" dirty="0"/>
+              <a:t>1yes2yes3yes4no6yes = </a:t>
+            </a:r>
+            <a:r>
+              <a:rPr lang="de-DE" sz="3200" dirty="0" err="1"/>
+              <a:t>Exact</a:t>
+            </a:r>
+            <a:r>
+              <a:rPr lang="de-DE" sz="3200" dirty="0"/>
+              <a:t> Date </a:t>
+            </a:r>
+            <a:r>
+              <a:rPr lang="de-DE" sz="3200" dirty="0" err="1"/>
+              <a:t>of</a:t>
+            </a:r>
+            <a:r>
+              <a:rPr lang="de-DE" sz="3200" dirty="0"/>
+              <a:t> </a:t>
+            </a:r>
+            <a:r>
+              <a:rPr lang="de-DE" sz="3200" dirty="0" err="1"/>
+              <a:t>reaching</a:t>
+            </a:r>
+            <a:r>
+              <a:rPr lang="de-DE" sz="3200" dirty="0"/>
+              <a:t> </a:t>
+            </a:r>
+            <a:r>
+              <a:rPr lang="de-DE" sz="3200" dirty="0" err="1"/>
+              <a:t>stages</a:t>
+            </a:r>
+            <a:r>
+              <a:rPr lang="de-DE" sz="3200" dirty="0"/>
+              <a:t> at </a:t>
+            </a:r>
+            <a:r>
+              <a:rPr lang="de-DE" sz="3200" dirty="0" err="1"/>
+              <a:t>the</a:t>
+            </a:r>
+            <a:r>
+              <a:rPr lang="de-DE" sz="3200" dirty="0"/>
+              <a:t> fastest </a:t>
+            </a:r>
+            <a:r>
+              <a:rPr lang="de-DE" sz="3200" dirty="0" err="1"/>
+              <a:t>available</a:t>
+            </a:r>
+            <a:r>
+              <a:rPr lang="de-DE" sz="3200" dirty="0"/>
+              <a:t> </a:t>
+            </a:r>
+            <a:r>
+              <a:rPr lang="de-DE" sz="3200" dirty="0" err="1"/>
+              <a:t>temperatures</a:t>
+            </a:r>
+            <a:r>
+              <a:rPr lang="de-DE" sz="3200" dirty="0"/>
+              <a:t> </a:t>
+            </a:r>
+            <a:r>
+              <a:rPr lang="de-DE" sz="3200" dirty="0" err="1"/>
+              <a:t>which</a:t>
+            </a:r>
+            <a:r>
+              <a:rPr lang="de-DE" sz="3200" dirty="0"/>
+              <a:t> fit </a:t>
+            </a:r>
+            <a:r>
+              <a:rPr lang="de-DE" sz="3200" dirty="0" err="1"/>
+              <a:t>with</a:t>
+            </a:r>
+            <a:r>
+              <a:rPr lang="de-DE" sz="3200" dirty="0"/>
+              <a:t> </a:t>
+            </a:r>
+            <a:r>
+              <a:rPr lang="de-DE" sz="3200" dirty="0" err="1"/>
+              <a:t>user</a:t>
+            </a:r>
+            <a:r>
+              <a:rPr lang="de-DE" sz="3200" dirty="0"/>
+              <a:t> </a:t>
+            </a:r>
+            <a:r>
+              <a:rPr lang="de-DE" sz="3200" dirty="0" err="1"/>
+              <a:t>availability</a:t>
+            </a:r>
+            <a:endParaRPr lang="de-DE" sz="3200" dirty="0"/>
+          </a:p>
+          <a:p>
+            <a:pPr marL="457200" indent="-457200">
+              <a:buFont typeface="Arial" panose="020B0604020202020204" pitchFamily="34" charset="0"/>
+              <a:buChar char="•"/>
+            </a:pPr>
+            <a:r>
+              <a:rPr lang="de-DE" sz="3200" dirty="0"/>
+              <a:t>1yes2yes3yes4yes5no6no = Collection </a:t>
+            </a:r>
+            <a:r>
+              <a:rPr lang="de-DE" sz="3200" dirty="0" err="1"/>
+              <a:t>times</a:t>
+            </a:r>
+            <a:r>
+              <a:rPr lang="de-DE" sz="3200" dirty="0"/>
+              <a:t> </a:t>
+            </a:r>
+            <a:r>
+              <a:rPr lang="de-DE" sz="3200" dirty="0" err="1"/>
+              <a:t>for</a:t>
+            </a:r>
+            <a:r>
+              <a:rPr lang="de-DE" sz="3200" dirty="0"/>
+              <a:t> </a:t>
+            </a:r>
+            <a:r>
+              <a:rPr lang="de-DE" sz="3200" dirty="0" err="1"/>
+              <a:t>each</a:t>
+            </a:r>
+            <a:r>
+              <a:rPr lang="de-DE" sz="3200" dirty="0"/>
+              <a:t> </a:t>
+            </a:r>
+            <a:r>
+              <a:rPr lang="de-DE" sz="3200" dirty="0" err="1"/>
+              <a:t>stage</a:t>
+            </a:r>
+            <a:r>
+              <a:rPr lang="de-DE" sz="3200" dirty="0"/>
+              <a:t> at fastest </a:t>
+            </a:r>
+            <a:r>
+              <a:rPr lang="de-DE" sz="3200" dirty="0" err="1"/>
+              <a:t>available</a:t>
+            </a:r>
+            <a:r>
+              <a:rPr lang="de-DE" sz="3200" dirty="0"/>
+              <a:t> </a:t>
+            </a:r>
+            <a:r>
+              <a:rPr lang="de-DE" sz="3200" dirty="0" err="1"/>
+              <a:t>temperatures</a:t>
+            </a:r>
+            <a:r>
+              <a:rPr lang="de-DE" sz="3200" dirty="0"/>
+              <a:t> and </a:t>
+            </a:r>
+            <a:r>
+              <a:rPr lang="de-DE" sz="3200" dirty="0" err="1"/>
+              <a:t>information</a:t>
+            </a:r>
+            <a:r>
+              <a:rPr lang="de-DE" sz="3200" dirty="0"/>
+              <a:t> </a:t>
+            </a:r>
+            <a:r>
+              <a:rPr lang="de-DE" sz="3200" dirty="0" err="1"/>
+              <a:t>about</a:t>
+            </a:r>
+            <a:r>
+              <a:rPr lang="de-DE" sz="3200" dirty="0"/>
+              <a:t> </a:t>
+            </a:r>
+            <a:r>
+              <a:rPr lang="de-DE" sz="3200" dirty="0" err="1"/>
+              <a:t>feasibility</a:t>
+            </a:r>
+            <a:r>
+              <a:rPr lang="de-DE" sz="3200" dirty="0"/>
+              <a:t> in time </a:t>
+            </a:r>
+            <a:r>
+              <a:rPr lang="de-DE" sz="3200" dirty="0" err="1"/>
+              <a:t>between</a:t>
+            </a:r>
+            <a:r>
+              <a:rPr lang="de-DE" sz="3200" dirty="0"/>
+              <a:t> </a:t>
+            </a:r>
+            <a:r>
+              <a:rPr lang="de-DE" sz="3200" dirty="0" err="1"/>
+              <a:t>collection</a:t>
+            </a:r>
+            <a:r>
+              <a:rPr lang="de-DE" sz="3200" dirty="0"/>
+              <a:t> </a:t>
+            </a:r>
+            <a:r>
+              <a:rPr lang="de-DE" sz="3200" dirty="0" err="1"/>
+              <a:t>start</a:t>
+            </a:r>
+            <a:r>
+              <a:rPr lang="de-DE" sz="3200" dirty="0"/>
+              <a:t> and end</a:t>
+            </a:r>
+          </a:p>
+          <a:p>
+            <a:pPr marL="457200" indent="-457200">
+              <a:buFont typeface="Arial" panose="020B0604020202020204" pitchFamily="34" charset="0"/>
+              <a:buChar char="•"/>
+            </a:pPr>
+            <a:r>
+              <a:rPr lang="de-DE" sz="3200" dirty="0"/>
+              <a:t>1yes2yes3yes4yes5no6yes = Collection </a:t>
+            </a:r>
+            <a:r>
+              <a:rPr lang="de-DE" sz="3200" dirty="0" err="1"/>
+              <a:t>times</a:t>
+            </a:r>
+            <a:r>
+              <a:rPr lang="de-DE" sz="3200" dirty="0"/>
+              <a:t> </a:t>
+            </a:r>
+            <a:r>
+              <a:rPr lang="de-DE" sz="3200" dirty="0" err="1"/>
+              <a:t>for</a:t>
+            </a:r>
+            <a:r>
+              <a:rPr lang="de-DE" sz="3200" dirty="0"/>
+              <a:t> </a:t>
+            </a:r>
+            <a:r>
+              <a:rPr lang="de-DE" sz="3200" dirty="0" err="1"/>
+              <a:t>each</a:t>
+            </a:r>
+            <a:r>
+              <a:rPr lang="de-DE" sz="3200" dirty="0"/>
+              <a:t> </a:t>
+            </a:r>
+            <a:r>
+              <a:rPr lang="de-DE" sz="3200" dirty="0" err="1"/>
+              <a:t>stage</a:t>
+            </a:r>
+            <a:r>
+              <a:rPr lang="de-DE" sz="3200" dirty="0"/>
+              <a:t> at fastest </a:t>
+            </a:r>
+            <a:r>
+              <a:rPr lang="de-DE" sz="3200" dirty="0" err="1"/>
+              <a:t>available</a:t>
+            </a:r>
+            <a:r>
+              <a:rPr lang="de-DE" sz="3200" dirty="0"/>
+              <a:t> </a:t>
+            </a:r>
+            <a:r>
+              <a:rPr lang="de-DE" sz="3200" dirty="0" err="1"/>
+              <a:t>temperatures</a:t>
+            </a:r>
+            <a:r>
+              <a:rPr lang="de-DE" sz="3200" dirty="0"/>
+              <a:t> and </a:t>
+            </a:r>
+            <a:r>
+              <a:rPr lang="de-DE" sz="3200" dirty="0" err="1"/>
+              <a:t>information</a:t>
+            </a:r>
+            <a:r>
+              <a:rPr lang="de-DE" sz="3200" dirty="0"/>
+              <a:t> </a:t>
+            </a:r>
+            <a:r>
+              <a:rPr lang="de-DE" sz="3200" dirty="0" err="1"/>
+              <a:t>about</a:t>
+            </a:r>
+            <a:r>
+              <a:rPr lang="de-DE" sz="3200" dirty="0"/>
+              <a:t> </a:t>
+            </a:r>
+            <a:r>
+              <a:rPr lang="de-DE" sz="3200" dirty="0" err="1"/>
+              <a:t>feasibility</a:t>
+            </a:r>
+            <a:r>
+              <a:rPr lang="de-DE" sz="3200" dirty="0"/>
+              <a:t> in time </a:t>
+            </a:r>
+            <a:r>
+              <a:rPr lang="de-DE" sz="3200" dirty="0" err="1"/>
+              <a:t>between</a:t>
+            </a:r>
+            <a:r>
+              <a:rPr lang="de-DE" sz="3200" dirty="0"/>
+              <a:t> </a:t>
+            </a:r>
+            <a:r>
+              <a:rPr lang="de-DE" sz="3200" dirty="0" err="1"/>
+              <a:t>collection</a:t>
+            </a:r>
+            <a:r>
+              <a:rPr lang="de-DE" sz="3200" dirty="0"/>
+              <a:t> </a:t>
+            </a:r>
+            <a:r>
+              <a:rPr lang="de-DE" sz="3200" dirty="0" err="1"/>
+              <a:t>start</a:t>
+            </a:r>
+            <a:r>
+              <a:rPr lang="de-DE" sz="3200" dirty="0"/>
+              <a:t> and end </a:t>
+            </a:r>
+            <a:r>
+              <a:rPr lang="de-DE" sz="3200" dirty="0" err="1"/>
+              <a:t>that</a:t>
+            </a:r>
+            <a:r>
+              <a:rPr lang="de-DE" sz="3200" dirty="0"/>
+              <a:t> fit </a:t>
+            </a:r>
+            <a:r>
+              <a:rPr lang="de-DE" sz="3200" dirty="0" err="1"/>
+              <a:t>with</a:t>
+            </a:r>
+            <a:r>
+              <a:rPr lang="de-DE" sz="3200" dirty="0"/>
+              <a:t> </a:t>
+            </a:r>
+            <a:r>
+              <a:rPr lang="de-DE" sz="3200" dirty="0" err="1"/>
+              <a:t>user</a:t>
+            </a:r>
+            <a:r>
+              <a:rPr lang="de-DE" sz="3200" dirty="0"/>
+              <a:t> </a:t>
+            </a:r>
+            <a:r>
+              <a:rPr lang="de-DE" sz="3200" dirty="0" err="1"/>
+              <a:t>availability</a:t>
+            </a:r>
+            <a:r>
+              <a:rPr lang="de-DE" sz="3200" dirty="0"/>
+              <a:t> </a:t>
+            </a:r>
+            <a:r>
+              <a:rPr lang="de-DE" sz="3200" dirty="0" err="1"/>
+              <a:t>if</a:t>
+            </a:r>
+            <a:r>
+              <a:rPr lang="de-DE" sz="3200" dirty="0"/>
+              <a:t> </a:t>
+            </a:r>
+            <a:r>
+              <a:rPr lang="de-DE" sz="3200" dirty="0" err="1"/>
+              <a:t>aplicable</a:t>
+            </a:r>
+            <a:endParaRPr lang="de-DE" sz="3200" dirty="0"/>
+          </a:p>
+          <a:p>
+            <a:pPr marL="457200" indent="-457200">
+              <a:buFont typeface="Arial" panose="020B0604020202020204" pitchFamily="34" charset="0"/>
+              <a:buChar char="•"/>
+            </a:pPr>
+            <a:r>
+              <a:rPr lang="de-DE" sz="3200" dirty="0"/>
+              <a:t>1yes2yes3yes4yes5yes6no = Collection </a:t>
+            </a:r>
+            <a:r>
+              <a:rPr lang="de-DE" sz="3200" dirty="0" err="1"/>
+              <a:t>times</a:t>
+            </a:r>
+            <a:r>
+              <a:rPr lang="de-DE" sz="3200" dirty="0"/>
+              <a:t> </a:t>
+            </a:r>
+            <a:r>
+              <a:rPr lang="de-DE" sz="3200" dirty="0" err="1"/>
+              <a:t>for</a:t>
+            </a:r>
+            <a:r>
+              <a:rPr lang="de-DE" sz="3200" dirty="0"/>
+              <a:t> </a:t>
+            </a:r>
+            <a:r>
+              <a:rPr lang="de-DE" sz="3200" dirty="0" err="1"/>
+              <a:t>each</a:t>
+            </a:r>
+            <a:r>
+              <a:rPr lang="de-DE" sz="3200" dirty="0"/>
+              <a:t> </a:t>
+            </a:r>
+            <a:r>
+              <a:rPr lang="de-DE" sz="3200" dirty="0" err="1"/>
+              <a:t>stage</a:t>
+            </a:r>
+            <a:r>
+              <a:rPr lang="de-DE" sz="3200" dirty="0"/>
+              <a:t> at fastest </a:t>
+            </a:r>
+            <a:r>
+              <a:rPr lang="de-DE" sz="3200" dirty="0" err="1"/>
+              <a:t>available</a:t>
+            </a:r>
+            <a:r>
+              <a:rPr lang="de-DE" sz="3200" dirty="0"/>
+              <a:t> </a:t>
+            </a:r>
+            <a:r>
+              <a:rPr lang="de-DE" sz="3200" dirty="0" err="1"/>
+              <a:t>temperatures</a:t>
+            </a:r>
+            <a:r>
+              <a:rPr lang="de-DE" sz="3200" dirty="0"/>
+              <a:t> and </a:t>
+            </a:r>
+            <a:r>
+              <a:rPr lang="de-DE" sz="3200" dirty="0" err="1"/>
+              <a:t>information</a:t>
+            </a:r>
+            <a:r>
+              <a:rPr lang="de-DE" sz="3200" dirty="0"/>
+              <a:t> </a:t>
+            </a:r>
+            <a:r>
+              <a:rPr lang="de-DE" sz="3200" dirty="0" err="1"/>
+              <a:t>about</a:t>
+            </a:r>
+            <a:r>
+              <a:rPr lang="de-DE" sz="3200" dirty="0"/>
+              <a:t> </a:t>
+            </a:r>
+            <a:r>
+              <a:rPr lang="de-DE" sz="3200" dirty="0" err="1"/>
+              <a:t>feasibility</a:t>
+            </a:r>
+            <a:r>
+              <a:rPr lang="de-DE" sz="3200" dirty="0"/>
+              <a:t> in time </a:t>
+            </a:r>
+            <a:r>
+              <a:rPr lang="de-DE" sz="3200" dirty="0" err="1"/>
+              <a:t>between</a:t>
+            </a:r>
+            <a:r>
+              <a:rPr lang="de-DE" sz="3200" dirty="0"/>
+              <a:t> </a:t>
+            </a:r>
+            <a:r>
+              <a:rPr lang="de-DE" sz="3200" dirty="0" err="1"/>
+              <a:t>collection</a:t>
+            </a:r>
+            <a:r>
+              <a:rPr lang="de-DE" sz="3200" dirty="0"/>
+              <a:t> </a:t>
+            </a:r>
+            <a:r>
+              <a:rPr lang="de-DE" sz="3200" dirty="0" err="1"/>
+              <a:t>start</a:t>
+            </a:r>
+            <a:r>
+              <a:rPr lang="de-DE" sz="3200" dirty="0"/>
+              <a:t> and end and </a:t>
+            </a:r>
+            <a:r>
+              <a:rPr lang="de-DE" sz="3200" dirty="0" err="1"/>
+              <a:t>including</a:t>
+            </a:r>
+            <a:r>
+              <a:rPr lang="de-DE" sz="3200" dirty="0"/>
+              <a:t> also time frame </a:t>
+            </a:r>
+            <a:r>
+              <a:rPr lang="de-DE" sz="3200" dirty="0" err="1"/>
+              <a:t>of</a:t>
+            </a:r>
+            <a:r>
+              <a:rPr lang="de-DE" sz="3200" dirty="0"/>
+              <a:t> egg </a:t>
+            </a:r>
+            <a:r>
+              <a:rPr lang="de-DE" sz="3200" dirty="0" err="1"/>
+              <a:t>laying</a:t>
+            </a:r>
+            <a:r>
+              <a:rPr lang="de-DE" sz="3200" dirty="0"/>
+              <a:t> time</a:t>
+            </a:r>
+          </a:p>
+          <a:p>
+            <a:pPr marL="457200" indent="-457200">
+              <a:buFont typeface="Arial" panose="020B0604020202020204" pitchFamily="34" charset="0"/>
+              <a:buChar char="•"/>
+            </a:pPr>
+            <a:r>
+              <a:rPr lang="de-DE" sz="3200" dirty="0"/>
+              <a:t>1yes2yes3yes4yes5yes6yes = Collection </a:t>
+            </a:r>
+            <a:r>
+              <a:rPr lang="de-DE" sz="3200" dirty="0" err="1"/>
+              <a:t>times</a:t>
+            </a:r>
+            <a:r>
+              <a:rPr lang="de-DE" sz="3200" dirty="0"/>
+              <a:t> </a:t>
+            </a:r>
+            <a:r>
+              <a:rPr lang="de-DE" sz="3200" dirty="0" err="1"/>
+              <a:t>for</a:t>
+            </a:r>
+            <a:r>
+              <a:rPr lang="de-DE" sz="3200" dirty="0"/>
+              <a:t> </a:t>
+            </a:r>
+            <a:r>
+              <a:rPr lang="de-DE" sz="3200" dirty="0" err="1"/>
+              <a:t>each</a:t>
+            </a:r>
+            <a:r>
+              <a:rPr lang="de-DE" sz="3200" dirty="0"/>
+              <a:t> </a:t>
+            </a:r>
+            <a:r>
+              <a:rPr lang="de-DE" sz="3200" dirty="0" err="1"/>
+              <a:t>stage</a:t>
+            </a:r>
+            <a:r>
+              <a:rPr lang="de-DE" sz="3200" dirty="0"/>
+              <a:t> at fastest </a:t>
+            </a:r>
+            <a:r>
+              <a:rPr lang="de-DE" sz="3200" dirty="0" err="1"/>
+              <a:t>available</a:t>
+            </a:r>
+            <a:r>
+              <a:rPr lang="de-DE" sz="3200" dirty="0"/>
+              <a:t> </a:t>
+            </a:r>
+            <a:r>
+              <a:rPr lang="de-DE" sz="3200" dirty="0" err="1"/>
+              <a:t>temperatures</a:t>
+            </a:r>
+            <a:r>
+              <a:rPr lang="de-DE" sz="3200" dirty="0"/>
+              <a:t> and </a:t>
+            </a:r>
+            <a:r>
+              <a:rPr lang="de-DE" sz="3200" dirty="0" err="1"/>
+              <a:t>information</a:t>
+            </a:r>
+            <a:r>
+              <a:rPr lang="de-DE" sz="3200" dirty="0"/>
+              <a:t> </a:t>
+            </a:r>
+            <a:r>
+              <a:rPr lang="de-DE" sz="3200" dirty="0" err="1"/>
+              <a:t>about</a:t>
+            </a:r>
+            <a:r>
+              <a:rPr lang="de-DE" sz="3200" dirty="0"/>
+              <a:t> </a:t>
+            </a:r>
+            <a:r>
+              <a:rPr lang="de-DE" sz="3200" dirty="0" err="1"/>
+              <a:t>feasibility</a:t>
+            </a:r>
+            <a:r>
+              <a:rPr lang="de-DE" sz="3200" dirty="0"/>
+              <a:t> in time </a:t>
+            </a:r>
+            <a:r>
+              <a:rPr lang="de-DE" sz="3200" dirty="0" err="1"/>
+              <a:t>between</a:t>
+            </a:r>
+            <a:r>
+              <a:rPr lang="de-DE" sz="3200" dirty="0"/>
+              <a:t> </a:t>
+            </a:r>
+            <a:r>
+              <a:rPr lang="de-DE" sz="3200" dirty="0" err="1"/>
+              <a:t>collection</a:t>
+            </a:r>
+            <a:r>
+              <a:rPr lang="de-DE" sz="3200" dirty="0"/>
+              <a:t> </a:t>
+            </a:r>
+            <a:r>
+              <a:rPr lang="de-DE" sz="3200" dirty="0" err="1"/>
+              <a:t>start</a:t>
+            </a:r>
+            <a:r>
+              <a:rPr lang="de-DE" sz="3200" dirty="0"/>
+              <a:t> and end </a:t>
+            </a:r>
+            <a:r>
+              <a:rPr lang="de-DE" sz="3200" dirty="0" err="1"/>
+              <a:t>that</a:t>
+            </a:r>
+            <a:r>
+              <a:rPr lang="de-DE" sz="3200" dirty="0"/>
+              <a:t> fit </a:t>
+            </a:r>
+            <a:r>
+              <a:rPr lang="de-DE" sz="3200" dirty="0" err="1"/>
+              <a:t>with</a:t>
+            </a:r>
+            <a:r>
+              <a:rPr lang="de-DE" sz="3200" dirty="0"/>
+              <a:t> </a:t>
+            </a:r>
+            <a:r>
+              <a:rPr lang="de-DE" sz="3200" dirty="0" err="1"/>
+              <a:t>user</a:t>
+            </a:r>
+            <a:r>
+              <a:rPr lang="de-DE" sz="3200" dirty="0"/>
+              <a:t> </a:t>
+            </a:r>
+            <a:r>
+              <a:rPr lang="de-DE" sz="3200" dirty="0" err="1"/>
+              <a:t>availability</a:t>
+            </a:r>
+            <a:r>
+              <a:rPr lang="de-DE" sz="3200" dirty="0"/>
+              <a:t> and egg </a:t>
+            </a:r>
+            <a:r>
+              <a:rPr lang="de-DE" sz="3200" dirty="0" err="1"/>
+              <a:t>laying</a:t>
+            </a:r>
+            <a:r>
+              <a:rPr lang="de-DE" sz="3200" dirty="0"/>
+              <a:t> time frame </a:t>
+            </a:r>
+            <a:r>
+              <a:rPr lang="de-DE" sz="3200" dirty="0" err="1"/>
+              <a:t>if</a:t>
+            </a:r>
+            <a:r>
+              <a:rPr lang="de-DE" sz="3200" dirty="0"/>
+              <a:t> </a:t>
+            </a:r>
+            <a:r>
+              <a:rPr lang="de-DE" sz="3200" dirty="0" err="1"/>
+              <a:t>aplicable</a:t>
+            </a:r>
+            <a:endParaRPr lang="de-DE" sz="3200" dirty="0"/>
+          </a:p>
+        </p:txBody>
+      </p:sp>
+    </p:spTree>
+    <p:extLst>
+      <p:ext uri="{BB962C8B-B14F-4D97-AF65-F5344CB8AC3E}">
+        <p14:creationId xmlns:p14="http://schemas.microsoft.com/office/powerpoint/2010/main" val="1321691968"/>
+      </p:ext>
+    </p:extLst>
+  </p:cSld>
+  <p:clrMapOvr>
+    <a:masterClrMapping/>
+  </p:clrMapOvr>
+</p:sld>
+</file>
+
+<file path=ppt/slides/slide3.xml><?xml version="1.0" encoding="utf-8"?>
+<p:sld xmlns:a="http://schemas.openxmlformats.org/drawingml/2006/main" xmlns:r="http://schemas.openxmlformats.org/officeDocument/2006/relationships" xmlns:p="http://schemas.openxmlformats.org/presentationml/2006/main">
+  <p:cSld>
+    <p:spTree>
+      <p:nvGrpSpPr>
+        <p:cNvPr id="1" name=""/>
+        <p:cNvGrpSpPr/>
+        <p:nvPr/>
+      </p:nvGrpSpPr>
+      <p:grpSpPr>
+        <a:xfrm>
+          <a:off x="0" y="0"/>
+          <a:ext cx="0" cy="0"/>
+          <a:chOff x="0" y="0"/>
+          <a:chExt cx="0" cy="0"/>
+        </a:xfrm>
+      </p:grpSpPr>
+      <p:sp>
+        <p:nvSpPr>
           <p:cNvPr id="2" name="Rechteck 1">
             <a:extLst>
               <a:ext uri="{FF2B5EF4-FFF2-40B4-BE49-F238E27FC236}">
@@ -13379,8 +13140,8 @@
         </p:nvSpPr>
         <p:spPr>
           <a:xfrm>
-            <a:off x="3163522" y="5699926"/>
-            <a:ext cx="1553012" cy="369096"/>
+            <a:off x="12039776" y="14654647"/>
+            <a:ext cx="4184335" cy="1288704"/>
           </a:xfrm>
           <a:prstGeom prst="rect">
             <a:avLst/>
@@ -13408,14 +13169,1510 @@
           <a:p>
             <a:pPr algn="ctr"/>
             <a:r>
-              <a:rPr lang="de-DE" sz="1100" dirty="0"/>
-              <a:t>Stages </a:t>
-            </a:r>
-            <a:r>
-              <a:rPr lang="de-DE" sz="1100" dirty="0" err="1"/>
-              <a:t>needed</a:t>
-            </a:r>
-            <a:endParaRPr lang="de-DE" sz="1100" dirty="0"/>
+              <a:rPr lang="de-DE" sz="3600" dirty="0" err="1"/>
+              <a:t>analasys.py</a:t>
+            </a:r>
+            <a:endParaRPr lang="de-DE" sz="3600" dirty="0"/>
+          </a:p>
+        </p:txBody>
+      </p:sp>
+      <p:sp>
+        <p:nvSpPr>
+          <p:cNvPr id="3" name="Rechteck 2">
+            <a:extLst>
+              <a:ext uri="{FF2B5EF4-FFF2-40B4-BE49-F238E27FC236}">
+                <a16:creationId xmlns:a16="http://schemas.microsoft.com/office/drawing/2014/main" id="{EF68EB6C-8BC3-81EF-C37B-5CA52DCF2D7B}"/>
+              </a:ext>
+            </a:extLst>
+          </p:cNvPr>
+          <p:cNvSpPr/>
+          <p:nvPr/>
+        </p:nvSpPr>
+        <p:spPr>
+          <a:xfrm>
+            <a:off x="10644113" y="7839772"/>
+            <a:ext cx="4184335" cy="1288704"/>
+          </a:xfrm>
+          <a:prstGeom prst="rect">
+            <a:avLst/>
+          </a:prstGeom>
+        </p:spPr>
+        <p:style>
+          <a:lnRef idx="2">
+            <a:schemeClr val="accent1">
+              <a:shade val="15000"/>
+            </a:schemeClr>
+          </a:lnRef>
+          <a:fillRef idx="1">
+            <a:schemeClr val="accent1"/>
+          </a:fillRef>
+          <a:effectRef idx="0">
+            <a:schemeClr val="accent1"/>
+          </a:effectRef>
+          <a:fontRef idx="minor">
+            <a:schemeClr val="lt1"/>
+          </a:fontRef>
+        </p:style>
+        <p:txBody>
+          <a:bodyPr rtlCol="0" anchor="ctr"/>
+          <a:lstStyle/>
+          <a:p>
+            <a:pPr algn="ctr"/>
+            <a:r>
+              <a:rPr lang="de-DE" sz="3600" dirty="0" err="1"/>
+              <a:t>app.py</a:t>
+            </a:r>
+            <a:endParaRPr lang="de-DE" sz="3600" dirty="0"/>
+          </a:p>
+        </p:txBody>
+      </p:sp>
+      <p:sp>
+        <p:nvSpPr>
+          <p:cNvPr id="5" name="Rechteck 4">
+            <a:extLst>
+              <a:ext uri="{FF2B5EF4-FFF2-40B4-BE49-F238E27FC236}">
+                <a16:creationId xmlns:a16="http://schemas.microsoft.com/office/drawing/2014/main" id="{1DA9F59B-48D4-9597-C12B-804D4F5D0EDF}"/>
+              </a:ext>
+            </a:extLst>
+          </p:cNvPr>
+          <p:cNvSpPr/>
+          <p:nvPr/>
+        </p:nvSpPr>
+        <p:spPr>
+          <a:xfrm>
+            <a:off x="2773016" y="6773313"/>
+            <a:ext cx="4184335" cy="1288704"/>
+          </a:xfrm>
+          <a:prstGeom prst="rect">
+            <a:avLst/>
+          </a:prstGeom>
+        </p:spPr>
+        <p:style>
+          <a:lnRef idx="2">
+            <a:schemeClr val="accent1">
+              <a:shade val="15000"/>
+            </a:schemeClr>
+          </a:lnRef>
+          <a:fillRef idx="1">
+            <a:schemeClr val="accent1"/>
+          </a:fillRef>
+          <a:effectRef idx="0">
+            <a:schemeClr val="accent1"/>
+          </a:effectRef>
+          <a:fontRef idx="minor">
+            <a:schemeClr val="lt1"/>
+          </a:fontRef>
+        </p:style>
+        <p:txBody>
+          <a:bodyPr rtlCol="0" anchor="ctr"/>
+          <a:lstStyle/>
+          <a:p>
+            <a:pPr algn="ctr"/>
+            <a:r>
+              <a:rPr lang="de-DE" sz="3600" dirty="0" err="1"/>
+              <a:t>data.py</a:t>
+            </a:r>
+            <a:endParaRPr lang="de-DE" sz="3600" dirty="0"/>
+          </a:p>
+        </p:txBody>
+      </p:sp>
+      <p:sp>
+        <p:nvSpPr>
+          <p:cNvPr id="6" name="Rechteck 5">
+            <a:extLst>
+              <a:ext uri="{FF2B5EF4-FFF2-40B4-BE49-F238E27FC236}">
+                <a16:creationId xmlns:a16="http://schemas.microsoft.com/office/drawing/2014/main" id="{D4467EAC-0824-6639-793F-AFE8E7D54755}"/>
+              </a:ext>
+            </a:extLst>
+          </p:cNvPr>
+          <p:cNvSpPr/>
+          <p:nvPr/>
+        </p:nvSpPr>
+        <p:spPr>
+          <a:xfrm>
+            <a:off x="2050947" y="10369173"/>
+            <a:ext cx="4184335" cy="1288704"/>
+          </a:xfrm>
+          <a:prstGeom prst="rect">
+            <a:avLst/>
+          </a:prstGeom>
+        </p:spPr>
+        <p:style>
+          <a:lnRef idx="2">
+            <a:schemeClr val="accent1">
+              <a:shade val="15000"/>
+            </a:schemeClr>
+          </a:lnRef>
+          <a:fillRef idx="1">
+            <a:schemeClr val="accent1"/>
+          </a:fillRef>
+          <a:effectRef idx="0">
+            <a:schemeClr val="accent1"/>
+          </a:effectRef>
+          <a:fontRef idx="minor">
+            <a:schemeClr val="lt1"/>
+          </a:fontRef>
+        </p:style>
+        <p:txBody>
+          <a:bodyPr rtlCol="0" anchor="ctr"/>
+          <a:lstStyle/>
+          <a:p>
+            <a:pPr algn="ctr"/>
+            <a:r>
+              <a:rPr lang="de-DE" sz="3600" dirty="0" err="1"/>
+              <a:t>decision_tree.py</a:t>
+            </a:r>
+            <a:endParaRPr lang="de-DE" sz="3600" dirty="0"/>
+          </a:p>
+        </p:txBody>
+      </p:sp>
+      <p:sp>
+        <p:nvSpPr>
+          <p:cNvPr id="7" name="Rechteck 6">
+            <a:extLst>
+              <a:ext uri="{FF2B5EF4-FFF2-40B4-BE49-F238E27FC236}">
+                <a16:creationId xmlns:a16="http://schemas.microsoft.com/office/drawing/2014/main" id="{9FAA4907-6D86-6D25-E25B-F44AC97E4F43}"/>
+              </a:ext>
+            </a:extLst>
+          </p:cNvPr>
+          <p:cNvSpPr/>
+          <p:nvPr/>
+        </p:nvSpPr>
+        <p:spPr>
+          <a:xfrm>
+            <a:off x="10644115" y="6759134"/>
+            <a:ext cx="4184335" cy="1288704"/>
+          </a:xfrm>
+          <a:prstGeom prst="rect">
+            <a:avLst/>
+          </a:prstGeom>
+        </p:spPr>
+        <p:style>
+          <a:lnRef idx="2">
+            <a:schemeClr val="accent1">
+              <a:shade val="15000"/>
+            </a:schemeClr>
+          </a:lnRef>
+          <a:fillRef idx="1">
+            <a:schemeClr val="accent1"/>
+          </a:fillRef>
+          <a:effectRef idx="0">
+            <a:schemeClr val="accent1"/>
+          </a:effectRef>
+          <a:fontRef idx="minor">
+            <a:schemeClr val="lt1"/>
+          </a:fontRef>
+        </p:style>
+        <p:txBody>
+          <a:bodyPr rtlCol="0" anchor="ctr"/>
+          <a:lstStyle/>
+          <a:p>
+            <a:pPr algn="ctr"/>
+            <a:r>
+              <a:rPr lang="de-DE" sz="3600" dirty="0" err="1"/>
+              <a:t>main.py</a:t>
+            </a:r>
+            <a:endParaRPr lang="de-DE" sz="3600" dirty="0"/>
+          </a:p>
+        </p:txBody>
+      </p:sp>
+      <p:sp>
+        <p:nvSpPr>
+          <p:cNvPr id="8" name="Rechteck 7">
+            <a:extLst>
+              <a:ext uri="{FF2B5EF4-FFF2-40B4-BE49-F238E27FC236}">
+                <a16:creationId xmlns:a16="http://schemas.microsoft.com/office/drawing/2014/main" id="{65BA73C5-2D9B-D977-FFAF-0F9F5B2CD664}"/>
+              </a:ext>
+            </a:extLst>
+          </p:cNvPr>
+          <p:cNvSpPr/>
+          <p:nvPr/>
+        </p:nvSpPr>
+        <p:spPr>
+          <a:xfrm>
+            <a:off x="2017559" y="12069024"/>
+            <a:ext cx="4184335" cy="1288704"/>
+          </a:xfrm>
+          <a:prstGeom prst="rect">
+            <a:avLst/>
+          </a:prstGeom>
+        </p:spPr>
+        <p:style>
+          <a:lnRef idx="2">
+            <a:schemeClr val="accent1">
+              <a:shade val="15000"/>
+            </a:schemeClr>
+          </a:lnRef>
+          <a:fillRef idx="1">
+            <a:schemeClr val="accent1"/>
+          </a:fillRef>
+          <a:effectRef idx="0">
+            <a:schemeClr val="accent1"/>
+          </a:effectRef>
+          <a:fontRef idx="minor">
+            <a:schemeClr val="lt1"/>
+          </a:fontRef>
+        </p:style>
+        <p:txBody>
+          <a:bodyPr rtlCol="0" anchor="ctr"/>
+          <a:lstStyle/>
+          <a:p>
+            <a:pPr algn="ctr"/>
+            <a:r>
+              <a:rPr lang="de-DE" sz="3600" dirty="0" err="1"/>
+              <a:t>plot.py</a:t>
+            </a:r>
+            <a:endParaRPr lang="de-DE" sz="3600" dirty="0"/>
+          </a:p>
+        </p:txBody>
+      </p:sp>
+      <p:sp>
+        <p:nvSpPr>
+          <p:cNvPr id="9" name="Rechteck 8">
+            <a:extLst>
+              <a:ext uri="{FF2B5EF4-FFF2-40B4-BE49-F238E27FC236}">
+                <a16:creationId xmlns:a16="http://schemas.microsoft.com/office/drawing/2014/main" id="{47680288-D3AA-C6FE-390E-4BE79313B277}"/>
+              </a:ext>
+            </a:extLst>
+          </p:cNvPr>
+          <p:cNvSpPr/>
+          <p:nvPr/>
+        </p:nvSpPr>
+        <p:spPr>
+          <a:xfrm>
+            <a:off x="20229875" y="6773315"/>
+            <a:ext cx="4184335" cy="1288704"/>
+          </a:xfrm>
+          <a:prstGeom prst="rect">
+            <a:avLst/>
+          </a:prstGeom>
+        </p:spPr>
+        <p:style>
+          <a:lnRef idx="2">
+            <a:schemeClr val="accent1">
+              <a:shade val="15000"/>
+            </a:schemeClr>
+          </a:lnRef>
+          <a:fillRef idx="1">
+            <a:schemeClr val="accent1"/>
+          </a:fillRef>
+          <a:effectRef idx="0">
+            <a:schemeClr val="accent1"/>
+          </a:effectRef>
+          <a:fontRef idx="minor">
+            <a:schemeClr val="lt1"/>
+          </a:fontRef>
+        </p:style>
+        <p:txBody>
+          <a:bodyPr rtlCol="0" anchor="ctr"/>
+          <a:lstStyle/>
+          <a:p>
+            <a:pPr algn="ctr"/>
+            <a:r>
+              <a:rPr lang="de-DE" sz="3600" dirty="0" err="1"/>
+              <a:t>utils.py</a:t>
+            </a:r>
+            <a:endParaRPr lang="de-DE" sz="3600" dirty="0"/>
+          </a:p>
+        </p:txBody>
+      </p:sp>
+      <p:sp>
+        <p:nvSpPr>
+          <p:cNvPr id="10" name="Rechteck 9">
+            <a:extLst>
+              <a:ext uri="{FF2B5EF4-FFF2-40B4-BE49-F238E27FC236}">
+                <a16:creationId xmlns:a16="http://schemas.microsoft.com/office/drawing/2014/main" id="{6629F9DE-B18B-0547-9F83-F7962B4D3598}"/>
+              </a:ext>
+            </a:extLst>
+          </p:cNvPr>
+          <p:cNvSpPr/>
+          <p:nvPr/>
+        </p:nvSpPr>
+        <p:spPr>
+          <a:xfrm>
+            <a:off x="9980085" y="1293338"/>
+            <a:ext cx="5512393" cy="1288704"/>
+          </a:xfrm>
+          <a:prstGeom prst="rect">
+            <a:avLst/>
+          </a:prstGeom>
+          <a:ln>
+            <a:solidFill>
+              <a:schemeClr val="accent2">
+                <a:lumMod val="50000"/>
+              </a:schemeClr>
+            </a:solidFill>
+          </a:ln>
+        </p:spPr>
+        <p:style>
+          <a:lnRef idx="2">
+            <a:schemeClr val="accent2">
+              <a:shade val="15000"/>
+            </a:schemeClr>
+          </a:lnRef>
+          <a:fillRef idx="1">
+            <a:schemeClr val="accent2"/>
+          </a:fillRef>
+          <a:effectRef idx="0">
+            <a:schemeClr val="accent2"/>
+          </a:effectRef>
+          <a:fontRef idx="minor">
+            <a:schemeClr val="lt1"/>
+          </a:fontRef>
+        </p:style>
+        <p:txBody>
+          <a:bodyPr rtlCol="0" anchor="ctr"/>
+          <a:lstStyle/>
+          <a:p>
+            <a:pPr algn="ctr"/>
+            <a:r>
+              <a:rPr lang="de-DE" sz="3600" dirty="0" err="1"/>
+              <a:t>Development_Times.json</a:t>
+            </a:r>
+            <a:endParaRPr lang="de-DE" sz="3600" dirty="0"/>
+          </a:p>
+        </p:txBody>
+      </p:sp>
+      <p:sp>
+        <p:nvSpPr>
+          <p:cNvPr id="23" name="Rechteck 22">
+            <a:extLst>
+              <a:ext uri="{FF2B5EF4-FFF2-40B4-BE49-F238E27FC236}">
+                <a16:creationId xmlns:a16="http://schemas.microsoft.com/office/drawing/2014/main" id="{D54B9DA5-28FF-4F1A-6E1A-B1DC5805B231}"/>
+              </a:ext>
+            </a:extLst>
+          </p:cNvPr>
+          <p:cNvSpPr/>
+          <p:nvPr/>
+        </p:nvSpPr>
+        <p:spPr>
+          <a:xfrm>
+            <a:off x="20229875" y="13931479"/>
+            <a:ext cx="4184335" cy="1288704"/>
+          </a:xfrm>
+          <a:prstGeom prst="rect">
+            <a:avLst/>
+          </a:prstGeom>
+        </p:spPr>
+        <p:style>
+          <a:lnRef idx="2">
+            <a:schemeClr val="accent1">
+              <a:shade val="15000"/>
+            </a:schemeClr>
+          </a:lnRef>
+          <a:fillRef idx="1">
+            <a:schemeClr val="accent1"/>
+          </a:fillRef>
+          <a:effectRef idx="0">
+            <a:schemeClr val="accent1"/>
+          </a:effectRef>
+          <a:fontRef idx="minor">
+            <a:schemeClr val="lt1"/>
+          </a:fontRef>
+        </p:style>
+        <p:txBody>
+          <a:bodyPr rtlCol="0" anchor="ctr"/>
+          <a:lstStyle/>
+          <a:p>
+            <a:pPr algn="ctr"/>
+            <a:r>
+              <a:rPr lang="de-DE" sz="3600" dirty="0" err="1"/>
+              <a:t>User_Intrct.py</a:t>
+            </a:r>
+            <a:endParaRPr lang="de-DE" sz="3600" dirty="0"/>
+          </a:p>
+        </p:txBody>
+      </p:sp>
+      <p:cxnSp>
+        <p:nvCxnSpPr>
+          <p:cNvPr id="30" name="Gewinkelte Verbindung 29">
+            <a:extLst>
+              <a:ext uri="{FF2B5EF4-FFF2-40B4-BE49-F238E27FC236}">
+                <a16:creationId xmlns:a16="http://schemas.microsoft.com/office/drawing/2014/main" id="{AFCC6E88-CAFD-1A8C-E354-82DDCD0D4795}"/>
+              </a:ext>
+            </a:extLst>
+          </p:cNvPr>
+          <p:cNvCxnSpPr>
+            <a:cxnSpLocks/>
+            <a:stCxn id="7" idx="3"/>
+          </p:cNvCxnSpPr>
+          <p:nvPr/>
+        </p:nvCxnSpPr>
+        <p:spPr>
+          <a:xfrm>
+            <a:off x="14828450" y="7403486"/>
+            <a:ext cx="5401425" cy="14181"/>
+          </a:xfrm>
+          <a:prstGeom prst="bentConnector3">
+            <a:avLst>
+              <a:gd name="adj1" fmla="val 50000"/>
+            </a:avLst>
+          </a:prstGeom>
+          <a:ln w="177800">
+            <a:solidFill>
+              <a:schemeClr val="tx1"/>
+            </a:solidFill>
+            <a:tailEnd type="triangle"/>
+          </a:ln>
+        </p:spPr>
+        <p:style>
+          <a:lnRef idx="2">
+            <a:schemeClr val="accent1"/>
+          </a:lnRef>
+          <a:fillRef idx="0">
+            <a:schemeClr val="accent1"/>
+          </a:fillRef>
+          <a:effectRef idx="1">
+            <a:schemeClr val="accent1"/>
+          </a:effectRef>
+          <a:fontRef idx="minor">
+            <a:schemeClr val="tx1"/>
+          </a:fontRef>
+        </p:style>
+      </p:cxnSp>
+      <p:cxnSp>
+        <p:nvCxnSpPr>
+          <p:cNvPr id="34" name="Gewinkelte Verbindung 33">
+            <a:extLst>
+              <a:ext uri="{FF2B5EF4-FFF2-40B4-BE49-F238E27FC236}">
+                <a16:creationId xmlns:a16="http://schemas.microsoft.com/office/drawing/2014/main" id="{FC76DA91-8ED1-5EDB-541C-A39158857553}"/>
+              </a:ext>
+            </a:extLst>
+          </p:cNvPr>
+          <p:cNvCxnSpPr>
+            <a:cxnSpLocks/>
+            <a:stCxn id="7" idx="3"/>
+            <a:endCxn id="23" idx="1"/>
+          </p:cNvCxnSpPr>
+          <p:nvPr/>
+        </p:nvCxnSpPr>
+        <p:spPr>
+          <a:xfrm>
+            <a:off x="14828450" y="7403486"/>
+            <a:ext cx="5401425" cy="7172345"/>
+          </a:xfrm>
+          <a:prstGeom prst="bentConnector3">
+            <a:avLst>
+              <a:gd name="adj1" fmla="val 50000"/>
+            </a:avLst>
+          </a:prstGeom>
+          <a:ln w="177800">
+            <a:solidFill>
+              <a:schemeClr val="tx1"/>
+            </a:solidFill>
+            <a:tailEnd type="triangle"/>
+          </a:ln>
+        </p:spPr>
+        <p:style>
+          <a:lnRef idx="2">
+            <a:schemeClr val="accent1"/>
+          </a:lnRef>
+          <a:fillRef idx="0">
+            <a:schemeClr val="accent1"/>
+          </a:fillRef>
+          <a:effectRef idx="1">
+            <a:schemeClr val="accent1"/>
+          </a:effectRef>
+          <a:fontRef idx="minor">
+            <a:schemeClr val="tx1"/>
+          </a:fontRef>
+        </p:style>
+      </p:cxnSp>
+      <p:cxnSp>
+        <p:nvCxnSpPr>
+          <p:cNvPr id="39" name="Gewinkelte Verbindung 38">
+            <a:extLst>
+              <a:ext uri="{FF2B5EF4-FFF2-40B4-BE49-F238E27FC236}">
+                <a16:creationId xmlns:a16="http://schemas.microsoft.com/office/drawing/2014/main" id="{385925B4-992F-3FAC-37EF-26E291A455C8}"/>
+              </a:ext>
+            </a:extLst>
+          </p:cNvPr>
+          <p:cNvCxnSpPr>
+            <a:cxnSpLocks/>
+            <a:stCxn id="23" idx="0"/>
+            <a:endCxn id="9" idx="2"/>
+          </p:cNvCxnSpPr>
+          <p:nvPr/>
+        </p:nvCxnSpPr>
+        <p:spPr>
+          <a:xfrm rot="5400000" flipH="1" flipV="1">
+            <a:off x="19387313" y="10996749"/>
+            <a:ext cx="5869460" cy="12700"/>
+          </a:xfrm>
+          <a:prstGeom prst="bentConnector3">
+            <a:avLst>
+              <a:gd name="adj1" fmla="val 50000"/>
+            </a:avLst>
+          </a:prstGeom>
+          <a:ln w="177800">
+            <a:solidFill>
+              <a:schemeClr val="tx1"/>
+            </a:solidFill>
+            <a:tailEnd type="triangle"/>
+          </a:ln>
+        </p:spPr>
+        <p:style>
+          <a:lnRef idx="2">
+            <a:schemeClr val="accent1"/>
+          </a:lnRef>
+          <a:fillRef idx="0">
+            <a:schemeClr val="accent1"/>
+          </a:fillRef>
+          <a:effectRef idx="1">
+            <a:schemeClr val="accent1"/>
+          </a:effectRef>
+          <a:fontRef idx="minor">
+            <a:schemeClr val="tx1"/>
+          </a:fontRef>
+        </p:style>
+      </p:cxnSp>
+      <p:cxnSp>
+        <p:nvCxnSpPr>
+          <p:cNvPr id="42" name="Gewinkelte Verbindung 41">
+            <a:extLst>
+              <a:ext uri="{FF2B5EF4-FFF2-40B4-BE49-F238E27FC236}">
+                <a16:creationId xmlns:a16="http://schemas.microsoft.com/office/drawing/2014/main" id="{B50433B2-FEBB-B139-A33E-A828DDE8F6CB}"/>
+              </a:ext>
+            </a:extLst>
+          </p:cNvPr>
+          <p:cNvCxnSpPr>
+            <a:cxnSpLocks/>
+            <a:stCxn id="9" idx="0"/>
+            <a:endCxn id="7" idx="3"/>
+          </p:cNvCxnSpPr>
+          <p:nvPr/>
+        </p:nvCxnSpPr>
+        <p:spPr>
+          <a:xfrm rot="16200000" flipH="1" flipV="1">
+            <a:off x="18260161" y="3341603"/>
+            <a:ext cx="630171" cy="7493593"/>
+          </a:xfrm>
+          <a:prstGeom prst="bentConnector4">
+            <a:avLst>
+              <a:gd name="adj1" fmla="val -259114"/>
+              <a:gd name="adj2" fmla="val 63960"/>
+            </a:avLst>
+          </a:prstGeom>
+          <a:ln w="177800">
+            <a:solidFill>
+              <a:schemeClr val="accent6">
+                <a:lumMod val="75000"/>
+              </a:schemeClr>
+            </a:solidFill>
+            <a:tailEnd type="triangle"/>
+          </a:ln>
+        </p:spPr>
+        <p:style>
+          <a:lnRef idx="2">
+            <a:schemeClr val="accent1"/>
+          </a:lnRef>
+          <a:fillRef idx="0">
+            <a:schemeClr val="accent1"/>
+          </a:fillRef>
+          <a:effectRef idx="1">
+            <a:schemeClr val="accent1"/>
+          </a:effectRef>
+          <a:fontRef idx="minor">
+            <a:schemeClr val="tx1"/>
+          </a:fontRef>
+        </p:style>
+      </p:cxnSp>
+      <p:cxnSp>
+        <p:nvCxnSpPr>
+          <p:cNvPr id="45" name="Gewinkelte Verbindung 44">
+            <a:extLst>
+              <a:ext uri="{FF2B5EF4-FFF2-40B4-BE49-F238E27FC236}">
+                <a16:creationId xmlns:a16="http://schemas.microsoft.com/office/drawing/2014/main" id="{1E146EEF-057C-F34B-485E-ADBE164814B6}"/>
+              </a:ext>
+            </a:extLst>
+          </p:cNvPr>
+          <p:cNvCxnSpPr>
+            <a:cxnSpLocks/>
+            <a:stCxn id="5" idx="0"/>
+            <a:endCxn id="10" idx="1"/>
+          </p:cNvCxnSpPr>
+          <p:nvPr/>
+        </p:nvCxnSpPr>
+        <p:spPr>
+          <a:xfrm rot="5400000" flipH="1" flipV="1">
+            <a:off x="5004823" y="1798052"/>
+            <a:ext cx="4835623" cy="5114901"/>
+          </a:xfrm>
+          <a:prstGeom prst="bentConnector2">
+            <a:avLst/>
+          </a:prstGeom>
+          <a:ln w="177800">
+            <a:solidFill>
+              <a:schemeClr val="tx1"/>
+            </a:solidFill>
+            <a:tailEnd type="triangle"/>
+          </a:ln>
+        </p:spPr>
+        <p:style>
+          <a:lnRef idx="2">
+            <a:schemeClr val="accent1"/>
+          </a:lnRef>
+          <a:fillRef idx="0">
+            <a:schemeClr val="accent1"/>
+          </a:fillRef>
+          <a:effectRef idx="1">
+            <a:schemeClr val="accent1"/>
+          </a:effectRef>
+          <a:fontRef idx="minor">
+            <a:schemeClr val="tx1"/>
+          </a:fontRef>
+        </p:style>
+      </p:cxnSp>
+      <p:cxnSp>
+        <p:nvCxnSpPr>
+          <p:cNvPr id="48" name="Gewinkelte Verbindung 47">
+            <a:extLst>
+              <a:ext uri="{FF2B5EF4-FFF2-40B4-BE49-F238E27FC236}">
+                <a16:creationId xmlns:a16="http://schemas.microsoft.com/office/drawing/2014/main" id="{6E037218-818C-A249-420C-D13073B85C6C}"/>
+              </a:ext>
+            </a:extLst>
+          </p:cNvPr>
+          <p:cNvCxnSpPr>
+            <a:cxnSpLocks/>
+            <a:stCxn id="7" idx="1"/>
+            <a:endCxn id="5" idx="3"/>
+          </p:cNvCxnSpPr>
+          <p:nvPr/>
+        </p:nvCxnSpPr>
+        <p:spPr>
+          <a:xfrm rot="10800000" flipV="1">
+            <a:off x="6957351" y="7403485"/>
+            <a:ext cx="3686764" cy="14179"/>
+          </a:xfrm>
+          <a:prstGeom prst="bentConnector3">
+            <a:avLst>
+              <a:gd name="adj1" fmla="val 50000"/>
+            </a:avLst>
+          </a:prstGeom>
+          <a:ln w="177800">
+            <a:solidFill>
+              <a:schemeClr val="tx1"/>
+            </a:solidFill>
+            <a:tailEnd type="triangle"/>
+          </a:ln>
+        </p:spPr>
+        <p:style>
+          <a:lnRef idx="2">
+            <a:schemeClr val="accent1"/>
+          </a:lnRef>
+          <a:fillRef idx="0">
+            <a:schemeClr val="accent1"/>
+          </a:fillRef>
+          <a:effectRef idx="1">
+            <a:schemeClr val="accent1"/>
+          </a:effectRef>
+          <a:fontRef idx="minor">
+            <a:schemeClr val="tx1"/>
+          </a:fontRef>
+        </p:style>
+      </p:cxnSp>
+      <p:cxnSp>
+        <p:nvCxnSpPr>
+          <p:cNvPr id="51" name="Gewinkelte Verbindung 50">
+            <a:extLst>
+              <a:ext uri="{FF2B5EF4-FFF2-40B4-BE49-F238E27FC236}">
+                <a16:creationId xmlns:a16="http://schemas.microsoft.com/office/drawing/2014/main" id="{A3003B1B-B67C-CCB1-E4DB-DDC14C1E7001}"/>
+              </a:ext>
+            </a:extLst>
+          </p:cNvPr>
+          <p:cNvCxnSpPr>
+            <a:cxnSpLocks/>
+            <a:stCxn id="10" idx="2"/>
+            <a:endCxn id="5" idx="0"/>
+          </p:cNvCxnSpPr>
+          <p:nvPr/>
+        </p:nvCxnSpPr>
+        <p:spPr>
+          <a:xfrm rot="5400000">
+            <a:off x="6705098" y="742128"/>
+            <a:ext cx="4191271" cy="7871098"/>
+          </a:xfrm>
+          <a:prstGeom prst="bentConnector3">
+            <a:avLst>
+              <a:gd name="adj1" fmla="val 50000"/>
+            </a:avLst>
+          </a:prstGeom>
+          <a:ln w="177800">
+            <a:solidFill>
+              <a:schemeClr val="accent6">
+                <a:lumMod val="75000"/>
+              </a:schemeClr>
+            </a:solidFill>
+            <a:tailEnd type="triangle"/>
+          </a:ln>
+        </p:spPr>
+        <p:style>
+          <a:lnRef idx="2">
+            <a:schemeClr val="accent1"/>
+          </a:lnRef>
+          <a:fillRef idx="0">
+            <a:schemeClr val="accent1"/>
+          </a:fillRef>
+          <a:effectRef idx="1">
+            <a:schemeClr val="accent1"/>
+          </a:effectRef>
+          <a:fontRef idx="minor">
+            <a:schemeClr val="tx1"/>
+          </a:fontRef>
+        </p:style>
+      </p:cxnSp>
+      <p:cxnSp>
+        <p:nvCxnSpPr>
+          <p:cNvPr id="54" name="Gewinkelte Verbindung 53">
+            <a:extLst>
+              <a:ext uri="{FF2B5EF4-FFF2-40B4-BE49-F238E27FC236}">
+                <a16:creationId xmlns:a16="http://schemas.microsoft.com/office/drawing/2014/main" id="{8A524BD7-105D-80BB-5E6F-7D4005E29466}"/>
+              </a:ext>
+            </a:extLst>
+          </p:cNvPr>
+          <p:cNvCxnSpPr>
+            <a:cxnSpLocks/>
+            <a:stCxn id="3" idx="2"/>
+            <a:endCxn id="6" idx="3"/>
+          </p:cNvCxnSpPr>
+          <p:nvPr/>
+        </p:nvCxnSpPr>
+        <p:spPr>
+          <a:xfrm rot="5400000">
+            <a:off x="8543258" y="6820501"/>
+            <a:ext cx="1885049" cy="6500999"/>
+          </a:xfrm>
+          <a:prstGeom prst="bentConnector2">
+            <a:avLst/>
+          </a:prstGeom>
+          <a:ln w="177800">
+            <a:solidFill>
+              <a:schemeClr val="tx1"/>
+            </a:solidFill>
+            <a:tailEnd type="triangle"/>
+          </a:ln>
+        </p:spPr>
+        <p:style>
+          <a:lnRef idx="2">
+            <a:schemeClr val="accent1"/>
+          </a:lnRef>
+          <a:fillRef idx="0">
+            <a:schemeClr val="accent1"/>
+          </a:fillRef>
+          <a:effectRef idx="1">
+            <a:schemeClr val="accent1"/>
+          </a:effectRef>
+          <a:fontRef idx="minor">
+            <a:schemeClr val="tx1"/>
+          </a:fontRef>
+        </p:style>
+      </p:cxnSp>
+      <p:cxnSp>
+        <p:nvCxnSpPr>
+          <p:cNvPr id="60" name="Gewinkelte Verbindung 59">
+            <a:extLst>
+              <a:ext uri="{FF2B5EF4-FFF2-40B4-BE49-F238E27FC236}">
+                <a16:creationId xmlns:a16="http://schemas.microsoft.com/office/drawing/2014/main" id="{8C960161-0AF9-0A39-6A39-C0FD0AE6FAD9}"/>
+              </a:ext>
+            </a:extLst>
+          </p:cNvPr>
+          <p:cNvCxnSpPr>
+            <a:cxnSpLocks/>
+            <a:stCxn id="3" idx="2"/>
+            <a:endCxn id="8" idx="3"/>
+          </p:cNvCxnSpPr>
+          <p:nvPr/>
+        </p:nvCxnSpPr>
+        <p:spPr>
+          <a:xfrm rot="5400000">
+            <a:off x="7676638" y="7653733"/>
+            <a:ext cx="3584900" cy="6534387"/>
+          </a:xfrm>
+          <a:prstGeom prst="bentConnector2">
+            <a:avLst/>
+          </a:prstGeom>
+          <a:ln w="177800">
+            <a:solidFill>
+              <a:schemeClr val="tx1"/>
+            </a:solidFill>
+            <a:tailEnd type="triangle"/>
+          </a:ln>
+        </p:spPr>
+        <p:style>
+          <a:lnRef idx="2">
+            <a:schemeClr val="accent1"/>
+          </a:lnRef>
+          <a:fillRef idx="0">
+            <a:schemeClr val="accent1"/>
+          </a:fillRef>
+          <a:effectRef idx="1">
+            <a:schemeClr val="accent1"/>
+          </a:effectRef>
+          <a:fontRef idx="minor">
+            <a:schemeClr val="tx1"/>
+          </a:fontRef>
+        </p:style>
+      </p:cxnSp>
+      <p:sp>
+        <p:nvSpPr>
+          <p:cNvPr id="85" name="Textfeld 84">
+            <a:extLst>
+              <a:ext uri="{FF2B5EF4-FFF2-40B4-BE49-F238E27FC236}">
+                <a16:creationId xmlns:a16="http://schemas.microsoft.com/office/drawing/2014/main" id="{6B4984F6-FC51-6EAD-296E-398BC351D555}"/>
+              </a:ext>
+            </a:extLst>
+          </p:cNvPr>
+          <p:cNvSpPr txBox="1"/>
+          <p:nvPr/>
+        </p:nvSpPr>
+        <p:spPr>
+          <a:xfrm>
+            <a:off x="3022215" y="2582041"/>
+            <a:ext cx="1593770" cy="1384995"/>
+          </a:xfrm>
+          <a:prstGeom prst="rect">
+            <a:avLst/>
+          </a:prstGeom>
+          <a:noFill/>
+        </p:spPr>
+        <p:txBody>
+          <a:bodyPr wrap="none" rtlCol="0">
+            <a:spAutoFit/>
+          </a:bodyPr>
+          <a:lstStyle/>
+          <a:p>
+            <a:pPr algn="ctr"/>
+            <a:r>
+              <a:rPr lang="de-DE" sz="2800" dirty="0" err="1"/>
+              <a:t>Adding</a:t>
+            </a:r>
+            <a:r>
+              <a:rPr lang="de-DE" sz="2800" dirty="0"/>
+              <a:t>/</a:t>
+            </a:r>
+          </a:p>
+          <a:p>
+            <a:pPr algn="ctr"/>
+            <a:r>
+              <a:rPr lang="de-DE" sz="2800" dirty="0" err="1"/>
+              <a:t>Saving</a:t>
+            </a:r>
+            <a:r>
+              <a:rPr lang="de-DE" sz="2800" dirty="0"/>
+              <a:t>/</a:t>
+            </a:r>
+          </a:p>
+          <a:p>
+            <a:pPr algn="ctr"/>
+            <a:r>
+              <a:rPr lang="de-DE" sz="2800" dirty="0" err="1"/>
+              <a:t>Updating</a:t>
+            </a:r>
+            <a:endParaRPr lang="de-DE" sz="2800" dirty="0"/>
+          </a:p>
+        </p:txBody>
+      </p:sp>
+      <p:sp>
+        <p:nvSpPr>
+          <p:cNvPr id="90" name="Textfeld 89">
+            <a:extLst>
+              <a:ext uri="{FF2B5EF4-FFF2-40B4-BE49-F238E27FC236}">
+                <a16:creationId xmlns:a16="http://schemas.microsoft.com/office/drawing/2014/main" id="{C83C0DFC-AD05-7692-D25B-BF3240383ADC}"/>
+              </a:ext>
+            </a:extLst>
+          </p:cNvPr>
+          <p:cNvSpPr txBox="1"/>
+          <p:nvPr/>
+        </p:nvSpPr>
+        <p:spPr>
+          <a:xfrm>
+            <a:off x="8018594" y="9024293"/>
+            <a:ext cx="1564274" cy="954107"/>
+          </a:xfrm>
+          <a:prstGeom prst="rect">
+            <a:avLst/>
+          </a:prstGeom>
+          <a:noFill/>
+        </p:spPr>
+        <p:txBody>
+          <a:bodyPr wrap="none" rtlCol="0">
+            <a:spAutoFit/>
+          </a:bodyPr>
+          <a:lstStyle/>
+          <a:p>
+            <a:pPr algn="ctr"/>
+            <a:r>
+              <a:rPr lang="de-DE" sz="2800" dirty="0" err="1"/>
+              <a:t>Prepares</a:t>
+            </a:r>
+            <a:endParaRPr lang="de-DE" sz="2800" dirty="0"/>
+          </a:p>
+          <a:p>
+            <a:pPr algn="ctr"/>
+            <a:r>
+              <a:rPr lang="de-DE" sz="2800" dirty="0"/>
+              <a:t>Data</a:t>
+            </a:r>
+          </a:p>
+        </p:txBody>
+      </p:sp>
+      <p:sp>
+        <p:nvSpPr>
+          <p:cNvPr id="92" name="Textfeld 91">
+            <a:extLst>
+              <a:ext uri="{FF2B5EF4-FFF2-40B4-BE49-F238E27FC236}">
+                <a16:creationId xmlns:a16="http://schemas.microsoft.com/office/drawing/2014/main" id="{67AACBC9-C4EE-DF5C-B2EF-57E3D4BCB94E}"/>
+              </a:ext>
+            </a:extLst>
+          </p:cNvPr>
+          <p:cNvSpPr txBox="1"/>
+          <p:nvPr/>
+        </p:nvSpPr>
+        <p:spPr>
+          <a:xfrm>
+            <a:off x="19369062" y="3991703"/>
+            <a:ext cx="1721625" cy="954107"/>
+          </a:xfrm>
+          <a:prstGeom prst="rect">
+            <a:avLst/>
+          </a:prstGeom>
+          <a:noFill/>
+        </p:spPr>
+        <p:txBody>
+          <a:bodyPr wrap="none" rtlCol="0">
+            <a:spAutoFit/>
+          </a:bodyPr>
+          <a:lstStyle/>
+          <a:p>
+            <a:pPr algn="ctr"/>
+            <a:r>
+              <a:rPr lang="de-DE" sz="2800" dirty="0"/>
+              <a:t>Parses</a:t>
+            </a:r>
+          </a:p>
+          <a:p>
+            <a:pPr algn="ctr"/>
+            <a:r>
+              <a:rPr lang="de-DE" sz="2800" dirty="0" err="1"/>
+              <a:t>UserInput</a:t>
+            </a:r>
+            <a:endParaRPr lang="de-DE" sz="2800" dirty="0"/>
+          </a:p>
+        </p:txBody>
+      </p:sp>
+      <p:sp>
+        <p:nvSpPr>
+          <p:cNvPr id="94" name="Textfeld 93">
+            <a:extLst>
+              <a:ext uri="{FF2B5EF4-FFF2-40B4-BE49-F238E27FC236}">
+                <a16:creationId xmlns:a16="http://schemas.microsoft.com/office/drawing/2014/main" id="{8CD6F746-CBA5-E125-B05B-BFC776A5E899}"/>
+              </a:ext>
+            </a:extLst>
+          </p:cNvPr>
+          <p:cNvSpPr txBox="1"/>
+          <p:nvPr/>
+        </p:nvSpPr>
+        <p:spPr>
+          <a:xfrm>
+            <a:off x="22510489" y="10703770"/>
+            <a:ext cx="1721625" cy="954107"/>
+          </a:xfrm>
+          <a:prstGeom prst="rect">
+            <a:avLst/>
+          </a:prstGeom>
+          <a:noFill/>
+        </p:spPr>
+        <p:txBody>
+          <a:bodyPr wrap="none" rtlCol="0">
+            <a:spAutoFit/>
+          </a:bodyPr>
+          <a:lstStyle/>
+          <a:p>
+            <a:pPr algn="ctr"/>
+            <a:r>
+              <a:rPr lang="de-DE" sz="2800" dirty="0" err="1"/>
+              <a:t>Provides</a:t>
+            </a:r>
+            <a:endParaRPr lang="de-DE" sz="2800" dirty="0"/>
+          </a:p>
+          <a:p>
+            <a:pPr algn="ctr"/>
+            <a:r>
+              <a:rPr lang="de-DE" sz="2800" dirty="0" err="1"/>
+              <a:t>UserInput</a:t>
+            </a:r>
+            <a:endParaRPr lang="de-DE" sz="2800" dirty="0"/>
+          </a:p>
+        </p:txBody>
+      </p:sp>
+      <p:sp>
+        <p:nvSpPr>
+          <p:cNvPr id="95" name="Textfeld 94">
+            <a:extLst>
+              <a:ext uri="{FF2B5EF4-FFF2-40B4-BE49-F238E27FC236}">
+                <a16:creationId xmlns:a16="http://schemas.microsoft.com/office/drawing/2014/main" id="{E3B5434A-552C-C93D-B1C7-EFB3F5D989CD}"/>
+              </a:ext>
+            </a:extLst>
+          </p:cNvPr>
+          <p:cNvSpPr txBox="1"/>
+          <p:nvPr/>
+        </p:nvSpPr>
+        <p:spPr>
+          <a:xfrm>
+            <a:off x="15711285" y="10369173"/>
+            <a:ext cx="1721625" cy="954107"/>
+          </a:xfrm>
+          <a:prstGeom prst="rect">
+            <a:avLst/>
+          </a:prstGeom>
+          <a:noFill/>
+        </p:spPr>
+        <p:txBody>
+          <a:bodyPr wrap="none" rtlCol="0">
+            <a:spAutoFit/>
+          </a:bodyPr>
+          <a:lstStyle/>
+          <a:p>
+            <a:pPr algn="ctr"/>
+            <a:r>
+              <a:rPr lang="de-DE" sz="2800" dirty="0" err="1"/>
+              <a:t>Requests</a:t>
+            </a:r>
+            <a:endParaRPr lang="de-DE" sz="2800" dirty="0"/>
+          </a:p>
+          <a:p>
+            <a:pPr algn="ctr"/>
+            <a:r>
+              <a:rPr lang="de-DE" sz="2800" dirty="0" err="1"/>
+              <a:t>UserInput</a:t>
+            </a:r>
+            <a:endParaRPr lang="de-DE" sz="2800" dirty="0"/>
+          </a:p>
+        </p:txBody>
+      </p:sp>
+      <p:sp>
+        <p:nvSpPr>
+          <p:cNvPr id="96" name="Textfeld 95">
+            <a:extLst>
+              <a:ext uri="{FF2B5EF4-FFF2-40B4-BE49-F238E27FC236}">
+                <a16:creationId xmlns:a16="http://schemas.microsoft.com/office/drawing/2014/main" id="{16F1A77C-C162-8E33-38EA-49261A7A04AA}"/>
+              </a:ext>
+            </a:extLst>
+          </p:cNvPr>
+          <p:cNvSpPr txBox="1"/>
+          <p:nvPr/>
+        </p:nvSpPr>
+        <p:spPr>
+          <a:xfrm>
+            <a:off x="8083481" y="11117703"/>
+            <a:ext cx="3059877" cy="954107"/>
+          </a:xfrm>
+          <a:prstGeom prst="rect">
+            <a:avLst/>
+          </a:prstGeom>
+          <a:noFill/>
+        </p:spPr>
+        <p:txBody>
+          <a:bodyPr wrap="none" rtlCol="0">
+            <a:spAutoFit/>
+          </a:bodyPr>
+          <a:lstStyle/>
+          <a:p>
+            <a:pPr algn="ctr"/>
+            <a:r>
+              <a:rPr lang="de-DE" sz="2800" dirty="0"/>
+              <a:t>(</a:t>
+            </a:r>
+            <a:r>
+              <a:rPr lang="de-DE" sz="2800" dirty="0" err="1"/>
+              <a:t>Requests</a:t>
+            </a:r>
+            <a:endParaRPr lang="de-DE" sz="2800" dirty="0"/>
+          </a:p>
+          <a:p>
+            <a:pPr algn="ctr"/>
+            <a:r>
+              <a:rPr lang="de-DE" sz="2800" dirty="0" err="1"/>
+              <a:t>DecisionProtocoll</a:t>
+            </a:r>
+            <a:r>
+              <a:rPr lang="de-DE" sz="2800" dirty="0"/>
+              <a:t>)</a:t>
+            </a:r>
+          </a:p>
+        </p:txBody>
+      </p:sp>
+      <p:sp>
+        <p:nvSpPr>
+          <p:cNvPr id="97" name="Textfeld 96">
+            <a:extLst>
+              <a:ext uri="{FF2B5EF4-FFF2-40B4-BE49-F238E27FC236}">
+                <a16:creationId xmlns:a16="http://schemas.microsoft.com/office/drawing/2014/main" id="{9A1547C6-EA1A-3DC4-F60D-EE114224394F}"/>
+              </a:ext>
+            </a:extLst>
+          </p:cNvPr>
+          <p:cNvSpPr txBox="1"/>
+          <p:nvPr/>
+        </p:nvSpPr>
+        <p:spPr>
+          <a:xfrm>
+            <a:off x="8791079" y="12807088"/>
+            <a:ext cx="1644681" cy="954107"/>
+          </a:xfrm>
+          <a:prstGeom prst="rect">
+            <a:avLst/>
+          </a:prstGeom>
+          <a:noFill/>
+        </p:spPr>
+        <p:txBody>
+          <a:bodyPr wrap="none" rtlCol="0">
+            <a:spAutoFit/>
+          </a:bodyPr>
+          <a:lstStyle/>
+          <a:p>
+            <a:pPr algn="ctr"/>
+            <a:r>
+              <a:rPr lang="de-DE" sz="2800" dirty="0" err="1"/>
+              <a:t>Requests</a:t>
+            </a:r>
+            <a:endParaRPr lang="de-DE" sz="2800" dirty="0"/>
+          </a:p>
+          <a:p>
+            <a:pPr algn="ctr"/>
+            <a:r>
+              <a:rPr lang="de-DE" sz="2800" dirty="0"/>
+              <a:t>Plot</a:t>
+            </a:r>
+          </a:p>
+        </p:txBody>
+      </p:sp>
+      <p:sp>
+        <p:nvSpPr>
+          <p:cNvPr id="102" name="Textfeld 101">
+            <a:extLst>
+              <a:ext uri="{FF2B5EF4-FFF2-40B4-BE49-F238E27FC236}">
+                <a16:creationId xmlns:a16="http://schemas.microsoft.com/office/drawing/2014/main" id="{C06AB00B-5A93-DD9E-0D37-99DB2E79AFF8}"/>
+              </a:ext>
+            </a:extLst>
+          </p:cNvPr>
+          <p:cNvSpPr txBox="1"/>
+          <p:nvPr/>
+        </p:nvSpPr>
+        <p:spPr>
+          <a:xfrm>
+            <a:off x="14387491" y="12680274"/>
+            <a:ext cx="1960345" cy="954107"/>
+          </a:xfrm>
+          <a:prstGeom prst="rect">
+            <a:avLst/>
+          </a:prstGeom>
+          <a:noFill/>
+        </p:spPr>
+        <p:txBody>
+          <a:bodyPr wrap="none" rtlCol="0">
+            <a:spAutoFit/>
+          </a:bodyPr>
+          <a:lstStyle/>
+          <a:p>
+            <a:pPr algn="ctr"/>
+            <a:r>
+              <a:rPr lang="de-DE" sz="2800" dirty="0" err="1"/>
+              <a:t>Requests</a:t>
+            </a:r>
+            <a:endParaRPr lang="de-DE" sz="2800" dirty="0"/>
+          </a:p>
+          <a:p>
+            <a:pPr algn="ctr"/>
+            <a:r>
+              <a:rPr lang="de-DE" sz="2800" dirty="0"/>
+              <a:t>Processing</a:t>
+            </a:r>
+          </a:p>
+        </p:txBody>
+      </p:sp>
+      <p:cxnSp>
+        <p:nvCxnSpPr>
+          <p:cNvPr id="105" name="Gewinkelte Verbindung 104">
+            <a:extLst>
+              <a:ext uri="{FF2B5EF4-FFF2-40B4-BE49-F238E27FC236}">
+                <a16:creationId xmlns:a16="http://schemas.microsoft.com/office/drawing/2014/main" id="{C15364B8-945D-E54E-4D46-FEF97D080BD8}"/>
+              </a:ext>
+            </a:extLst>
+          </p:cNvPr>
+          <p:cNvCxnSpPr>
+            <a:cxnSpLocks/>
+            <a:stCxn id="3" idx="2"/>
+            <a:endCxn id="2" idx="0"/>
+          </p:cNvCxnSpPr>
+          <p:nvPr/>
+        </p:nvCxnSpPr>
+        <p:spPr>
+          <a:xfrm rot="16200000" flipH="1">
+            <a:off x="10671027" y="11193729"/>
+            <a:ext cx="5526171" cy="1395663"/>
+          </a:xfrm>
+          <a:prstGeom prst="bentConnector3">
+            <a:avLst>
+              <a:gd name="adj1" fmla="val 50000"/>
+            </a:avLst>
+          </a:prstGeom>
+          <a:ln w="177800">
+            <a:solidFill>
+              <a:schemeClr val="tx1"/>
+            </a:solidFill>
+            <a:tailEnd type="triangle"/>
+          </a:ln>
+        </p:spPr>
+        <p:style>
+          <a:lnRef idx="2">
+            <a:schemeClr val="accent1"/>
+          </a:lnRef>
+          <a:fillRef idx="0">
+            <a:schemeClr val="accent1"/>
+          </a:fillRef>
+          <a:effectRef idx="1">
+            <a:schemeClr val="accent1"/>
+          </a:effectRef>
+          <a:fontRef idx="minor">
+            <a:schemeClr val="tx1"/>
+          </a:fontRef>
+        </p:style>
+      </p:cxnSp>
+      <p:cxnSp>
+        <p:nvCxnSpPr>
+          <p:cNvPr id="86" name="Gewinkelte Verbindung 85">
+            <a:extLst>
+              <a:ext uri="{FF2B5EF4-FFF2-40B4-BE49-F238E27FC236}">
+                <a16:creationId xmlns:a16="http://schemas.microsoft.com/office/drawing/2014/main" id="{23D659A4-96B3-23B6-6560-2F38863AF0E9}"/>
+              </a:ext>
+            </a:extLst>
+          </p:cNvPr>
+          <p:cNvCxnSpPr>
+            <a:cxnSpLocks/>
+            <a:stCxn id="5" idx="2"/>
+            <a:endCxn id="3" idx="2"/>
+          </p:cNvCxnSpPr>
+          <p:nvPr/>
+        </p:nvCxnSpPr>
+        <p:spPr>
+          <a:xfrm rot="16200000" flipH="1">
+            <a:off x="8267503" y="4659697"/>
+            <a:ext cx="1066459" cy="7871097"/>
+          </a:xfrm>
+          <a:prstGeom prst="bentConnector3">
+            <a:avLst>
+              <a:gd name="adj1" fmla="val 184613"/>
+            </a:avLst>
+          </a:prstGeom>
+          <a:ln w="177800">
+            <a:solidFill>
+              <a:schemeClr val="accent6">
+                <a:lumMod val="75000"/>
+              </a:schemeClr>
+            </a:solidFill>
+            <a:tailEnd type="triangle"/>
+          </a:ln>
+        </p:spPr>
+        <p:style>
+          <a:lnRef idx="2">
+            <a:schemeClr val="accent1"/>
+          </a:lnRef>
+          <a:fillRef idx="0">
+            <a:schemeClr val="accent1"/>
+          </a:fillRef>
+          <a:effectRef idx="1">
+            <a:schemeClr val="accent1"/>
+          </a:effectRef>
+          <a:fontRef idx="minor">
+            <a:schemeClr val="tx1"/>
+          </a:fontRef>
+        </p:style>
+      </p:cxnSp>
+      <p:sp>
+        <p:nvSpPr>
+          <p:cNvPr id="108" name="Textfeld 107">
+            <a:extLst>
+              <a:ext uri="{FF2B5EF4-FFF2-40B4-BE49-F238E27FC236}">
+                <a16:creationId xmlns:a16="http://schemas.microsoft.com/office/drawing/2014/main" id="{E7B970D3-368F-68D2-6904-26D04AD49CAB}"/>
+              </a:ext>
+            </a:extLst>
+          </p:cNvPr>
+          <p:cNvSpPr txBox="1"/>
+          <p:nvPr/>
+        </p:nvSpPr>
+        <p:spPr>
+          <a:xfrm>
+            <a:off x="8018594" y="3563976"/>
+            <a:ext cx="2204130" cy="954107"/>
+          </a:xfrm>
+          <a:prstGeom prst="rect">
+            <a:avLst/>
+          </a:prstGeom>
+          <a:noFill/>
+        </p:spPr>
+        <p:txBody>
+          <a:bodyPr wrap="none" rtlCol="0">
+            <a:spAutoFit/>
+          </a:bodyPr>
+          <a:lstStyle/>
+          <a:p>
+            <a:pPr algn="ctr"/>
+            <a:r>
+              <a:rPr lang="de-DE" sz="2800" dirty="0" err="1"/>
+              <a:t>Provides</a:t>
+            </a:r>
+            <a:endParaRPr lang="de-DE" sz="2800" dirty="0"/>
+          </a:p>
+          <a:p>
+            <a:pPr algn="ctr"/>
+            <a:r>
+              <a:rPr lang="de-DE" sz="2800" dirty="0" err="1"/>
+              <a:t>Entered</a:t>
+            </a:r>
+            <a:r>
+              <a:rPr lang="de-DE" sz="2800" dirty="0"/>
+              <a:t> Data</a:t>
+            </a:r>
+          </a:p>
+        </p:txBody>
+      </p:sp>
+      <p:cxnSp>
+        <p:nvCxnSpPr>
+          <p:cNvPr id="110" name="Gewinkelte Verbindung 109">
+            <a:extLst>
+              <a:ext uri="{FF2B5EF4-FFF2-40B4-BE49-F238E27FC236}">
+                <a16:creationId xmlns:a16="http://schemas.microsoft.com/office/drawing/2014/main" id="{EC34FDF2-F498-555E-B93C-DA57CCDA34F1}"/>
+              </a:ext>
+            </a:extLst>
+          </p:cNvPr>
+          <p:cNvCxnSpPr>
+            <a:cxnSpLocks/>
+            <a:stCxn id="5" idx="0"/>
+            <a:endCxn id="7" idx="0"/>
+          </p:cNvCxnSpPr>
+          <p:nvPr/>
+        </p:nvCxnSpPr>
+        <p:spPr>
+          <a:xfrm rot="5400000" flipH="1" flipV="1">
+            <a:off x="8793644" y="2830675"/>
+            <a:ext cx="14179" cy="7871099"/>
+          </a:xfrm>
+          <a:prstGeom prst="bentConnector3">
+            <a:avLst>
+              <a:gd name="adj1" fmla="val 8670351"/>
+            </a:avLst>
+          </a:prstGeom>
+          <a:ln w="177800">
+            <a:solidFill>
+              <a:schemeClr val="accent6">
+                <a:lumMod val="75000"/>
+              </a:schemeClr>
+            </a:solidFill>
+            <a:tailEnd type="triangle"/>
+          </a:ln>
+        </p:spPr>
+        <p:style>
+          <a:lnRef idx="2">
+            <a:schemeClr val="accent1"/>
+          </a:lnRef>
+          <a:fillRef idx="0">
+            <a:schemeClr val="accent1"/>
+          </a:fillRef>
+          <a:effectRef idx="1">
+            <a:schemeClr val="accent1"/>
+          </a:effectRef>
+          <a:fontRef idx="minor">
+            <a:schemeClr val="tx1"/>
+          </a:fontRef>
+        </p:style>
+      </p:cxnSp>
+      <p:sp>
+        <p:nvSpPr>
+          <p:cNvPr id="115" name="Textfeld 114">
+            <a:extLst>
+              <a:ext uri="{FF2B5EF4-FFF2-40B4-BE49-F238E27FC236}">
+                <a16:creationId xmlns:a16="http://schemas.microsoft.com/office/drawing/2014/main" id="{FBD7A286-E42D-5B07-E723-0BC85C875F23}"/>
+              </a:ext>
+            </a:extLst>
+          </p:cNvPr>
+          <p:cNvSpPr txBox="1"/>
+          <p:nvPr/>
+        </p:nvSpPr>
+        <p:spPr>
+          <a:xfrm>
+            <a:off x="7429676" y="5546640"/>
+            <a:ext cx="2896691" cy="954107"/>
+          </a:xfrm>
+          <a:prstGeom prst="rect">
+            <a:avLst/>
+          </a:prstGeom>
+          <a:noFill/>
+        </p:spPr>
+        <p:txBody>
+          <a:bodyPr wrap="none" rtlCol="0">
+            <a:spAutoFit/>
+          </a:bodyPr>
+          <a:lstStyle/>
+          <a:p>
+            <a:pPr algn="ctr"/>
+            <a:r>
+              <a:rPr lang="de-DE" sz="2800" dirty="0" err="1"/>
+              <a:t>Provides</a:t>
+            </a:r>
+            <a:endParaRPr lang="de-DE" sz="2800" dirty="0"/>
+          </a:p>
+          <a:p>
+            <a:pPr algn="ctr"/>
+            <a:r>
+              <a:rPr lang="de-DE" sz="2800" dirty="0" err="1"/>
+              <a:t>InterpolatedData</a:t>
+            </a:r>
+            <a:endParaRPr lang="de-DE" sz="2800" dirty="0"/>
+          </a:p>
+        </p:txBody>
+      </p:sp>
+      <p:sp>
+        <p:nvSpPr>
+          <p:cNvPr id="116" name="Textfeld 115">
+            <a:extLst>
+              <a:ext uri="{FF2B5EF4-FFF2-40B4-BE49-F238E27FC236}">
+                <a16:creationId xmlns:a16="http://schemas.microsoft.com/office/drawing/2014/main" id="{D10EE2DF-B151-C2E8-7652-15156B47F62C}"/>
+              </a:ext>
+            </a:extLst>
+          </p:cNvPr>
+          <p:cNvSpPr txBox="1"/>
+          <p:nvPr/>
+        </p:nvSpPr>
+        <p:spPr>
+          <a:xfrm>
+            <a:off x="7662525" y="7480783"/>
+            <a:ext cx="2625527" cy="954107"/>
+          </a:xfrm>
+          <a:prstGeom prst="rect">
+            <a:avLst/>
+          </a:prstGeom>
+          <a:noFill/>
+        </p:spPr>
+        <p:txBody>
+          <a:bodyPr wrap="none" rtlCol="0">
+            <a:spAutoFit/>
+          </a:bodyPr>
+          <a:lstStyle/>
+          <a:p>
+            <a:pPr algn="ctr"/>
+            <a:r>
+              <a:rPr lang="de-DE" sz="2800" dirty="0" err="1"/>
+              <a:t>Reuests</a:t>
+            </a:r>
+            <a:endParaRPr lang="de-DE" sz="2800" dirty="0"/>
+          </a:p>
+          <a:p>
+            <a:pPr algn="ctr"/>
+            <a:r>
+              <a:rPr lang="de-DE" sz="2800" dirty="0" err="1"/>
+              <a:t>DataProcessing</a:t>
+            </a:r>
+            <a:endParaRPr lang="de-DE" sz="2800" dirty="0"/>
           </a:p>
         </p:txBody>
       </p:sp>
